--- a/eece2160/f18/lectures/eece.2160f18_lec35_bitwise.pptx
+++ b/eece2160/f18/lectures/eece.2160f18_lec35_bitwise.pptx
@@ -5,10 +5,10 @@
     <p:sldMasterId id="2147483792" r:id="rId1"/>
   </p:sldMasterIdLst>
   <p:notesMasterIdLst>
-    <p:notesMasterId r:id="rId27"/>
+    <p:notesMasterId r:id="rId23"/>
   </p:notesMasterIdLst>
   <p:handoutMasterIdLst>
-    <p:handoutMasterId r:id="rId28"/>
+    <p:handoutMasterId r:id="rId24"/>
   </p:handoutMasterIdLst>
   <p:sldIdLst>
     <p:sldId id="256" r:id="rId2"/>
@@ -31,11 +31,7 @@
     <p:sldId id="543" r:id="rId19"/>
     <p:sldId id="544" r:id="rId20"/>
     <p:sldId id="545" r:id="rId21"/>
-    <p:sldId id="546" r:id="rId22"/>
-    <p:sldId id="547" r:id="rId23"/>
-    <p:sldId id="548" r:id="rId24"/>
-    <p:sldId id="549" r:id="rId25"/>
-    <p:sldId id="324" r:id="rId26"/>
+    <p:sldId id="324" r:id="rId22"/>
   </p:sldIdLst>
   <p:sldSz cx="9144000" cy="6858000" type="screen4x3"/>
   <p:notesSz cx="9144000" cy="6858000"/>
@@ -2030,7 +2026,7 @@
             <a:fld id="{F6FAF71A-BB5A-8A4C-B00D-04CBBE690D45}" type="slidenum">
               <a:rPr lang="en-US" smtClean="0"/>
               <a:pPr/>
-              <a:t>25</a:t>
+              <a:t>21</a:t>
             </a:fld>
             <a:endParaRPr lang="en-US"/>
           </a:p>
@@ -2271,9 +2267,9 @@
             </a:lvl1pPr>
           </a:lstStyle>
           <a:p>
-            <a:fld id="{80355C12-984F-4B4F-8209-0ADFF3C2485B}" type="datetime1">
+            <a:fld id="{C426BE51-CA06-1448-8FBD-5E820CAA34DD}" type="datetime1">
               <a:rPr lang="en-US" smtClean="0"/>
-              <a:t>12/6/18</a:t>
+              <a:t>12/9/18</a:t>
             </a:fld>
             <a:endParaRPr lang="en-US"/>
           </a:p>
@@ -2308,7 +2304,7 @@
             </a:pPr>
             <a:r>
               <a:rPr lang="en-US" altLang="en-US" smtClean="0"/>
-              <a:t>ECE Application Programming: Lecture 34</a:t>
+              <a:t>ECE Application Programming: Lecture 35</a:t>
             </a:r>
             <a:endParaRPr lang="en-US" altLang="en-US"/>
           </a:p>
@@ -2468,9 +2464,9 @@
             </a:lvl1pPr>
           </a:lstStyle>
           <a:p>
-            <a:fld id="{4E20D9AE-427B-EF42-A80B-63D4319ABB50}" type="datetime1">
+            <a:fld id="{7D8BBA21-9495-9F49-B889-0C9EA6823A77}" type="datetime1">
               <a:rPr lang="en-US" smtClean="0"/>
-              <a:t>12/6/18</a:t>
+              <a:t>12/9/18</a:t>
             </a:fld>
             <a:endParaRPr lang="en-US"/>
           </a:p>
@@ -2502,7 +2498,7 @@
             </a:pPr>
             <a:r>
               <a:rPr lang="en-US" altLang="en-US" smtClean="0"/>
-              <a:t>ECE Application Programming: Lecture 34</a:t>
+              <a:t>ECE Application Programming: Lecture 35</a:t>
             </a:r>
             <a:endParaRPr lang="en-US" altLang="en-US"/>
           </a:p>
@@ -2674,9 +2670,9 @@
             </a:lvl1pPr>
           </a:lstStyle>
           <a:p>
-            <a:fld id="{DE23A254-CF81-3B42-8F64-F8452CF415D4}" type="datetime1">
+            <a:fld id="{3E4F6FC9-BD21-7F4A-90AE-7BF852D2C955}" type="datetime1">
               <a:rPr lang="en-US" smtClean="0"/>
-              <a:t>12/6/18</a:t>
+              <a:t>12/9/18</a:t>
             </a:fld>
             <a:endParaRPr lang="en-US"/>
           </a:p>
@@ -2708,7 +2704,7 @@
             </a:pPr>
             <a:r>
               <a:rPr lang="en-US" altLang="en-US" smtClean="0"/>
-              <a:t>ECE Application Programming: Lecture 34</a:t>
+              <a:t>ECE Application Programming: Lecture 35</a:t>
             </a:r>
             <a:endParaRPr lang="en-US" altLang="en-US"/>
           </a:p>
@@ -2937,9 +2933,9 @@
             </a:lvl1pPr>
           </a:lstStyle>
           <a:p>
-            <a:fld id="{C46748A0-86AE-6441-96D0-E78176B1C379}" type="datetime1">
+            <a:fld id="{7CE7646D-E2FF-1C40-BA9B-F0069041D349}" type="datetime1">
               <a:rPr lang="en-US" smtClean="0"/>
-              <a:t>12/6/18</a:t>
+              <a:t>12/9/18</a:t>
             </a:fld>
             <a:endParaRPr lang="en-US"/>
           </a:p>
@@ -2971,7 +2967,7 @@
             </a:pPr>
             <a:r>
               <a:rPr lang="en-US" altLang="en-US" smtClean="0"/>
-              <a:t>ECE Application Programming: Lecture 34</a:t>
+              <a:t>ECE Application Programming: Lecture 35</a:t>
             </a:r>
             <a:endParaRPr lang="en-US" altLang="en-US"/>
           </a:p>
@@ -3200,9 +3196,9 @@
             </a:lvl1pPr>
           </a:lstStyle>
           <a:p>
-            <a:fld id="{02586C52-8757-854F-A8F4-5DCC22877617}" type="datetime1">
+            <a:fld id="{8FE9B8BF-C796-B849-A4FA-969F50CB9A1C}" type="datetime1">
               <a:rPr lang="en-US" smtClean="0"/>
-              <a:t>12/6/18</a:t>
+              <a:t>12/9/18</a:t>
             </a:fld>
             <a:endParaRPr lang="en-US"/>
           </a:p>
@@ -3234,7 +3230,7 @@
             </a:pPr>
             <a:r>
               <a:rPr lang="en-US" altLang="en-US" smtClean="0"/>
-              <a:t>ECE Application Programming: Lecture 34</a:t>
+              <a:t>ECE Application Programming: Lecture 35</a:t>
             </a:r>
             <a:endParaRPr lang="en-US" altLang="en-US"/>
           </a:p>
@@ -3283,189 +3279,6 @@
 </p:sldLayout>
 </file>
 
-<file path=ppt/slideLayouts/slideLayout14.xml><?xml version="1.0" encoding="utf-8"?>
-<p:sldLayout xmlns:a="http://schemas.openxmlformats.org/drawingml/2006/main" xmlns:r="http://schemas.openxmlformats.org/officeDocument/2006/relationships" xmlns:p="http://schemas.openxmlformats.org/presentationml/2006/main" type="tbl">
-  <p:cSld name="Title and Table">
-    <p:spTree>
-      <p:nvGrpSpPr>
-        <p:cNvPr id="1" name=""/>
-        <p:cNvGrpSpPr/>
-        <p:nvPr/>
-      </p:nvGrpSpPr>
-      <p:grpSpPr>
-        <a:xfrm>
-          <a:off x="0" y="0"/>
-          <a:ext cx="0" cy="0"/>
-          <a:chOff x="0" y="0"/>
-          <a:chExt cx="0" cy="0"/>
-        </a:xfrm>
-      </p:grpSpPr>
-      <p:sp>
-        <p:nvSpPr>
-          <p:cNvPr id="2" name="Title 1"/>
-          <p:cNvSpPr>
-            <a:spLocks noGrp="1"/>
-          </p:cNvSpPr>
-          <p:nvPr>
-            <p:ph type="title"/>
-          </p:nvPr>
-        </p:nvSpPr>
-        <p:spPr>
-          <a:xfrm>
-            <a:off x="685800" y="609600"/>
-            <a:ext cx="7772400" cy="1143000"/>
-          </a:xfrm>
-        </p:spPr>
-        <p:txBody>
-          <a:bodyPr/>
-          <a:lstStyle/>
-          <a:p>
-            <a:r>
-              <a:rPr lang="en-US" smtClean="0"/>
-              <a:t>Click to edit Master title style</a:t>
-            </a:r>
-            <a:endParaRPr lang="en-US"/>
-          </a:p>
-        </p:txBody>
-      </p:sp>
-      <p:sp>
-        <p:nvSpPr>
-          <p:cNvPr id="3" name="Table Placeholder 2"/>
-          <p:cNvSpPr>
-            <a:spLocks noGrp="1"/>
-          </p:cNvSpPr>
-          <p:nvPr>
-            <p:ph type="tbl" idx="1"/>
-          </p:nvPr>
-        </p:nvSpPr>
-        <p:spPr>
-          <a:xfrm>
-            <a:off x="685800" y="1981200"/>
-            <a:ext cx="7772400" cy="4114800"/>
-          </a:xfrm>
-        </p:spPr>
-        <p:txBody>
-          <a:bodyPr/>
-          <a:lstStyle/>
-          <a:p>
-            <a:pPr lvl="0"/>
-            <a:endParaRPr lang="en-US" noProof="0"/>
-          </a:p>
-        </p:txBody>
-      </p:sp>
-      <p:sp>
-        <p:nvSpPr>
-          <p:cNvPr id="4" name="Date Placeholder 3"/>
-          <p:cNvSpPr>
-            <a:spLocks noGrp="1"/>
-          </p:cNvSpPr>
-          <p:nvPr>
-            <p:ph type="dt" sz="half" idx="10"/>
-          </p:nvPr>
-        </p:nvSpPr>
-        <p:spPr>
-          <a:xfrm>
-            <a:off x="685800" y="6248400"/>
-            <a:ext cx="1905000" cy="457200"/>
-          </a:xfrm>
-        </p:spPr>
-        <p:txBody>
-          <a:bodyPr/>
-          <a:lstStyle>
-            <a:lvl1pPr>
-              <a:defRPr/>
-            </a:lvl1pPr>
-          </a:lstStyle>
-          <a:p>
-            <a:pPr>
-              <a:defRPr/>
-            </a:pPr>
-            <a:fld id="{2B53BA26-B627-BC4A-9AF4-11E4B593361C}" type="datetime1">
-              <a:rPr lang="en-US" altLang="en-US"/>
-              <a:pPr>
-                <a:defRPr/>
-              </a:pPr>
-              <a:t>12/6/18</a:t>
-            </a:fld>
-            <a:endParaRPr lang="en-US" altLang="en-US"/>
-          </a:p>
-        </p:txBody>
-      </p:sp>
-      <p:sp>
-        <p:nvSpPr>
-          <p:cNvPr id="5" name="Footer Placeholder 4"/>
-          <p:cNvSpPr>
-            <a:spLocks noGrp="1"/>
-          </p:cNvSpPr>
-          <p:nvPr>
-            <p:ph type="ftr" sz="quarter" idx="11"/>
-          </p:nvPr>
-        </p:nvSpPr>
-        <p:spPr/>
-        <p:txBody>
-          <a:bodyPr/>
-          <a:lstStyle>
-            <a:lvl1pPr>
-              <a:defRPr/>
-            </a:lvl1pPr>
-          </a:lstStyle>
-          <a:p>
-            <a:pPr>
-              <a:defRPr/>
-            </a:pPr>
-            <a:r>
-              <a:rPr lang="en-US"/>
-              <a:t>ECE Application Programming: Lecture 31</a:t>
-            </a:r>
-          </a:p>
-        </p:txBody>
-      </p:sp>
-      <p:sp>
-        <p:nvSpPr>
-          <p:cNvPr id="6" name="Slide Number Placeholder 5"/>
-          <p:cNvSpPr>
-            <a:spLocks noGrp="1"/>
-          </p:cNvSpPr>
-          <p:nvPr>
-            <p:ph type="sldNum" sz="quarter" idx="12"/>
-          </p:nvPr>
-        </p:nvSpPr>
-        <p:spPr>
-          <a:xfrm>
-            <a:off x="6553200" y="6248400"/>
-            <a:ext cx="1905000" cy="457200"/>
-          </a:xfrm>
-        </p:spPr>
-        <p:txBody>
-          <a:bodyPr/>
-          <a:lstStyle>
-            <a:lvl1pPr>
-              <a:defRPr/>
-            </a:lvl1pPr>
-          </a:lstStyle>
-          <a:p>
-            <a:fld id="{6F90EC74-7B69-1645-9646-2C8CA99ED68B}" type="slidenum">
-              <a:rPr lang="en-US" altLang="en-US"/>
-              <a:pPr/>
-              <a:t>‹#›</a:t>
-            </a:fld>
-            <a:endParaRPr lang="en-US" altLang="en-US"/>
-          </a:p>
-        </p:txBody>
-      </p:sp>
-    </p:spTree>
-    <p:extLst>
-      <p:ext uri="{BB962C8B-B14F-4D97-AF65-F5344CB8AC3E}">
-        <p14:creationId xmlns:p14="http://schemas.microsoft.com/office/powerpoint/2010/main" val="981329236"/>
-      </p:ext>
-    </p:extLst>
-  </p:cSld>
-  <p:clrMapOvr>
-    <a:masterClrMapping/>
-  </p:clrMapOvr>
-</p:sldLayout>
-</file>
-
 <file path=ppt/slideLayouts/slideLayout2.xml><?xml version="1.0" encoding="utf-8"?>
 <p:sldLayout xmlns:a="http://schemas.openxmlformats.org/drawingml/2006/main" xmlns:r="http://schemas.openxmlformats.org/officeDocument/2006/relationships" xmlns:p="http://schemas.openxmlformats.org/presentationml/2006/main" type="obj" preserve="1">
   <p:cSld name="Title and Content">
@@ -3579,9 +3392,9 @@
             </a:lvl1pPr>
           </a:lstStyle>
           <a:p>
-            <a:fld id="{CB2DD09C-7FF2-8F43-8850-C7FF46E9843C}" type="datetime1">
+            <a:fld id="{FEF4902A-E9D3-F14B-B150-F86AD984185B}" type="datetime1">
               <a:rPr lang="en-US" smtClean="0"/>
-              <a:t>12/6/18</a:t>
+              <a:t>12/9/18</a:t>
             </a:fld>
             <a:endParaRPr lang="en-US"/>
           </a:p>
@@ -3613,7 +3426,7 @@
             </a:pPr>
             <a:r>
               <a:rPr lang="en-US" altLang="en-US" smtClean="0"/>
-              <a:t>ECE Application Programming: Lecture 34</a:t>
+              <a:t>ECE Application Programming: Lecture 35</a:t>
             </a:r>
             <a:endParaRPr lang="en-US" altLang="en-US"/>
           </a:p>
@@ -3797,9 +3610,9 @@
             </a:lvl1pPr>
           </a:lstStyle>
           <a:p>
-            <a:fld id="{0835FCD3-31BC-EC48-B5AD-A8E5513385C2}" type="datetime1">
+            <a:fld id="{608E404B-A461-BB4D-8E78-6919C8BF3554}" type="datetime1">
               <a:rPr lang="en-US" smtClean="0"/>
-              <a:t>12/6/18</a:t>
+              <a:t>12/9/18</a:t>
             </a:fld>
             <a:endParaRPr lang="en-US"/>
           </a:p>
@@ -3831,7 +3644,7 @@
             </a:pPr>
             <a:r>
               <a:rPr lang="en-US" altLang="en-US" smtClean="0"/>
-              <a:t>ECE Application Programming: Lecture 34</a:t>
+              <a:t>ECE Application Programming: Lecture 35</a:t>
             </a:r>
             <a:endParaRPr lang="en-US" altLang="en-US"/>
           </a:p>
@@ -4111,9 +3924,9 @@
             </a:lvl1pPr>
           </a:lstStyle>
           <a:p>
-            <a:fld id="{EA9523AB-788E-6D49-8D3C-C94944803DC1}" type="datetime1">
+            <a:fld id="{27BC3372-D120-874F-B416-87F96BD7A3EF}" type="datetime1">
               <a:rPr lang="en-US" smtClean="0"/>
-              <a:t>12/6/18</a:t>
+              <a:t>12/9/18</a:t>
             </a:fld>
             <a:endParaRPr lang="en-US"/>
           </a:p>
@@ -4145,7 +3958,7 @@
             </a:pPr>
             <a:r>
               <a:rPr lang="en-US" altLang="en-US" smtClean="0"/>
-              <a:t>ECE Application Programming: Lecture 34</a:t>
+              <a:t>ECE Application Programming: Lecture 35</a:t>
             </a:r>
             <a:endParaRPr lang="en-US" altLang="en-US"/>
           </a:p>
@@ -4564,9 +4377,9 @@
             </a:lvl1pPr>
           </a:lstStyle>
           <a:p>
-            <a:fld id="{0626F802-BA64-8E4C-A6EC-DE123D4A0A9E}" type="datetime1">
+            <a:fld id="{F2476052-F5BB-7A44-BC96-014A9A63E79C}" type="datetime1">
               <a:rPr lang="en-US" smtClean="0"/>
-              <a:t>12/6/18</a:t>
+              <a:t>12/9/18</a:t>
             </a:fld>
             <a:endParaRPr lang="en-US"/>
           </a:p>
@@ -4598,7 +4411,7 @@
             </a:pPr>
             <a:r>
               <a:rPr lang="en-US" altLang="en-US" smtClean="0"/>
-              <a:t>ECE Application Programming: Lecture 34</a:t>
+              <a:t>ECE Application Programming: Lecture 35</a:t>
             </a:r>
             <a:endParaRPr lang="en-US" altLang="en-US"/>
           </a:p>
@@ -4708,9 +4521,9 @@
             </a:lvl1pPr>
           </a:lstStyle>
           <a:p>
-            <a:fld id="{643ACF85-6B68-6140-9151-95B2627109D3}" type="datetime1">
+            <a:fld id="{A605D541-980D-FB40-A8AA-01FE2BA6B1E2}" type="datetime1">
               <a:rPr lang="en-US" smtClean="0"/>
-              <a:t>12/6/18</a:t>
+              <a:t>12/9/18</a:t>
             </a:fld>
             <a:endParaRPr lang="en-US"/>
           </a:p>
@@ -4742,7 +4555,7 @@
             </a:pPr>
             <a:r>
               <a:rPr lang="en-US" altLang="en-US" smtClean="0"/>
-              <a:t>ECE Application Programming: Lecture 34</a:t>
+              <a:t>ECE Application Programming: Lecture 35</a:t>
             </a:r>
             <a:endParaRPr lang="en-US" altLang="en-US"/>
           </a:p>
@@ -4829,9 +4642,9 @@
             </a:lvl1pPr>
           </a:lstStyle>
           <a:p>
-            <a:fld id="{80944A67-58A9-7140-9ABF-933722624186}" type="datetime1">
+            <a:fld id="{AD8A9357-9069-5A43-89A1-7C23385A1BBF}" type="datetime1">
               <a:rPr lang="en-US" smtClean="0"/>
-              <a:t>12/6/18</a:t>
+              <a:t>12/9/18</a:t>
             </a:fld>
             <a:endParaRPr lang="en-US"/>
           </a:p>
@@ -4863,7 +4676,7 @@
             </a:pPr>
             <a:r>
               <a:rPr lang="en-US" altLang="en-US" smtClean="0"/>
-              <a:t>ECE Application Programming: Lecture 34</a:t>
+              <a:t>ECE Application Programming: Lecture 35</a:t>
             </a:r>
             <a:endParaRPr lang="en-US" altLang="en-US"/>
           </a:p>
@@ -5132,9 +4945,9 @@
             </a:lvl1pPr>
           </a:lstStyle>
           <a:p>
-            <a:fld id="{5F5A9375-26B0-C444-AECE-A2380995D2BB}" type="datetime1">
+            <a:fld id="{DE8334FF-BAD2-2C42-96E7-0C904237B00F}" type="datetime1">
               <a:rPr lang="en-US" smtClean="0"/>
-              <a:t>12/6/18</a:t>
+              <a:t>12/9/18</a:t>
             </a:fld>
             <a:endParaRPr lang="en-US"/>
           </a:p>
@@ -5166,7 +4979,7 @@
             </a:pPr>
             <a:r>
               <a:rPr lang="en-US" altLang="en-US" smtClean="0"/>
-              <a:t>ECE Application Programming: Lecture 34</a:t>
+              <a:t>ECE Application Programming: Lecture 35</a:t>
             </a:r>
             <a:endParaRPr lang="en-US" altLang="en-US"/>
           </a:p>
@@ -5412,9 +5225,9 @@
             </a:lvl1pPr>
           </a:lstStyle>
           <a:p>
-            <a:fld id="{A5C49A01-6855-5743-961D-F2FEB33692FD}" type="datetime1">
+            <a:fld id="{584E40FC-6202-4743-944A-9836324734F0}" type="datetime1">
               <a:rPr lang="en-US" smtClean="0"/>
-              <a:t>12/6/18</a:t>
+              <a:t>12/9/18</a:t>
             </a:fld>
             <a:endParaRPr lang="en-US"/>
           </a:p>
@@ -5446,7 +5259,7 @@
             </a:pPr>
             <a:r>
               <a:rPr lang="en-US" altLang="en-US" smtClean="0"/>
-              <a:t>ECE Application Programming: Lecture 34</a:t>
+              <a:t>ECE Application Programming: Lecture 35</a:t>
             </a:r>
             <a:endParaRPr lang="en-US" altLang="en-US"/>
           </a:p>
@@ -5711,9 +5524,9 @@
             </a:lvl1pPr>
           </a:lstStyle>
           <a:p>
-            <a:fld id="{15CAEA93-11EA-114A-8944-D1A5641DA172}" type="datetime1">
+            <a:fld id="{A8108421-B8BE-F149-9CB4-A1E0856A64F9}" type="datetime1">
               <a:rPr lang="en-US" smtClean="0"/>
-              <a:t>12/6/18</a:t>
+              <a:t>12/9/18</a:t>
             </a:fld>
             <a:endParaRPr lang="en-US"/>
           </a:p>
@@ -5767,7 +5580,7 @@
             </a:pPr>
             <a:r>
               <a:rPr lang="en-US" altLang="en-US" smtClean="0"/>
-              <a:t>ECE Application Programming: Lecture 34</a:t>
+              <a:t>ECE Application Programming: Lecture 35</a:t>
             </a:r>
             <a:endParaRPr lang="en-US" altLang="en-US"/>
           </a:p>
@@ -5962,7 +5775,6 @@
     <p:sldLayoutId id="2147484887" r:id="rId11"/>
     <p:sldLayoutId id="2147484888" r:id="rId12"/>
     <p:sldLayoutId id="2147484889" r:id="rId13"/>
-    <p:sldLayoutId id="2147484891" r:id="rId14"/>
   </p:sldLayoutIdLst>
   <p:timing>
     <p:tnLst>
@@ -12360,20 +12172,11 @@
               <a:buFontTx/>
               <a:buNone/>
             </a:pPr>
-            <a:fld id="{E6E210B8-8250-C741-911E-6A112225110C}" type="datetime1">
-              <a:rPr lang="en-US" altLang="en-US" sz="1200">
+            <a:fld id="{57F59475-23BD-DB4D-8557-51E46C4516E1}" type="datetime1">
+              <a:rPr lang="en-US" altLang="en-US" sz="1200" smtClean="0">
                 <a:latin typeface="Garamond" charset="0"/>
               </a:rPr>
-              <a:pPr eaLnBrk="1" hangingPunct="1">
-                <a:spcBef>
-                  <a:spcPct val="0"/>
-                </a:spcBef>
-                <a:buClrTx/>
-                <a:buSzTx/>
-                <a:buFontTx/>
-                <a:buNone/>
-              </a:pPr>
-              <a:t>12/6/18</a:t>
+              <a:t>12/9/18</a:t>
             </a:fld>
             <a:endParaRPr lang="en-US" altLang="en-US" sz="1200">
               <a:latin typeface="Garamond" charset="0"/>
@@ -12400,9 +12203,10 @@
               <a:defRPr/>
             </a:pPr>
             <a:r>
-              <a:rPr lang="en-US" altLang="en-US"/>
-              <a:t>ECE Application Programming: Lecture 31</a:t>
-            </a:r>
+              <a:rPr lang="en-US" altLang="en-US" smtClean="0"/>
+              <a:t>ECE Application Programming: Lecture 35</a:t>
+            </a:r>
+            <a:endParaRPr lang="en-US" altLang="en-US"/>
           </a:p>
         </p:txBody>
       </p:sp>
@@ -14518,20 +14322,11 @@
               <a:buFontTx/>
               <a:buNone/>
             </a:pPr>
-            <a:fld id="{DB92D20A-1DA3-9D43-A117-3938E60DA775}" type="datetime1">
-              <a:rPr lang="en-US" altLang="en-US" sz="1200">
+            <a:fld id="{899963FF-03FE-2F4D-B5BD-58DC138A61A9}" type="datetime1">
+              <a:rPr lang="en-US" altLang="en-US" sz="1200" smtClean="0">
                 <a:latin typeface="Garamond" charset="0"/>
               </a:rPr>
-              <a:pPr eaLnBrk="1" hangingPunct="1">
-                <a:spcBef>
-                  <a:spcPct val="0"/>
-                </a:spcBef>
-                <a:buClrTx/>
-                <a:buSzTx/>
-                <a:buFontTx/>
-                <a:buNone/>
-              </a:pPr>
-              <a:t>12/6/18</a:t>
+              <a:t>12/9/18</a:t>
             </a:fld>
             <a:endParaRPr lang="en-US" altLang="en-US" sz="1200">
               <a:latin typeface="Garamond" charset="0"/>
@@ -14558,9 +14353,10 @@
               <a:defRPr/>
             </a:pPr>
             <a:r>
-              <a:rPr lang="en-US" altLang="en-US"/>
-              <a:t>ECE Application Programming: Lecture 31</a:t>
-            </a:r>
+              <a:rPr lang="en-US" altLang="en-US" smtClean="0"/>
+              <a:t>ECE Application Programming: Lecture 35</a:t>
+            </a:r>
+            <a:endParaRPr lang="en-US" altLang="en-US"/>
           </a:p>
         </p:txBody>
       </p:sp>
@@ -16676,20 +16472,11 @@
               <a:buFontTx/>
               <a:buNone/>
             </a:pPr>
-            <a:fld id="{4A499ED3-47DE-1C43-8DF3-68204F2E28B5}" type="datetime1">
-              <a:rPr lang="en-US" altLang="en-US" sz="1200">
+            <a:fld id="{3BF9C46A-AD06-AB4C-92A7-D6769620AE6D}" type="datetime1">
+              <a:rPr lang="en-US" altLang="en-US" sz="1200" smtClean="0">
                 <a:latin typeface="Garamond" charset="0"/>
               </a:rPr>
-              <a:pPr eaLnBrk="1" hangingPunct="1">
-                <a:spcBef>
-                  <a:spcPct val="0"/>
-                </a:spcBef>
-                <a:buClrTx/>
-                <a:buSzTx/>
-                <a:buFontTx/>
-                <a:buNone/>
-              </a:pPr>
-              <a:t>12/6/18</a:t>
+              <a:t>12/9/18</a:t>
             </a:fld>
             <a:endParaRPr lang="en-US" altLang="en-US" sz="1200">
               <a:latin typeface="Garamond" charset="0"/>
@@ -16716,9 +16503,10 @@
               <a:defRPr/>
             </a:pPr>
             <a:r>
-              <a:rPr lang="en-US" altLang="en-US"/>
-              <a:t>ECE Application Programming: Lecture 31</a:t>
-            </a:r>
+              <a:rPr lang="en-US" altLang="en-US" smtClean="0"/>
+              <a:t>ECE Application Programming: Lecture 35</a:t>
+            </a:r>
+            <a:endParaRPr lang="en-US" altLang="en-US"/>
           </a:p>
         </p:txBody>
       </p:sp>
@@ -18834,20 +18622,11 @@
               <a:buFontTx/>
               <a:buNone/>
             </a:pPr>
-            <a:fld id="{7D8DF875-5E38-E443-BB8A-BDC596FEE867}" type="datetime1">
-              <a:rPr lang="en-US" altLang="en-US" sz="1200">
+            <a:fld id="{94B3DA61-29CC-BA4F-AA91-C25D431B7C4C}" type="datetime1">
+              <a:rPr lang="en-US" altLang="en-US" sz="1200" smtClean="0">
                 <a:latin typeface="Garamond" charset="0"/>
               </a:rPr>
-              <a:pPr eaLnBrk="1" hangingPunct="1">
-                <a:spcBef>
-                  <a:spcPct val="0"/>
-                </a:spcBef>
-                <a:buClrTx/>
-                <a:buSzTx/>
-                <a:buFontTx/>
-                <a:buNone/>
-              </a:pPr>
-              <a:t>12/6/18</a:t>
+              <a:t>12/9/18</a:t>
             </a:fld>
             <a:endParaRPr lang="en-US" altLang="en-US" sz="1200">
               <a:latin typeface="Garamond" charset="0"/>
@@ -18874,9 +18653,10 @@
               <a:defRPr/>
             </a:pPr>
             <a:r>
-              <a:rPr lang="en-US" altLang="en-US"/>
-              <a:t>ECE Application Programming: Lecture 31</a:t>
-            </a:r>
+              <a:rPr lang="en-US" altLang="en-US" smtClean="0"/>
+              <a:t>ECE Application Programming: Lecture 35</a:t>
+            </a:r>
+            <a:endParaRPr lang="en-US" altLang="en-US"/>
           </a:p>
         </p:txBody>
       </p:sp>
@@ -20992,20 +20772,11 @@
               <a:buFontTx/>
               <a:buNone/>
             </a:pPr>
-            <a:fld id="{40525C0F-D697-914E-BC21-EA8363402012}" type="datetime1">
-              <a:rPr lang="en-US" altLang="en-US" sz="1200">
+            <a:fld id="{B473B46D-A175-DC4B-93CB-BC3D98DE0D1E}" type="datetime1">
+              <a:rPr lang="en-US" altLang="en-US" sz="1200" smtClean="0">
                 <a:latin typeface="Garamond" charset="0"/>
               </a:rPr>
-              <a:pPr eaLnBrk="1" hangingPunct="1">
-                <a:spcBef>
-                  <a:spcPct val="0"/>
-                </a:spcBef>
-                <a:buClrTx/>
-                <a:buSzTx/>
-                <a:buFontTx/>
-                <a:buNone/>
-              </a:pPr>
-              <a:t>12/6/18</a:t>
+              <a:t>12/9/18</a:t>
             </a:fld>
             <a:endParaRPr lang="en-US" altLang="en-US" sz="1200">
               <a:latin typeface="Garamond" charset="0"/>
@@ -21032,9 +20803,10 @@
               <a:defRPr/>
             </a:pPr>
             <a:r>
-              <a:rPr lang="en-US" altLang="en-US"/>
-              <a:t>ECE Application Programming: Lecture 31</a:t>
-            </a:r>
+              <a:rPr lang="en-US" altLang="en-US" smtClean="0"/>
+              <a:t>ECE Application Programming: Lecture 35</a:t>
+            </a:r>
+            <a:endParaRPr lang="en-US" altLang="en-US"/>
           </a:p>
         </p:txBody>
       </p:sp>
@@ -23150,20 +22922,11 @@
               <a:buFontTx/>
               <a:buNone/>
             </a:pPr>
-            <a:fld id="{71076A41-2DE1-6544-A934-71C0A921C81F}" type="datetime1">
-              <a:rPr lang="en-US" altLang="en-US" sz="1200">
+            <a:fld id="{D1CCBABD-3652-6E4E-A1C7-D9E6EA1AC168}" type="datetime1">
+              <a:rPr lang="en-US" altLang="en-US" sz="1200" smtClean="0">
                 <a:latin typeface="Garamond" charset="0"/>
               </a:rPr>
-              <a:pPr eaLnBrk="1" hangingPunct="1">
-                <a:spcBef>
-                  <a:spcPct val="0"/>
-                </a:spcBef>
-                <a:buClrTx/>
-                <a:buSzTx/>
-                <a:buFontTx/>
-                <a:buNone/>
-              </a:pPr>
-              <a:t>12/6/18</a:t>
+              <a:t>12/9/18</a:t>
             </a:fld>
             <a:endParaRPr lang="en-US" altLang="en-US" sz="1200">
               <a:latin typeface="Garamond" charset="0"/>
@@ -23190,9 +22953,10 @@
               <a:defRPr/>
             </a:pPr>
             <a:r>
-              <a:rPr lang="en-US" altLang="en-US"/>
-              <a:t>ECE Application Programming: Lecture 31</a:t>
-            </a:r>
+              <a:rPr lang="en-US" altLang="en-US" smtClean="0"/>
+              <a:t>ECE Application Programming: Lecture 35</a:t>
+            </a:r>
+            <a:endParaRPr lang="en-US" altLang="en-US"/>
           </a:p>
         </p:txBody>
       </p:sp>
@@ -25308,20 +25072,11 @@
               <a:buFontTx/>
               <a:buNone/>
             </a:pPr>
-            <a:fld id="{64F1A33E-C618-B740-9937-350C9B404089}" type="datetime1">
-              <a:rPr lang="en-US" altLang="en-US" sz="1200">
+            <a:fld id="{0A2CBD5D-C6E7-1A42-95F7-D4662FBE68BE}" type="datetime1">
+              <a:rPr lang="en-US" altLang="en-US" sz="1200" smtClean="0">
                 <a:latin typeface="Garamond" charset="0"/>
               </a:rPr>
-              <a:pPr eaLnBrk="1" hangingPunct="1">
-                <a:spcBef>
-                  <a:spcPct val="0"/>
-                </a:spcBef>
-                <a:buClrTx/>
-                <a:buSzTx/>
-                <a:buFontTx/>
-                <a:buNone/>
-              </a:pPr>
-              <a:t>12/6/18</a:t>
+              <a:t>12/9/18</a:t>
             </a:fld>
             <a:endParaRPr lang="en-US" altLang="en-US" sz="1200">
               <a:latin typeface="Garamond" charset="0"/>
@@ -25348,9 +25103,10 @@
               <a:defRPr/>
             </a:pPr>
             <a:r>
-              <a:rPr lang="en-US" altLang="en-US"/>
-              <a:t>ECE Application Programming: Lecture 31</a:t>
-            </a:r>
+              <a:rPr lang="en-US" altLang="en-US" smtClean="0"/>
+              <a:t>ECE Application Programming: Lecture 35</a:t>
+            </a:r>
+            <a:endParaRPr lang="en-US" altLang="en-US"/>
           </a:p>
         </p:txBody>
       </p:sp>
@@ -27466,20 +27222,11 @@
               <a:buFontTx/>
               <a:buNone/>
             </a:pPr>
-            <a:fld id="{B82435E1-D392-8041-9232-DF019E43208E}" type="datetime1">
-              <a:rPr lang="en-US" altLang="en-US" sz="1200">
+            <a:fld id="{34DC2632-25ED-E248-A9B9-9A33142AA1E8}" type="datetime1">
+              <a:rPr lang="en-US" altLang="en-US" sz="1200" smtClean="0">
                 <a:latin typeface="Garamond" charset="0"/>
               </a:rPr>
-              <a:pPr eaLnBrk="1" hangingPunct="1">
-                <a:spcBef>
-                  <a:spcPct val="0"/>
-                </a:spcBef>
-                <a:buClrTx/>
-                <a:buSzTx/>
-                <a:buFontTx/>
-                <a:buNone/>
-              </a:pPr>
-              <a:t>12/6/18</a:t>
+              <a:t>12/9/18</a:t>
             </a:fld>
             <a:endParaRPr lang="en-US" altLang="en-US" sz="1200">
               <a:latin typeface="Garamond" charset="0"/>
@@ -27506,9 +27253,10 @@
               <a:defRPr/>
             </a:pPr>
             <a:r>
-              <a:rPr lang="en-US" altLang="en-US"/>
-              <a:t>ECE Application Programming: Lecture 31</a:t>
-            </a:r>
+              <a:rPr lang="en-US" altLang="en-US" smtClean="0"/>
+              <a:t>ECE Application Programming: Lecture 35</a:t>
+            </a:r>
+            <a:endParaRPr lang="en-US" altLang="en-US"/>
           </a:p>
         </p:txBody>
       </p:sp>
@@ -29624,20 +29372,11 @@
               <a:buFontTx/>
               <a:buNone/>
             </a:pPr>
-            <a:fld id="{8C294EA6-9717-8B43-9FFA-17FB7DCE0AE7}" type="datetime1">
-              <a:rPr lang="en-US" altLang="en-US" sz="1200">
+            <a:fld id="{5E106C8C-F9C5-A542-B5B6-9C7683AC144F}" type="datetime1">
+              <a:rPr lang="en-US" altLang="en-US" sz="1200" smtClean="0">
                 <a:latin typeface="Garamond" charset="0"/>
               </a:rPr>
-              <a:pPr eaLnBrk="1" hangingPunct="1">
-                <a:spcBef>
-                  <a:spcPct val="0"/>
-                </a:spcBef>
-                <a:buClrTx/>
-                <a:buSzTx/>
-                <a:buFontTx/>
-                <a:buNone/>
-              </a:pPr>
-              <a:t>12/6/18</a:t>
+              <a:t>12/9/18</a:t>
             </a:fld>
             <a:endParaRPr lang="en-US" altLang="en-US" sz="1200">
               <a:latin typeface="Garamond" charset="0"/>
@@ -29664,9 +29403,10 @@
               <a:defRPr/>
             </a:pPr>
             <a:r>
-              <a:rPr lang="en-US" altLang="en-US"/>
-              <a:t>ECE Application Programming: Lecture 31</a:t>
-            </a:r>
+              <a:rPr lang="en-US" altLang="en-US" smtClean="0"/>
+              <a:t>ECE Application Programming: Lecture 35</a:t>
+            </a:r>
+            <a:endParaRPr lang="en-US" altLang="en-US"/>
           </a:p>
         </p:txBody>
       </p:sp>
@@ -31782,20 +31522,11 @@
               <a:buFontTx/>
               <a:buNone/>
             </a:pPr>
-            <a:fld id="{E0AA92CE-ADC7-574F-8EAC-F61831105106}" type="datetime1">
-              <a:rPr lang="en-US" altLang="en-US" sz="1200">
+            <a:fld id="{9FC339A3-F011-A941-9D43-8089D52BEB1C}" type="datetime1">
+              <a:rPr lang="en-US" altLang="en-US" sz="1200" smtClean="0">
                 <a:latin typeface="Garamond" charset="0"/>
               </a:rPr>
-              <a:pPr eaLnBrk="1" hangingPunct="1">
-                <a:spcBef>
-                  <a:spcPct val="0"/>
-                </a:spcBef>
-                <a:buClrTx/>
-                <a:buSzTx/>
-                <a:buFontTx/>
-                <a:buNone/>
-              </a:pPr>
-              <a:t>12/6/18</a:t>
+              <a:t>12/9/18</a:t>
             </a:fld>
             <a:endParaRPr lang="en-US" altLang="en-US" sz="1200">
               <a:latin typeface="Garamond" charset="0"/>
@@ -31822,9 +31553,10 @@
               <a:defRPr/>
             </a:pPr>
             <a:r>
-              <a:rPr lang="en-US" altLang="en-US"/>
-              <a:t>ECE Application Programming: Lecture 31</a:t>
-            </a:r>
+              <a:rPr lang="en-US" altLang="en-US" smtClean="0"/>
+              <a:t>ECE Application Programming: Lecture 35</a:t>
+            </a:r>
+            <a:endParaRPr lang="en-US" altLang="en-US"/>
           </a:p>
         </p:txBody>
       </p:sp>
@@ -32429,9 +32161,9 @@
             </a:lvl9pPr>
           </a:lstStyle>
           <a:p>
-            <a:fld id="{8152DA60-D84A-2A44-90D8-78F17EAE2E43}" type="datetime1">
+            <a:fld id="{51EDFC59-E776-DC45-A90F-372E36F23319}" type="datetime1">
               <a:rPr lang="en-US" sz="1200" smtClean="0"/>
-              <a:t>12/6/18</a:t>
+              <a:t>12/9/18</a:t>
             </a:fld>
             <a:endParaRPr lang="en-US" sz="1200" dirty="0"/>
           </a:p>
@@ -32454,7 +32186,7 @@
           <a:p>
             <a:r>
               <a:rPr lang="en-US" altLang="en-US" smtClean="0"/>
-              <a:t>ECE Application Programming: Lecture 34</a:t>
+              <a:t>ECE Application Programming: Lecture 35</a:t>
             </a:r>
             <a:endParaRPr lang="en-US" altLang="en-US" dirty="0"/>
           </a:p>
@@ -36177,20 +35909,11 @@
               <a:buFontTx/>
               <a:buNone/>
             </a:pPr>
-            <a:fld id="{EAFFE5BF-3293-2141-A796-0F1E9D61FA3E}" type="datetime1">
-              <a:rPr lang="en-US" altLang="en-US" sz="1200">
+            <a:fld id="{0308DA59-D52B-3A44-B640-CD48CA260919}" type="datetime1">
+              <a:rPr lang="en-US" altLang="en-US" sz="1200" smtClean="0">
                 <a:latin typeface="Garamond" charset="0"/>
               </a:rPr>
-              <a:pPr eaLnBrk="1" hangingPunct="1">
-                <a:spcBef>
-                  <a:spcPct val="0"/>
-                </a:spcBef>
-                <a:buClrTx/>
-                <a:buSzTx/>
-                <a:buFontTx/>
-                <a:buNone/>
-              </a:pPr>
-              <a:t>12/6/18</a:t>
+              <a:t>12/9/18</a:t>
             </a:fld>
             <a:endParaRPr lang="en-US" altLang="en-US" sz="1200">
               <a:latin typeface="Garamond" charset="0"/>
@@ -36217,9 +35940,10 @@
               <a:defRPr/>
             </a:pPr>
             <a:r>
-              <a:rPr lang="en-US" altLang="en-US"/>
-              <a:t>ECE Application Programming: Lecture 31</a:t>
-            </a:r>
+              <a:rPr lang="en-US" altLang="en-US" smtClean="0"/>
+              <a:t>ECE Application Programming: Lecture 35</a:t>
+            </a:r>
+            <a:endParaRPr lang="en-US" altLang="en-US"/>
           </a:p>
         </p:txBody>
       </p:sp>
@@ -36504,4718 +36228,6 @@
       </p:grpSpPr>
       <p:sp>
         <p:nvSpPr>
-          <p:cNvPr id="24578" name="Title 5"/>
-          <p:cNvSpPr>
-            <a:spLocks noGrp="1"/>
-          </p:cNvSpPr>
-          <p:nvPr>
-            <p:ph type="title"/>
-          </p:nvPr>
-        </p:nvSpPr>
-        <p:spPr/>
-        <p:txBody>
-          <a:bodyPr/>
-          <a:lstStyle/>
-          <a:p>
-            <a:r>
-              <a:rPr lang="en-US" altLang="en-US">
-                <a:ea typeface="ＭＳ Ｐゴシック" charset="-128"/>
-              </a:rPr>
-              <a:t>Bit shifts</a:t>
-            </a:r>
-          </a:p>
-        </p:txBody>
-      </p:sp>
-      <p:sp>
-        <p:nvSpPr>
-          <p:cNvPr id="30723" name="Content Placeholder 6"/>
-          <p:cNvSpPr>
-            <a:spLocks noGrp="1"/>
-          </p:cNvSpPr>
-          <p:nvPr>
-            <p:ph idx="1"/>
-          </p:nvPr>
-        </p:nvSpPr>
-        <p:spPr/>
-        <p:txBody>
-          <a:bodyPr>
-            <a:normAutofit fontScale="92500" lnSpcReduction="20000"/>
-          </a:bodyPr>
-          <a:lstStyle/>
-          <a:p>
-            <a:pPr>
-              <a:buFont typeface="Wingdings" pitchFamily="2" charset="2"/>
-              <a:buChar char="n"/>
-              <a:defRPr/>
-            </a:pPr>
-            <a:r>
-              <a:rPr lang="en-US" dirty="0" smtClean="0">
-                <a:ea typeface="+mn-ea"/>
-              </a:rPr>
-              <a:t>Bit shift operators</a:t>
-            </a:r>
-          </a:p>
-          <a:p>
-            <a:pPr lvl="1">
-              <a:buFont typeface="Wingdings" pitchFamily="2" charset="2"/>
-              <a:buChar char="q"/>
-              <a:defRPr/>
-            </a:pPr>
-            <a:r>
-              <a:rPr lang="en-US" dirty="0" smtClean="0"/>
-              <a:t>Left shift: &lt;&lt;</a:t>
-            </a:r>
-          </a:p>
-          <a:p>
-            <a:pPr lvl="1">
-              <a:buFont typeface="Wingdings" pitchFamily="2" charset="2"/>
-              <a:buChar char="q"/>
-              <a:defRPr/>
-            </a:pPr>
-            <a:r>
-              <a:rPr lang="en-US" dirty="0" smtClean="0"/>
-              <a:t>Right shift: &gt;&gt;</a:t>
-            </a:r>
-          </a:p>
-          <a:p>
-            <a:pPr>
-              <a:buFont typeface="Wingdings" pitchFamily="2" charset="2"/>
-              <a:buChar char="n"/>
-              <a:defRPr/>
-            </a:pPr>
-            <a:r>
-              <a:rPr lang="en-US" dirty="0" smtClean="0">
-                <a:ea typeface="+mn-ea"/>
-              </a:rPr>
-              <a:t>Shifts in 0s (with unsigned </a:t>
-            </a:r>
-            <a:r>
-              <a:rPr lang="en-US" dirty="0" err="1" smtClean="0">
-                <a:ea typeface="+mn-ea"/>
-              </a:rPr>
-              <a:t>ints</a:t>
-            </a:r>
-            <a:r>
-              <a:rPr lang="en-US" dirty="0" smtClean="0">
-                <a:ea typeface="+mn-ea"/>
-              </a:rPr>
-              <a:t>)</a:t>
-            </a:r>
-          </a:p>
-          <a:p>
-            <a:pPr>
-              <a:buFont typeface="Wingdings" pitchFamily="2" charset="2"/>
-              <a:buChar char="n"/>
-              <a:defRPr/>
-            </a:pPr>
-            <a:r>
-              <a:rPr lang="en-US" dirty="0" smtClean="0">
-                <a:latin typeface="Courier New" pitchFamily="49" charset="0"/>
-                <a:ea typeface="+mn-ea"/>
-                <a:cs typeface="Courier New" pitchFamily="49" charset="0"/>
-              </a:rPr>
-              <a:t>x &lt;&lt; n </a:t>
-            </a:r>
-            <a:r>
-              <a:rPr lang="en-US" dirty="0" smtClean="0">
-                <a:ea typeface="+mn-ea"/>
-              </a:rPr>
-              <a:t>shifts </a:t>
-            </a:r>
-            <a:r>
-              <a:rPr lang="en-US" dirty="0" smtClean="0">
-                <a:latin typeface="Courier New" pitchFamily="49" charset="0"/>
-                <a:ea typeface="+mn-ea"/>
-                <a:cs typeface="Courier New" pitchFamily="49" charset="0"/>
-              </a:rPr>
-              <a:t>x</a:t>
-            </a:r>
-            <a:r>
-              <a:rPr lang="en-US" dirty="0" smtClean="0">
-                <a:ea typeface="+mn-ea"/>
-              </a:rPr>
-              <a:t> left by </a:t>
-            </a:r>
-            <a:r>
-              <a:rPr lang="en-US" dirty="0" smtClean="0">
-                <a:latin typeface="Courier New" pitchFamily="49" charset="0"/>
-                <a:ea typeface="+mn-ea"/>
-                <a:cs typeface="Courier New" pitchFamily="49" charset="0"/>
-              </a:rPr>
-              <a:t>n</a:t>
-            </a:r>
-            <a:r>
-              <a:rPr lang="en-US" dirty="0" smtClean="0">
-                <a:ea typeface="+mn-ea"/>
-              </a:rPr>
-              <a:t> bits</a:t>
-            </a:r>
-          </a:p>
-          <a:p>
-            <a:pPr lvl="1">
-              <a:buFont typeface="Wingdings" pitchFamily="2" charset="2"/>
-              <a:buChar char="q"/>
-              <a:defRPr/>
-            </a:pPr>
-            <a:r>
-              <a:rPr lang="en-US" dirty="0" smtClean="0"/>
-              <a:t>Equivalent to x * 2</a:t>
-            </a:r>
-            <a:r>
-              <a:rPr lang="en-US" baseline="30000" dirty="0" smtClean="0"/>
-              <a:t>n</a:t>
-            </a:r>
-          </a:p>
-          <a:p>
-            <a:pPr lvl="1">
-              <a:buFont typeface="Wingdings" pitchFamily="2" charset="2"/>
-              <a:buChar char="q"/>
-              <a:defRPr/>
-            </a:pPr>
-            <a:r>
-              <a:rPr lang="en-US" dirty="0" smtClean="0"/>
-              <a:t>e.g. </a:t>
-            </a:r>
-            <a:r>
-              <a:rPr lang="en-US" dirty="0" smtClean="0">
-                <a:latin typeface="Courier New" pitchFamily="49" charset="0"/>
-                <a:cs typeface="Courier New" pitchFamily="49" charset="0"/>
-              </a:rPr>
-              <a:t>1 &lt;&lt; 5	= (0000 ... 0001) &lt;&lt; 5</a:t>
-            </a:r>
-          </a:p>
-          <a:p>
-            <a:pPr lvl="1">
-              <a:buFont typeface="Wingdings" pitchFamily="2" charset="2"/>
-              <a:buNone/>
-              <a:defRPr/>
-            </a:pPr>
-            <a:r>
-              <a:rPr lang="en-US" dirty="0" smtClean="0">
-                <a:latin typeface="Courier New" pitchFamily="49" charset="0"/>
-                <a:cs typeface="Courier New" pitchFamily="49" charset="0"/>
-              </a:rPr>
-              <a:t>				= 0000 00</a:t>
-            </a:r>
-            <a:r>
-              <a:rPr lang="en-US" b="1" dirty="0" smtClean="0">
-                <a:solidFill>
-                  <a:srgbClr val="FF0000"/>
-                </a:solidFill>
-                <a:latin typeface="Courier New" pitchFamily="49" charset="0"/>
-                <a:cs typeface="Courier New" pitchFamily="49" charset="0"/>
-              </a:rPr>
-              <a:t>10 0000</a:t>
-            </a:r>
-          </a:p>
-          <a:p>
-            <a:pPr>
-              <a:buFont typeface="Wingdings" pitchFamily="2" charset="2"/>
-              <a:buChar char="n"/>
-              <a:defRPr/>
-            </a:pPr>
-            <a:r>
-              <a:rPr lang="en-US" dirty="0" smtClean="0">
-                <a:latin typeface="Courier New" pitchFamily="49" charset="0"/>
-                <a:ea typeface="+mn-ea"/>
-                <a:cs typeface="Courier New" pitchFamily="49" charset="0"/>
-              </a:rPr>
-              <a:t>x &gt;&gt; n </a:t>
-            </a:r>
-            <a:r>
-              <a:rPr lang="en-US" dirty="0" smtClean="0">
-                <a:ea typeface="+mn-ea"/>
-                <a:cs typeface="Courier New" pitchFamily="49" charset="0"/>
-              </a:rPr>
-              <a:t>shifts </a:t>
-            </a:r>
-            <a:r>
-              <a:rPr lang="en-US" dirty="0" smtClean="0">
-                <a:latin typeface="Courier New" pitchFamily="49" charset="0"/>
-                <a:ea typeface="+mn-ea"/>
-                <a:cs typeface="Courier New" pitchFamily="49" charset="0"/>
-              </a:rPr>
-              <a:t>x</a:t>
-            </a:r>
-            <a:r>
-              <a:rPr lang="en-US" dirty="0" smtClean="0">
-                <a:ea typeface="+mn-ea"/>
-                <a:cs typeface="Courier New" pitchFamily="49" charset="0"/>
-              </a:rPr>
-              <a:t> right by </a:t>
-            </a:r>
-            <a:r>
-              <a:rPr lang="en-US" dirty="0" smtClean="0">
-                <a:latin typeface="Courier New" pitchFamily="49" charset="0"/>
-                <a:ea typeface="+mn-ea"/>
-                <a:cs typeface="Courier New" pitchFamily="49" charset="0"/>
-              </a:rPr>
-              <a:t>n</a:t>
-            </a:r>
-            <a:r>
-              <a:rPr lang="en-US" dirty="0" smtClean="0">
-                <a:ea typeface="+mn-ea"/>
-                <a:cs typeface="Courier New" pitchFamily="49" charset="0"/>
-              </a:rPr>
-              <a:t> bits</a:t>
-            </a:r>
-          </a:p>
-          <a:p>
-            <a:pPr lvl="1">
-              <a:buFont typeface="Wingdings" pitchFamily="2" charset="2"/>
-              <a:buChar char="q"/>
-              <a:defRPr/>
-            </a:pPr>
-            <a:r>
-              <a:rPr lang="en-US" dirty="0" smtClean="0">
-                <a:cs typeface="Courier New" pitchFamily="49" charset="0"/>
-              </a:rPr>
-              <a:t>Equivalent to x / 2</a:t>
-            </a:r>
-            <a:r>
-              <a:rPr lang="en-US" baseline="30000" dirty="0" smtClean="0">
-                <a:cs typeface="Courier New" pitchFamily="49" charset="0"/>
-              </a:rPr>
-              <a:t>n</a:t>
-            </a:r>
-          </a:p>
-          <a:p>
-            <a:pPr lvl="1">
-              <a:buFont typeface="Wingdings" pitchFamily="2" charset="2"/>
-              <a:buChar char="q"/>
-              <a:defRPr/>
-            </a:pPr>
-            <a:r>
-              <a:rPr lang="en-US" dirty="0" smtClean="0">
-                <a:cs typeface="Courier New" pitchFamily="49" charset="0"/>
-              </a:rPr>
-              <a:t>e.g. </a:t>
-            </a:r>
-            <a:r>
-              <a:rPr lang="en-US" dirty="0" smtClean="0">
-                <a:latin typeface="Courier New" pitchFamily="49" charset="0"/>
-                <a:cs typeface="Courier New" pitchFamily="49" charset="0"/>
-              </a:rPr>
-              <a:t>8 &gt;&gt; 3 	= (0000 ... 1000) &gt;&gt; 3</a:t>
-            </a:r>
-          </a:p>
-          <a:p>
-            <a:pPr lvl="1">
-              <a:buFont typeface="Wingdings" pitchFamily="2" charset="2"/>
-              <a:buNone/>
-              <a:defRPr/>
-            </a:pPr>
-            <a:r>
-              <a:rPr lang="en-US" dirty="0" smtClean="0">
-                <a:latin typeface="Courier New" pitchFamily="49" charset="0"/>
-                <a:cs typeface="Courier New" pitchFamily="49" charset="0"/>
-              </a:rPr>
-              <a:t>				= 0000 ... </a:t>
-            </a:r>
-            <a:r>
-              <a:rPr lang="en-US" b="1" dirty="0" smtClean="0">
-                <a:solidFill>
-                  <a:srgbClr val="FF0000"/>
-                </a:solidFill>
-                <a:latin typeface="Courier New" pitchFamily="49" charset="0"/>
-                <a:cs typeface="Courier New" pitchFamily="49" charset="0"/>
-              </a:rPr>
-              <a:t>0001</a:t>
-            </a:r>
-            <a:endParaRPr lang="en-US" dirty="0" smtClean="0">
-              <a:solidFill>
-                <a:srgbClr val="FF0000"/>
-              </a:solidFill>
-              <a:latin typeface="Courier New" pitchFamily="49" charset="0"/>
-              <a:cs typeface="Courier New" pitchFamily="49" charset="0"/>
-            </a:endParaRPr>
-          </a:p>
-        </p:txBody>
-      </p:sp>
-      <p:sp>
-        <p:nvSpPr>
-          <p:cNvPr id="24580" name="Date Placeholder 2"/>
-          <p:cNvSpPr>
-            <a:spLocks noGrp="1"/>
-          </p:cNvSpPr>
-          <p:nvPr>
-            <p:ph type="dt" sz="quarter" idx="10"/>
-          </p:nvPr>
-        </p:nvSpPr>
-        <p:spPr>
-          <a:noFill/>
-          <a:ln/>
-          <a:extLst>
-            <a:ext uri="{909E8E84-426E-40DD-AFC4-6F175D3DCCD1}">
-              <a14:hiddenFill xmlns:a14="http://schemas.microsoft.com/office/drawing/2010/main">
-                <a:solidFill>
-                  <a:srgbClr val="FFFFFF"/>
-                </a:solidFill>
-              </a14:hiddenFill>
-            </a:ext>
-            <a:ext uri="{91240B29-F687-4F45-9708-019B960494DF}">
-              <a14:hiddenLine xmlns:a14="http://schemas.microsoft.com/office/drawing/2010/main" w="9525">
-                <a:solidFill>
-                  <a:srgbClr val="000000"/>
-                </a:solidFill>
-                <a:miter lim="800000"/>
-                <a:headEnd/>
-                <a:tailEnd/>
-              </a14:hiddenLine>
-            </a:ext>
-          </a:extLst>
-        </p:spPr>
-        <p:txBody>
-          <a:bodyPr/>
-          <a:lstStyle>
-            <a:lvl1pPr eaLnBrk="0" hangingPunct="0">
-              <a:spcBef>
-                <a:spcPct val="20000"/>
-              </a:spcBef>
-              <a:buClr>
-                <a:schemeClr val="accent1"/>
-              </a:buClr>
-              <a:buSzPct val="65000"/>
-              <a:buFont typeface="Wingdings" charset="2"/>
-              <a:buChar char="n"/>
-              <a:defRPr sz="3000">
-                <a:solidFill>
-                  <a:schemeClr val="tx1"/>
-                </a:solidFill>
-                <a:latin typeface="Arial" charset="0"/>
-                <a:ea typeface="ＭＳ Ｐゴシック" charset="-128"/>
-              </a:defRPr>
-            </a:lvl1pPr>
-            <a:lvl2pPr marL="742950" indent="-285750" eaLnBrk="0" hangingPunct="0">
-              <a:spcBef>
-                <a:spcPct val="20000"/>
-              </a:spcBef>
-              <a:buClr>
-                <a:schemeClr val="accent2"/>
-              </a:buClr>
-              <a:buSzPct val="60000"/>
-              <a:buFont typeface="Wingdings" charset="2"/>
-              <a:buChar char="q"/>
-              <a:defRPr sz="2600">
-                <a:solidFill>
-                  <a:schemeClr val="tx1"/>
-                </a:solidFill>
-                <a:latin typeface="Arial" charset="0"/>
-                <a:ea typeface="ＭＳ Ｐゴシック" charset="-128"/>
-              </a:defRPr>
-            </a:lvl2pPr>
-            <a:lvl3pPr marL="1143000" indent="-228600" eaLnBrk="0" hangingPunct="0">
-              <a:spcBef>
-                <a:spcPct val="20000"/>
-              </a:spcBef>
-              <a:buClr>
-                <a:schemeClr val="accent1"/>
-              </a:buClr>
-              <a:buSzPct val="65000"/>
-              <a:buFont typeface="Wingdings" charset="2"/>
-              <a:buChar char="n"/>
-              <a:defRPr sz="2200">
-                <a:solidFill>
-                  <a:schemeClr val="tx1"/>
-                </a:solidFill>
-                <a:latin typeface="Arial" charset="0"/>
-                <a:ea typeface="ＭＳ Ｐゴシック" charset="-128"/>
-              </a:defRPr>
-            </a:lvl3pPr>
-            <a:lvl4pPr marL="1600200" indent="-228600" eaLnBrk="0" hangingPunct="0">
-              <a:spcBef>
-                <a:spcPct val="20000"/>
-              </a:spcBef>
-              <a:buClr>
-                <a:schemeClr val="accent2"/>
-              </a:buClr>
-              <a:buSzPct val="70000"/>
-              <a:buFont typeface="Wingdings" charset="2"/>
-              <a:buChar char="q"/>
-              <a:defRPr sz="2000">
-                <a:solidFill>
-                  <a:schemeClr val="tx1"/>
-                </a:solidFill>
-                <a:latin typeface="Arial" charset="0"/>
-                <a:ea typeface="ＭＳ Ｐゴシック" charset="-128"/>
-              </a:defRPr>
-            </a:lvl4pPr>
-            <a:lvl5pPr marL="2057400" indent="-228600" eaLnBrk="0" hangingPunct="0">
-              <a:spcBef>
-                <a:spcPct val="20000"/>
-              </a:spcBef>
-              <a:buClr>
-                <a:schemeClr val="accent1"/>
-              </a:buClr>
-              <a:buSzPct val="75000"/>
-              <a:buFont typeface="Wingdings" charset="2"/>
-              <a:buChar char="§"/>
-              <a:defRPr sz="2000">
-                <a:solidFill>
-                  <a:schemeClr val="tx1"/>
-                </a:solidFill>
-                <a:latin typeface="Arial" charset="0"/>
-                <a:ea typeface="ＭＳ Ｐゴシック" charset="-128"/>
-              </a:defRPr>
-            </a:lvl5pPr>
-            <a:lvl6pPr marL="2514600" indent="-228600" eaLnBrk="0" fontAlgn="base" hangingPunct="0">
-              <a:spcBef>
-                <a:spcPct val="20000"/>
-              </a:spcBef>
-              <a:spcAft>
-                <a:spcPct val="0"/>
-              </a:spcAft>
-              <a:buClr>
-                <a:schemeClr val="accent1"/>
-              </a:buClr>
-              <a:buSzPct val="75000"/>
-              <a:buFont typeface="Wingdings" charset="2"/>
-              <a:buChar char="§"/>
-              <a:defRPr sz="2000">
-                <a:solidFill>
-                  <a:schemeClr val="tx1"/>
-                </a:solidFill>
-                <a:latin typeface="Arial" charset="0"/>
-                <a:ea typeface="ＭＳ Ｐゴシック" charset="-128"/>
-              </a:defRPr>
-            </a:lvl6pPr>
-            <a:lvl7pPr marL="2971800" indent="-228600" eaLnBrk="0" fontAlgn="base" hangingPunct="0">
-              <a:spcBef>
-                <a:spcPct val="20000"/>
-              </a:spcBef>
-              <a:spcAft>
-                <a:spcPct val="0"/>
-              </a:spcAft>
-              <a:buClr>
-                <a:schemeClr val="accent1"/>
-              </a:buClr>
-              <a:buSzPct val="75000"/>
-              <a:buFont typeface="Wingdings" charset="2"/>
-              <a:buChar char="§"/>
-              <a:defRPr sz="2000">
-                <a:solidFill>
-                  <a:schemeClr val="tx1"/>
-                </a:solidFill>
-                <a:latin typeface="Arial" charset="0"/>
-                <a:ea typeface="ＭＳ Ｐゴシック" charset="-128"/>
-              </a:defRPr>
-            </a:lvl7pPr>
-            <a:lvl8pPr marL="3429000" indent="-228600" eaLnBrk="0" fontAlgn="base" hangingPunct="0">
-              <a:spcBef>
-                <a:spcPct val="20000"/>
-              </a:spcBef>
-              <a:spcAft>
-                <a:spcPct val="0"/>
-              </a:spcAft>
-              <a:buClr>
-                <a:schemeClr val="accent1"/>
-              </a:buClr>
-              <a:buSzPct val="75000"/>
-              <a:buFont typeface="Wingdings" charset="2"/>
-              <a:buChar char="§"/>
-              <a:defRPr sz="2000">
-                <a:solidFill>
-                  <a:schemeClr val="tx1"/>
-                </a:solidFill>
-                <a:latin typeface="Arial" charset="0"/>
-                <a:ea typeface="ＭＳ Ｐゴシック" charset="-128"/>
-              </a:defRPr>
-            </a:lvl8pPr>
-            <a:lvl9pPr marL="3886200" indent="-228600" eaLnBrk="0" fontAlgn="base" hangingPunct="0">
-              <a:spcBef>
-                <a:spcPct val="20000"/>
-              </a:spcBef>
-              <a:spcAft>
-                <a:spcPct val="0"/>
-              </a:spcAft>
-              <a:buClr>
-                <a:schemeClr val="accent1"/>
-              </a:buClr>
-              <a:buSzPct val="75000"/>
-              <a:buFont typeface="Wingdings" charset="2"/>
-              <a:buChar char="§"/>
-              <a:defRPr sz="2000">
-                <a:solidFill>
-                  <a:schemeClr val="tx1"/>
-                </a:solidFill>
-                <a:latin typeface="Arial" charset="0"/>
-                <a:ea typeface="ＭＳ Ｐゴシック" charset="-128"/>
-              </a:defRPr>
-            </a:lvl9pPr>
-          </a:lstStyle>
-          <a:p>
-            <a:pPr eaLnBrk="1" hangingPunct="1">
-              <a:spcBef>
-                <a:spcPct val="0"/>
-              </a:spcBef>
-              <a:buClrTx/>
-              <a:buSzTx/>
-              <a:buFontTx/>
-              <a:buNone/>
-            </a:pPr>
-            <a:fld id="{E673A9BD-0B84-354C-A1BC-79E9CE6A32BE}" type="datetime1">
-              <a:rPr lang="en-US" altLang="en-US" sz="1200">
-                <a:latin typeface="Garamond" charset="0"/>
-              </a:rPr>
-              <a:pPr eaLnBrk="1" hangingPunct="1">
-                <a:spcBef>
-                  <a:spcPct val="0"/>
-                </a:spcBef>
-                <a:buClrTx/>
-                <a:buSzTx/>
-                <a:buFontTx/>
-                <a:buNone/>
-              </a:pPr>
-              <a:t>12/6/18</a:t>
-            </a:fld>
-            <a:endParaRPr lang="en-US" altLang="en-US" sz="1200">
-              <a:latin typeface="Garamond" charset="0"/>
-            </a:endParaRPr>
-          </a:p>
-        </p:txBody>
-      </p:sp>
-      <p:sp>
-        <p:nvSpPr>
-          <p:cNvPr id="4" name="Footer Placeholder 3"/>
-          <p:cNvSpPr>
-            <a:spLocks noGrp="1"/>
-          </p:cNvSpPr>
-          <p:nvPr>
-            <p:ph type="ftr" sz="quarter" idx="11"/>
-          </p:nvPr>
-        </p:nvSpPr>
-        <p:spPr/>
-        <p:txBody>
-          <a:bodyPr/>
-          <a:lstStyle/>
-          <a:p>
-            <a:pPr>
-              <a:defRPr/>
-            </a:pPr>
-            <a:r>
-              <a:rPr lang="en-US" altLang="en-US"/>
-              <a:t>ECE Application Programming: Lecture 31</a:t>
-            </a:r>
-          </a:p>
-        </p:txBody>
-      </p:sp>
-      <p:sp>
-        <p:nvSpPr>
-          <p:cNvPr id="24582" name="Slide Number Placeholder 4"/>
-          <p:cNvSpPr>
-            <a:spLocks noGrp="1"/>
-          </p:cNvSpPr>
-          <p:nvPr>
-            <p:ph type="sldNum" sz="quarter" idx="12"/>
-          </p:nvPr>
-        </p:nvSpPr>
-        <p:spPr>
-          <a:noFill/>
-          <a:ln/>
-          <a:extLst>
-            <a:ext uri="{909E8E84-426E-40DD-AFC4-6F175D3DCCD1}">
-              <a14:hiddenFill xmlns:a14="http://schemas.microsoft.com/office/drawing/2010/main">
-                <a:solidFill>
-                  <a:srgbClr val="FFFFFF"/>
-                </a:solidFill>
-              </a14:hiddenFill>
-            </a:ext>
-            <a:ext uri="{91240B29-F687-4F45-9708-019B960494DF}">
-              <a14:hiddenLine xmlns:a14="http://schemas.microsoft.com/office/drawing/2010/main" w="9525">
-                <a:solidFill>
-                  <a:srgbClr val="000000"/>
-                </a:solidFill>
-                <a:miter lim="800000"/>
-                <a:headEnd/>
-                <a:tailEnd/>
-              </a14:hiddenLine>
-            </a:ext>
-          </a:extLst>
-        </p:spPr>
-        <p:txBody>
-          <a:bodyPr/>
-          <a:lstStyle>
-            <a:lvl1pPr eaLnBrk="0" hangingPunct="0">
-              <a:spcBef>
-                <a:spcPct val="20000"/>
-              </a:spcBef>
-              <a:buClr>
-                <a:schemeClr val="accent1"/>
-              </a:buClr>
-              <a:buSzPct val="65000"/>
-              <a:buFont typeface="Wingdings" charset="2"/>
-              <a:buChar char="n"/>
-              <a:defRPr sz="3000">
-                <a:solidFill>
-                  <a:schemeClr val="tx1"/>
-                </a:solidFill>
-                <a:latin typeface="Arial" charset="0"/>
-                <a:ea typeface="ＭＳ Ｐゴシック" charset="-128"/>
-              </a:defRPr>
-            </a:lvl1pPr>
-            <a:lvl2pPr marL="742950" indent="-285750" eaLnBrk="0" hangingPunct="0">
-              <a:spcBef>
-                <a:spcPct val="20000"/>
-              </a:spcBef>
-              <a:buClr>
-                <a:schemeClr val="accent2"/>
-              </a:buClr>
-              <a:buSzPct val="60000"/>
-              <a:buFont typeface="Wingdings" charset="2"/>
-              <a:buChar char="q"/>
-              <a:defRPr sz="2600">
-                <a:solidFill>
-                  <a:schemeClr val="tx1"/>
-                </a:solidFill>
-                <a:latin typeface="Arial" charset="0"/>
-                <a:ea typeface="ＭＳ Ｐゴシック" charset="-128"/>
-              </a:defRPr>
-            </a:lvl2pPr>
-            <a:lvl3pPr marL="1143000" indent="-228600" eaLnBrk="0" hangingPunct="0">
-              <a:spcBef>
-                <a:spcPct val="20000"/>
-              </a:spcBef>
-              <a:buClr>
-                <a:schemeClr val="accent1"/>
-              </a:buClr>
-              <a:buSzPct val="65000"/>
-              <a:buFont typeface="Wingdings" charset="2"/>
-              <a:buChar char="n"/>
-              <a:defRPr sz="2200">
-                <a:solidFill>
-                  <a:schemeClr val="tx1"/>
-                </a:solidFill>
-                <a:latin typeface="Arial" charset="0"/>
-                <a:ea typeface="ＭＳ Ｐゴシック" charset="-128"/>
-              </a:defRPr>
-            </a:lvl3pPr>
-            <a:lvl4pPr marL="1600200" indent="-228600" eaLnBrk="0" hangingPunct="0">
-              <a:spcBef>
-                <a:spcPct val="20000"/>
-              </a:spcBef>
-              <a:buClr>
-                <a:schemeClr val="accent2"/>
-              </a:buClr>
-              <a:buSzPct val="70000"/>
-              <a:buFont typeface="Wingdings" charset="2"/>
-              <a:buChar char="q"/>
-              <a:defRPr sz="2000">
-                <a:solidFill>
-                  <a:schemeClr val="tx1"/>
-                </a:solidFill>
-                <a:latin typeface="Arial" charset="0"/>
-                <a:ea typeface="ＭＳ Ｐゴシック" charset="-128"/>
-              </a:defRPr>
-            </a:lvl4pPr>
-            <a:lvl5pPr marL="2057400" indent="-228600" eaLnBrk="0" hangingPunct="0">
-              <a:spcBef>
-                <a:spcPct val="20000"/>
-              </a:spcBef>
-              <a:buClr>
-                <a:schemeClr val="accent1"/>
-              </a:buClr>
-              <a:buSzPct val="75000"/>
-              <a:buFont typeface="Wingdings" charset="2"/>
-              <a:buChar char="§"/>
-              <a:defRPr sz="2000">
-                <a:solidFill>
-                  <a:schemeClr val="tx1"/>
-                </a:solidFill>
-                <a:latin typeface="Arial" charset="0"/>
-                <a:ea typeface="ＭＳ Ｐゴシック" charset="-128"/>
-              </a:defRPr>
-            </a:lvl5pPr>
-            <a:lvl6pPr marL="2514600" indent="-228600" eaLnBrk="0" fontAlgn="base" hangingPunct="0">
-              <a:spcBef>
-                <a:spcPct val="20000"/>
-              </a:spcBef>
-              <a:spcAft>
-                <a:spcPct val="0"/>
-              </a:spcAft>
-              <a:buClr>
-                <a:schemeClr val="accent1"/>
-              </a:buClr>
-              <a:buSzPct val="75000"/>
-              <a:buFont typeface="Wingdings" charset="2"/>
-              <a:buChar char="§"/>
-              <a:defRPr sz="2000">
-                <a:solidFill>
-                  <a:schemeClr val="tx1"/>
-                </a:solidFill>
-                <a:latin typeface="Arial" charset="0"/>
-                <a:ea typeface="ＭＳ Ｐゴシック" charset="-128"/>
-              </a:defRPr>
-            </a:lvl6pPr>
-            <a:lvl7pPr marL="2971800" indent="-228600" eaLnBrk="0" fontAlgn="base" hangingPunct="0">
-              <a:spcBef>
-                <a:spcPct val="20000"/>
-              </a:spcBef>
-              <a:spcAft>
-                <a:spcPct val="0"/>
-              </a:spcAft>
-              <a:buClr>
-                <a:schemeClr val="accent1"/>
-              </a:buClr>
-              <a:buSzPct val="75000"/>
-              <a:buFont typeface="Wingdings" charset="2"/>
-              <a:buChar char="§"/>
-              <a:defRPr sz="2000">
-                <a:solidFill>
-                  <a:schemeClr val="tx1"/>
-                </a:solidFill>
-                <a:latin typeface="Arial" charset="0"/>
-                <a:ea typeface="ＭＳ Ｐゴシック" charset="-128"/>
-              </a:defRPr>
-            </a:lvl7pPr>
-            <a:lvl8pPr marL="3429000" indent="-228600" eaLnBrk="0" fontAlgn="base" hangingPunct="0">
-              <a:spcBef>
-                <a:spcPct val="20000"/>
-              </a:spcBef>
-              <a:spcAft>
-                <a:spcPct val="0"/>
-              </a:spcAft>
-              <a:buClr>
-                <a:schemeClr val="accent1"/>
-              </a:buClr>
-              <a:buSzPct val="75000"/>
-              <a:buFont typeface="Wingdings" charset="2"/>
-              <a:buChar char="§"/>
-              <a:defRPr sz="2000">
-                <a:solidFill>
-                  <a:schemeClr val="tx1"/>
-                </a:solidFill>
-                <a:latin typeface="Arial" charset="0"/>
-                <a:ea typeface="ＭＳ Ｐゴシック" charset="-128"/>
-              </a:defRPr>
-            </a:lvl8pPr>
-            <a:lvl9pPr marL="3886200" indent="-228600" eaLnBrk="0" fontAlgn="base" hangingPunct="0">
-              <a:spcBef>
-                <a:spcPct val="20000"/>
-              </a:spcBef>
-              <a:spcAft>
-                <a:spcPct val="0"/>
-              </a:spcAft>
-              <a:buClr>
-                <a:schemeClr val="accent1"/>
-              </a:buClr>
-              <a:buSzPct val="75000"/>
-              <a:buFont typeface="Wingdings" charset="2"/>
-              <a:buChar char="§"/>
-              <a:defRPr sz="2000">
-                <a:solidFill>
-                  <a:schemeClr val="tx1"/>
-                </a:solidFill>
-                <a:latin typeface="Arial" charset="0"/>
-                <a:ea typeface="ＭＳ Ｐゴシック" charset="-128"/>
-              </a:defRPr>
-            </a:lvl9pPr>
-          </a:lstStyle>
-          <a:p>
-            <a:pPr eaLnBrk="1" hangingPunct="1">
-              <a:spcBef>
-                <a:spcPct val="0"/>
-              </a:spcBef>
-              <a:buClrTx/>
-              <a:buSzTx/>
-              <a:buFontTx/>
-              <a:buNone/>
-            </a:pPr>
-            <a:fld id="{EEE41EC8-BA1D-B747-92ED-7EEED6930977}" type="slidenum">
-              <a:rPr lang="en-US" altLang="en-US" sz="1200">
-                <a:latin typeface="Garamond" charset="0"/>
-              </a:rPr>
-              <a:pPr eaLnBrk="1" hangingPunct="1">
-                <a:spcBef>
-                  <a:spcPct val="0"/>
-                </a:spcBef>
-                <a:buClrTx/>
-                <a:buSzTx/>
-                <a:buFontTx/>
-                <a:buNone/>
-              </a:pPr>
-              <a:t>21</a:t>
-            </a:fld>
-            <a:endParaRPr lang="en-US" altLang="en-US" sz="1200">
-              <a:latin typeface="Garamond" charset="0"/>
-            </a:endParaRPr>
-          </a:p>
-        </p:txBody>
-      </p:sp>
-    </p:spTree>
-    <p:extLst>
-      <p:ext uri="{BB962C8B-B14F-4D97-AF65-F5344CB8AC3E}">
-        <p14:creationId xmlns:p14="http://schemas.microsoft.com/office/powerpoint/2010/main" val="1420512705"/>
-      </p:ext>
-    </p:extLst>
-  </p:cSld>
-  <p:clrMapOvr>
-    <a:masterClrMapping/>
-  </p:clrMapOvr>
-  <p:timing>
-    <p:tnLst>
-      <p:par>
-        <p:cTn id="1" dur="indefinite" restart="never" nodeType="tmRoot"/>
-      </p:par>
-    </p:tnLst>
-  </p:timing>
-</p:sld>
-</file>
-
-<file path=ppt/slides/slide22.xml><?xml version="1.0" encoding="utf-8"?>
-<p:sld xmlns:a="http://schemas.openxmlformats.org/drawingml/2006/main" xmlns:r="http://schemas.openxmlformats.org/officeDocument/2006/relationships" xmlns:p="http://schemas.openxmlformats.org/presentationml/2006/main">
-  <p:cSld>
-    <p:spTree>
-      <p:nvGrpSpPr>
-        <p:cNvPr id="1" name=""/>
-        <p:cNvGrpSpPr/>
-        <p:nvPr/>
-      </p:nvGrpSpPr>
-      <p:grpSpPr>
-        <a:xfrm>
-          <a:off x="0" y="0"/>
-          <a:ext cx="0" cy="0"/>
-          <a:chOff x="0" y="0"/>
-          <a:chExt cx="0" cy="0"/>
-        </a:xfrm>
-      </p:grpSpPr>
-      <p:sp>
-        <p:nvSpPr>
-          <p:cNvPr id="25602" name="Rectangle 2"/>
-          <p:cNvSpPr>
-            <a:spLocks noGrp="1" noChangeArrowheads="1"/>
-          </p:cNvSpPr>
-          <p:nvPr>
-            <p:ph type="title"/>
-          </p:nvPr>
-        </p:nvSpPr>
-        <p:spPr>
-          <a:xfrm>
-            <a:off x="381000" y="228600"/>
-            <a:ext cx="7772400" cy="838200"/>
-          </a:xfrm>
-        </p:spPr>
-        <p:txBody>
-          <a:bodyPr/>
-          <a:lstStyle/>
-          <a:p>
-            <a:r>
-              <a:rPr lang="en-US" altLang="en-US">
-                <a:ea typeface="ＭＳ Ｐゴシック" charset="-128"/>
-              </a:rPr>
-              <a:t>Review: C operators</a:t>
-            </a:r>
-          </a:p>
-        </p:txBody>
-      </p:sp>
-      <p:graphicFrame>
-        <p:nvGraphicFramePr>
-          <p:cNvPr id="51203" name="Group 3"/>
-          <p:cNvGraphicFramePr>
-            <a:graphicFrameLocks noGrp="1"/>
-          </p:cNvGraphicFramePr>
-          <p:nvPr>
-            <p:ph type="tbl" idx="1"/>
-          </p:nvPr>
-        </p:nvGraphicFramePr>
-        <p:xfrm>
-          <a:off x="685800" y="1143000"/>
-          <a:ext cx="7772400" cy="4568829"/>
-        </p:xfrm>
-        <a:graphic>
-          <a:graphicData uri="http://schemas.openxmlformats.org/drawingml/2006/table">
-            <a:tbl>
-              <a:tblPr/>
-              <a:tblGrid>
-                <a:gridCol w="3886200"/>
-                <a:gridCol w="3886200"/>
-              </a:tblGrid>
-              <a:tr h="457172">
-                <a:tc>
-                  <a:txBody>
-                    <a:bodyPr/>
-                    <a:lstStyle/>
-                    <a:p>
-                      <a:pPr marL="0" marR="0" lvl="0" indent="0" algn="l" defTabSz="914400" rtl="0" eaLnBrk="1" fontAlgn="base" latinLnBrk="0" hangingPunct="1">
-                        <a:lnSpc>
-                          <a:spcPct val="100000"/>
-                        </a:lnSpc>
-                        <a:spcBef>
-                          <a:spcPct val="20000"/>
-                        </a:spcBef>
-                        <a:spcAft>
-                          <a:spcPct val="0"/>
-                        </a:spcAft>
-                        <a:buClrTx/>
-                        <a:buSzTx/>
-                        <a:buFontTx/>
-                        <a:buNone/>
-                        <a:tabLst/>
-                      </a:pPr>
-                      <a:r>
-                        <a:rPr kumimoji="0" lang="en-US" sz="2400" b="1" i="0" u="none" strike="noStrike" cap="none" normalizeH="0" baseline="0" dirty="0" smtClean="0">
-                          <a:ln>
-                            <a:noFill/>
-                          </a:ln>
-                          <a:solidFill>
-                            <a:schemeClr val="tx1"/>
-                          </a:solidFill>
-                          <a:effectLst/>
-                          <a:latin typeface="+mn-lt"/>
-                        </a:rPr>
-                        <a:t>Operator</a:t>
-                      </a:r>
-                    </a:p>
-                  </a:txBody>
-                  <a:tcPr marT="45706" marB="45706" horzOverflow="overflow">
-                    <a:lnL w="28575" cap="flat" cmpd="sng" algn="ctr">
-                      <a:solidFill>
-                        <a:schemeClr val="tx1"/>
-                      </a:solidFill>
-                      <a:prstDash val="solid"/>
-                      <a:round/>
-                      <a:headEnd type="none" w="med" len="med"/>
-                      <a:tailEnd type="none" w="med" len="med"/>
-                    </a:lnL>
-                    <a:lnR w="12700" cap="flat" cmpd="sng" algn="ctr">
-                      <a:solidFill>
-                        <a:schemeClr val="tx1"/>
-                      </a:solidFill>
-                      <a:prstDash val="solid"/>
-                      <a:round/>
-                      <a:headEnd type="none" w="med" len="med"/>
-                      <a:tailEnd type="none" w="med" len="med"/>
-                    </a:lnR>
-                    <a:lnT w="28575" cap="flat" cmpd="sng" algn="ctr">
-                      <a:solidFill>
-                        <a:schemeClr val="tx1"/>
-                      </a:solidFill>
-                      <a:prstDash val="solid"/>
-                      <a:round/>
-                      <a:headEnd type="none" w="med" len="med"/>
-                      <a:tailEnd type="none" w="med" len="med"/>
-                    </a:lnT>
-                    <a:lnB w="12700" cap="flat" cmpd="sng" algn="ctr">
-                      <a:solidFill>
-                        <a:schemeClr val="tx1"/>
-                      </a:solidFill>
-                      <a:prstDash val="solid"/>
-                      <a:round/>
-                      <a:headEnd type="none" w="med" len="med"/>
-                      <a:tailEnd type="none" w="med" len="med"/>
-                    </a:lnB>
-                    <a:lnTlToBr>
-                      <a:noFill/>
-                    </a:lnTlToBr>
-                    <a:lnBlToTr>
-                      <a:noFill/>
-                    </a:lnBlToTr>
-                    <a:noFill/>
-                  </a:tcPr>
-                </a:tc>
-                <a:tc>
-                  <a:txBody>
-                    <a:bodyPr/>
-                    <a:lstStyle/>
-                    <a:p>
-                      <a:pPr marL="0" marR="0" lvl="0" indent="0" algn="l" defTabSz="914400" rtl="0" eaLnBrk="1" fontAlgn="base" latinLnBrk="0" hangingPunct="1">
-                        <a:lnSpc>
-                          <a:spcPct val="100000"/>
-                        </a:lnSpc>
-                        <a:spcBef>
-                          <a:spcPct val="20000"/>
-                        </a:spcBef>
-                        <a:spcAft>
-                          <a:spcPct val="0"/>
-                        </a:spcAft>
-                        <a:buClrTx/>
-                        <a:buSzTx/>
-                        <a:buFontTx/>
-                        <a:buNone/>
-                        <a:tabLst/>
-                      </a:pPr>
-                      <a:r>
-                        <a:rPr kumimoji="0" lang="en-US" sz="2400" b="1" i="0" u="none" strike="noStrike" cap="none" normalizeH="0" baseline="0" dirty="0" err="1" smtClean="0">
-                          <a:ln>
-                            <a:noFill/>
-                          </a:ln>
-                          <a:solidFill>
-                            <a:schemeClr val="tx1"/>
-                          </a:solidFill>
-                          <a:effectLst/>
-                          <a:latin typeface="+mn-lt"/>
-                        </a:rPr>
-                        <a:t>Associativity</a:t>
-                      </a:r>
-                      <a:endParaRPr kumimoji="0" lang="en-US" sz="2400" b="1" i="0" u="none" strike="noStrike" cap="none" normalizeH="0" baseline="0" dirty="0" smtClean="0">
-                        <a:ln>
-                          <a:noFill/>
-                        </a:ln>
-                        <a:solidFill>
-                          <a:schemeClr val="tx1"/>
-                        </a:solidFill>
-                        <a:effectLst/>
-                        <a:latin typeface="+mn-lt"/>
-                      </a:endParaRPr>
-                    </a:p>
-                  </a:txBody>
-                  <a:tcPr marT="45706" marB="45706" horzOverflow="overflow">
-                    <a:lnL w="12700" cap="flat" cmpd="sng" algn="ctr">
-                      <a:solidFill>
-                        <a:schemeClr val="tx1"/>
-                      </a:solidFill>
-                      <a:prstDash val="solid"/>
-                      <a:round/>
-                      <a:headEnd type="none" w="med" len="med"/>
-                      <a:tailEnd type="none" w="med" len="med"/>
-                    </a:lnL>
-                    <a:lnR w="28575" cap="flat" cmpd="sng" algn="ctr">
-                      <a:solidFill>
-                        <a:schemeClr val="tx1"/>
-                      </a:solidFill>
-                      <a:prstDash val="solid"/>
-                      <a:round/>
-                      <a:headEnd type="none" w="med" len="med"/>
-                      <a:tailEnd type="none" w="med" len="med"/>
-                    </a:lnR>
-                    <a:lnT w="28575" cap="flat" cmpd="sng" algn="ctr">
-                      <a:solidFill>
-                        <a:schemeClr val="tx1"/>
-                      </a:solidFill>
-                      <a:prstDash val="solid"/>
-                      <a:round/>
-                      <a:headEnd type="none" w="med" len="med"/>
-                      <a:tailEnd type="none" w="med" len="med"/>
-                    </a:lnT>
-                    <a:lnB w="12700" cap="flat" cmpd="sng" algn="ctr">
-                      <a:solidFill>
-                        <a:schemeClr val="tx1"/>
-                      </a:solidFill>
-                      <a:prstDash val="solid"/>
-                      <a:round/>
-                      <a:headEnd type="none" w="med" len="med"/>
-                      <a:tailEnd type="none" w="med" len="med"/>
-                    </a:lnB>
-                    <a:lnTlToBr>
-                      <a:noFill/>
-                    </a:lnTlToBr>
-                    <a:lnBlToTr>
-                      <a:noFill/>
-                    </a:lnBlToTr>
-                    <a:noFill/>
-                  </a:tcPr>
-                </a:tc>
-              </a:tr>
-              <a:tr h="457172">
-                <a:tc>
-                  <a:txBody>
-                    <a:bodyPr/>
-                    <a:lstStyle/>
-                    <a:p>
-                      <a:pPr marL="0" marR="0" lvl="0" indent="0" algn="l" defTabSz="914400" rtl="0" eaLnBrk="1" fontAlgn="base" latinLnBrk="0" hangingPunct="1">
-                        <a:lnSpc>
-                          <a:spcPct val="100000"/>
-                        </a:lnSpc>
-                        <a:spcBef>
-                          <a:spcPct val="20000"/>
-                        </a:spcBef>
-                        <a:spcAft>
-                          <a:spcPct val="0"/>
-                        </a:spcAft>
-                        <a:buClrTx/>
-                        <a:buSzTx/>
-                        <a:buFontTx/>
-                        <a:buNone/>
-                        <a:tabLst/>
-                      </a:pPr>
-                      <a:r>
-                        <a:rPr kumimoji="0" lang="en-US" sz="2400" b="0" i="0" u="none" strike="noStrike" cap="none" normalizeH="0" baseline="0" dirty="0" smtClean="0">
-                          <a:ln>
-                            <a:noFill/>
-                          </a:ln>
-                          <a:solidFill>
-                            <a:schemeClr val="tx1"/>
-                          </a:solidFill>
-                          <a:effectLst/>
-                          <a:latin typeface="+mn-lt"/>
-                        </a:rPr>
-                        <a:t>Innermost ( )</a:t>
-                      </a:r>
-                    </a:p>
-                  </a:txBody>
-                  <a:tcPr marT="45706" marB="45706" horzOverflow="overflow">
-                    <a:lnL w="28575" cap="flat" cmpd="sng" algn="ctr">
-                      <a:solidFill>
-                        <a:schemeClr val="tx1"/>
-                      </a:solidFill>
-                      <a:prstDash val="solid"/>
-                      <a:round/>
-                      <a:headEnd type="none" w="med" len="med"/>
-                      <a:tailEnd type="none" w="med" len="med"/>
-                    </a:lnL>
-                    <a:lnR w="12700" cap="flat" cmpd="sng" algn="ctr">
-                      <a:solidFill>
-                        <a:schemeClr val="tx1"/>
-                      </a:solidFill>
-                      <a:prstDash val="solid"/>
-                      <a:round/>
-                      <a:headEnd type="none" w="med" len="med"/>
-                      <a:tailEnd type="none" w="med" len="med"/>
-                    </a:lnR>
-                    <a:lnT w="12700" cap="flat" cmpd="sng" algn="ctr">
-                      <a:solidFill>
-                        <a:schemeClr val="tx1"/>
-                      </a:solidFill>
-                      <a:prstDash val="solid"/>
-                      <a:round/>
-                      <a:headEnd type="none" w="med" len="med"/>
-                      <a:tailEnd type="none" w="med" len="med"/>
-                    </a:lnT>
-                    <a:lnB w="12700" cap="flat" cmpd="sng" algn="ctr">
-                      <a:solidFill>
-                        <a:schemeClr val="tx1"/>
-                      </a:solidFill>
-                      <a:prstDash val="solid"/>
-                      <a:round/>
-                      <a:headEnd type="none" w="med" len="med"/>
-                      <a:tailEnd type="none" w="med" len="med"/>
-                    </a:lnB>
-                    <a:lnTlToBr>
-                      <a:noFill/>
-                    </a:lnTlToBr>
-                    <a:lnBlToTr>
-                      <a:noFill/>
-                    </a:lnBlToTr>
-                    <a:noFill/>
-                  </a:tcPr>
-                </a:tc>
-                <a:tc>
-                  <a:txBody>
-                    <a:bodyPr/>
-                    <a:lstStyle/>
-                    <a:p>
-                      <a:pPr marL="0" marR="0" lvl="0" indent="0" algn="l" defTabSz="914400" rtl="0" eaLnBrk="1" fontAlgn="base" latinLnBrk="0" hangingPunct="1">
-                        <a:lnSpc>
-                          <a:spcPct val="100000"/>
-                        </a:lnSpc>
-                        <a:spcBef>
-                          <a:spcPct val="20000"/>
-                        </a:spcBef>
-                        <a:spcAft>
-                          <a:spcPct val="0"/>
-                        </a:spcAft>
-                        <a:buClrTx/>
-                        <a:buSzTx/>
-                        <a:buFontTx/>
-                        <a:buNone/>
-                        <a:tabLst/>
-                      </a:pPr>
-                      <a:r>
-                        <a:rPr kumimoji="0" lang="en-US" sz="2400" b="0" i="0" u="none" strike="noStrike" cap="none" normalizeH="0" baseline="0" smtClean="0">
-                          <a:ln>
-                            <a:noFill/>
-                          </a:ln>
-                          <a:solidFill>
-                            <a:schemeClr val="tx1"/>
-                          </a:solidFill>
-                          <a:effectLst/>
-                          <a:latin typeface="+mn-lt"/>
-                        </a:rPr>
-                        <a:t>Left to right</a:t>
-                      </a:r>
-                    </a:p>
-                  </a:txBody>
-                  <a:tcPr marT="45706" marB="45706" horzOverflow="overflow">
-                    <a:lnL w="12700" cap="flat" cmpd="sng" algn="ctr">
-                      <a:solidFill>
-                        <a:schemeClr val="tx1"/>
-                      </a:solidFill>
-                      <a:prstDash val="solid"/>
-                      <a:round/>
-                      <a:headEnd type="none" w="med" len="med"/>
-                      <a:tailEnd type="none" w="med" len="med"/>
-                    </a:lnL>
-                    <a:lnR w="28575" cap="flat" cmpd="sng" algn="ctr">
-                      <a:solidFill>
-                        <a:schemeClr val="tx1"/>
-                      </a:solidFill>
-                      <a:prstDash val="solid"/>
-                      <a:round/>
-                      <a:headEnd type="none" w="med" len="med"/>
-                      <a:tailEnd type="none" w="med" len="med"/>
-                    </a:lnR>
-                    <a:lnT w="12700" cap="flat" cmpd="sng" algn="ctr">
-                      <a:solidFill>
-                        <a:schemeClr val="tx1"/>
-                      </a:solidFill>
-                      <a:prstDash val="solid"/>
-                      <a:round/>
-                      <a:headEnd type="none" w="med" len="med"/>
-                      <a:tailEnd type="none" w="med" len="med"/>
-                    </a:lnT>
-                    <a:lnB w="12700" cap="flat" cmpd="sng" algn="ctr">
-                      <a:solidFill>
-                        <a:schemeClr val="tx1"/>
-                      </a:solidFill>
-                      <a:prstDash val="solid"/>
-                      <a:round/>
-                      <a:headEnd type="none" w="med" len="med"/>
-                      <a:tailEnd type="none" w="med" len="med"/>
-                    </a:lnB>
-                    <a:lnTlToBr>
-                      <a:noFill/>
-                    </a:lnTlToBr>
-                    <a:lnBlToTr>
-                      <a:noFill/>
-                    </a:lnBlToTr>
-                    <a:noFill/>
-                  </a:tcPr>
-                </a:tc>
-              </a:tr>
-              <a:tr h="472541">
-                <a:tc>
-                  <a:txBody>
-                    <a:bodyPr/>
-                    <a:lstStyle/>
-                    <a:p>
-                      <a:pPr marL="0" marR="0" lvl="0" indent="0" algn="l" defTabSz="914400" rtl="0" eaLnBrk="1" fontAlgn="base" latinLnBrk="0" hangingPunct="1">
-                        <a:lnSpc>
-                          <a:spcPct val="100000"/>
-                        </a:lnSpc>
-                        <a:spcBef>
-                          <a:spcPct val="20000"/>
-                        </a:spcBef>
-                        <a:spcAft>
-                          <a:spcPct val="0"/>
-                        </a:spcAft>
-                        <a:buClrTx/>
-                        <a:buSzTx/>
-                        <a:buFontTx/>
-                        <a:buNone/>
-                        <a:tabLst/>
-                      </a:pPr>
-                      <a:r>
-                        <a:rPr kumimoji="0" lang="en-US" sz="2400" b="0" i="0" u="none" strike="noStrike" cap="none" normalizeH="0" baseline="0" dirty="0" smtClean="0">
-                          <a:ln>
-                            <a:noFill/>
-                          </a:ln>
-                          <a:solidFill>
-                            <a:schemeClr val="tx1"/>
-                          </a:solidFill>
-                          <a:effectLst/>
-                          <a:latin typeface="+mn-lt"/>
-                        </a:rPr>
-                        <a:t>Unary -, unary ~</a:t>
-                      </a:r>
-                    </a:p>
-                  </a:txBody>
-                  <a:tcPr marT="45706" marB="45706" horzOverflow="overflow">
-                    <a:lnL w="28575" cap="flat" cmpd="sng" algn="ctr">
-                      <a:solidFill>
-                        <a:schemeClr val="tx1"/>
-                      </a:solidFill>
-                      <a:prstDash val="solid"/>
-                      <a:round/>
-                      <a:headEnd type="none" w="med" len="med"/>
-                      <a:tailEnd type="none" w="med" len="med"/>
-                    </a:lnL>
-                    <a:lnR w="12700" cap="flat" cmpd="sng" algn="ctr">
-                      <a:solidFill>
-                        <a:schemeClr val="tx1"/>
-                      </a:solidFill>
-                      <a:prstDash val="solid"/>
-                      <a:round/>
-                      <a:headEnd type="none" w="med" len="med"/>
-                      <a:tailEnd type="none" w="med" len="med"/>
-                    </a:lnR>
-                    <a:lnT w="12700" cap="flat" cmpd="sng" algn="ctr">
-                      <a:solidFill>
-                        <a:schemeClr val="tx1"/>
-                      </a:solidFill>
-                      <a:prstDash val="solid"/>
-                      <a:round/>
-                      <a:headEnd type="none" w="med" len="med"/>
-                      <a:tailEnd type="none" w="med" len="med"/>
-                    </a:lnT>
-                    <a:lnB w="12700" cap="flat" cmpd="sng" algn="ctr">
-                      <a:solidFill>
-                        <a:schemeClr val="tx1"/>
-                      </a:solidFill>
-                      <a:prstDash val="solid"/>
-                      <a:round/>
-                      <a:headEnd type="none" w="med" len="med"/>
-                      <a:tailEnd type="none" w="med" len="med"/>
-                    </a:lnB>
-                    <a:lnTlToBr>
-                      <a:noFill/>
-                    </a:lnTlToBr>
-                    <a:lnBlToTr>
-                      <a:noFill/>
-                    </a:lnBlToTr>
-                    <a:noFill/>
-                  </a:tcPr>
-                </a:tc>
-                <a:tc>
-                  <a:txBody>
-                    <a:bodyPr/>
-                    <a:lstStyle/>
-                    <a:p>
-                      <a:pPr marL="0" marR="0" lvl="0" indent="0" algn="l" defTabSz="914400" rtl="0" eaLnBrk="1" fontAlgn="base" latinLnBrk="0" hangingPunct="1">
-                        <a:lnSpc>
-                          <a:spcPct val="100000"/>
-                        </a:lnSpc>
-                        <a:spcBef>
-                          <a:spcPct val="20000"/>
-                        </a:spcBef>
-                        <a:spcAft>
-                          <a:spcPct val="0"/>
-                        </a:spcAft>
-                        <a:buClrTx/>
-                        <a:buSzTx/>
-                        <a:buFontTx/>
-                        <a:buNone/>
-                        <a:tabLst/>
-                      </a:pPr>
-                      <a:r>
-                        <a:rPr kumimoji="0" lang="en-US" sz="2400" b="0" i="0" u="none" strike="noStrike" cap="none" normalizeH="0" baseline="0" dirty="0" smtClean="0">
-                          <a:ln>
-                            <a:noFill/>
-                          </a:ln>
-                          <a:solidFill>
-                            <a:schemeClr val="tx1"/>
-                          </a:solidFill>
-                          <a:effectLst/>
-                          <a:latin typeface="+mn-lt"/>
-                        </a:rPr>
-                        <a:t>Right to left</a:t>
-                      </a:r>
-                    </a:p>
-                  </a:txBody>
-                  <a:tcPr marT="45706" marB="45706" horzOverflow="overflow">
-                    <a:lnL w="12700" cap="flat" cmpd="sng" algn="ctr">
-                      <a:solidFill>
-                        <a:schemeClr val="tx1"/>
-                      </a:solidFill>
-                      <a:prstDash val="solid"/>
-                      <a:round/>
-                      <a:headEnd type="none" w="med" len="med"/>
-                      <a:tailEnd type="none" w="med" len="med"/>
-                    </a:lnL>
-                    <a:lnR w="28575" cap="flat" cmpd="sng" algn="ctr">
-                      <a:solidFill>
-                        <a:schemeClr val="tx1"/>
-                      </a:solidFill>
-                      <a:prstDash val="solid"/>
-                      <a:round/>
-                      <a:headEnd type="none" w="med" len="med"/>
-                      <a:tailEnd type="none" w="med" len="med"/>
-                    </a:lnR>
-                    <a:lnT w="12700" cap="flat" cmpd="sng" algn="ctr">
-                      <a:solidFill>
-                        <a:schemeClr val="tx1"/>
-                      </a:solidFill>
-                      <a:prstDash val="solid"/>
-                      <a:round/>
-                      <a:headEnd type="none" w="med" len="med"/>
-                      <a:tailEnd type="none" w="med" len="med"/>
-                    </a:lnT>
-                    <a:lnB w="12700" cap="flat" cmpd="sng" algn="ctr">
-                      <a:solidFill>
-                        <a:schemeClr val="tx1"/>
-                      </a:solidFill>
-                      <a:prstDash val="solid"/>
-                      <a:round/>
-                      <a:headEnd type="none" w="med" len="med"/>
-                      <a:tailEnd type="none" w="med" len="med"/>
-                    </a:lnB>
-                    <a:lnTlToBr>
-                      <a:noFill/>
-                    </a:lnTlToBr>
-                    <a:lnBlToTr>
-                      <a:noFill/>
-                    </a:lnBlToTr>
-                    <a:noFill/>
-                  </a:tcPr>
-                </a:tc>
-              </a:tr>
-              <a:tr h="457172">
-                <a:tc>
-                  <a:txBody>
-                    <a:bodyPr/>
-                    <a:lstStyle/>
-                    <a:p>
-                      <a:pPr marL="0" marR="0" lvl="0" indent="0" algn="l" defTabSz="914400" rtl="0" eaLnBrk="1" fontAlgn="base" latinLnBrk="0" hangingPunct="1">
-                        <a:lnSpc>
-                          <a:spcPct val="100000"/>
-                        </a:lnSpc>
-                        <a:spcBef>
-                          <a:spcPct val="20000"/>
-                        </a:spcBef>
-                        <a:spcAft>
-                          <a:spcPct val="0"/>
-                        </a:spcAft>
-                        <a:buClrTx/>
-                        <a:buSzTx/>
-                        <a:buFontTx/>
-                        <a:buNone/>
-                        <a:tabLst/>
-                      </a:pPr>
-                      <a:r>
-                        <a:rPr kumimoji="0" lang="en-US" sz="2400" b="0" i="0" u="none" strike="noStrike" cap="none" normalizeH="0" baseline="0" dirty="0" smtClean="0">
-                          <a:ln>
-                            <a:noFill/>
-                          </a:ln>
-                          <a:solidFill>
-                            <a:schemeClr val="tx1"/>
-                          </a:solidFill>
-                          <a:effectLst/>
-                          <a:latin typeface="+mn-lt"/>
-                        </a:rPr>
-                        <a:t>*    /    %</a:t>
-                      </a:r>
-                    </a:p>
-                  </a:txBody>
-                  <a:tcPr marT="45706" marB="45706" horzOverflow="overflow">
-                    <a:lnL w="28575" cap="flat" cmpd="sng" algn="ctr">
-                      <a:solidFill>
-                        <a:schemeClr val="tx1"/>
-                      </a:solidFill>
-                      <a:prstDash val="solid"/>
-                      <a:round/>
-                      <a:headEnd type="none" w="med" len="med"/>
-                      <a:tailEnd type="none" w="med" len="med"/>
-                    </a:lnL>
-                    <a:lnR w="12700" cap="flat" cmpd="sng" algn="ctr">
-                      <a:solidFill>
-                        <a:schemeClr val="tx1"/>
-                      </a:solidFill>
-                      <a:prstDash val="solid"/>
-                      <a:round/>
-                      <a:headEnd type="none" w="med" len="med"/>
-                      <a:tailEnd type="none" w="med" len="med"/>
-                    </a:lnR>
-                    <a:lnT w="12700" cap="flat" cmpd="sng" algn="ctr">
-                      <a:solidFill>
-                        <a:schemeClr val="tx1"/>
-                      </a:solidFill>
-                      <a:prstDash val="solid"/>
-                      <a:round/>
-                      <a:headEnd type="none" w="med" len="med"/>
-                      <a:tailEnd type="none" w="med" len="med"/>
-                    </a:lnT>
-                    <a:lnB w="12700" cap="flat" cmpd="sng" algn="ctr">
-                      <a:solidFill>
-                        <a:schemeClr val="tx1"/>
-                      </a:solidFill>
-                      <a:prstDash val="solid"/>
-                      <a:round/>
-                      <a:headEnd type="none" w="med" len="med"/>
-                      <a:tailEnd type="none" w="med" len="med"/>
-                    </a:lnB>
-                    <a:lnTlToBr>
-                      <a:noFill/>
-                    </a:lnTlToBr>
-                    <a:lnBlToTr>
-                      <a:noFill/>
-                    </a:lnBlToTr>
-                    <a:noFill/>
-                  </a:tcPr>
-                </a:tc>
-                <a:tc>
-                  <a:txBody>
-                    <a:bodyPr/>
-                    <a:lstStyle/>
-                    <a:p>
-                      <a:pPr marL="0" marR="0" lvl="0" indent="0" algn="l" defTabSz="914400" rtl="0" eaLnBrk="1" fontAlgn="base" latinLnBrk="0" hangingPunct="1">
-                        <a:lnSpc>
-                          <a:spcPct val="100000"/>
-                        </a:lnSpc>
-                        <a:spcBef>
-                          <a:spcPct val="20000"/>
-                        </a:spcBef>
-                        <a:spcAft>
-                          <a:spcPct val="0"/>
-                        </a:spcAft>
-                        <a:buClrTx/>
-                        <a:buSzTx/>
-                        <a:buFontTx/>
-                        <a:buNone/>
-                        <a:tabLst/>
-                      </a:pPr>
-                      <a:r>
-                        <a:rPr kumimoji="0" lang="en-US" sz="2400" b="0" i="0" u="none" strike="noStrike" cap="none" normalizeH="0" baseline="0" dirty="0" smtClean="0">
-                          <a:ln>
-                            <a:noFill/>
-                          </a:ln>
-                          <a:solidFill>
-                            <a:schemeClr val="tx1"/>
-                          </a:solidFill>
-                          <a:effectLst/>
-                          <a:latin typeface="+mn-lt"/>
-                        </a:rPr>
-                        <a:t>Left to right</a:t>
-                      </a:r>
-                    </a:p>
-                  </a:txBody>
-                  <a:tcPr marT="45706" marB="45706" horzOverflow="overflow">
-                    <a:lnL w="12700" cap="flat" cmpd="sng" algn="ctr">
-                      <a:solidFill>
-                        <a:schemeClr val="tx1"/>
-                      </a:solidFill>
-                      <a:prstDash val="solid"/>
-                      <a:round/>
-                      <a:headEnd type="none" w="med" len="med"/>
-                      <a:tailEnd type="none" w="med" len="med"/>
-                    </a:lnL>
-                    <a:lnR w="28575" cap="flat" cmpd="sng" algn="ctr">
-                      <a:solidFill>
-                        <a:schemeClr val="tx1"/>
-                      </a:solidFill>
-                      <a:prstDash val="solid"/>
-                      <a:round/>
-                      <a:headEnd type="none" w="med" len="med"/>
-                      <a:tailEnd type="none" w="med" len="med"/>
-                    </a:lnR>
-                    <a:lnT w="12700" cap="flat" cmpd="sng" algn="ctr">
-                      <a:solidFill>
-                        <a:schemeClr val="tx1"/>
-                      </a:solidFill>
-                      <a:prstDash val="solid"/>
-                      <a:round/>
-                      <a:headEnd type="none" w="med" len="med"/>
-                      <a:tailEnd type="none" w="med" len="med"/>
-                    </a:lnT>
-                    <a:lnB w="12700" cap="flat" cmpd="sng" algn="ctr">
-                      <a:solidFill>
-                        <a:schemeClr val="tx1"/>
-                      </a:solidFill>
-                      <a:prstDash val="solid"/>
-                      <a:round/>
-                      <a:headEnd type="none" w="med" len="med"/>
-                      <a:tailEnd type="none" w="med" len="med"/>
-                    </a:lnB>
-                    <a:lnTlToBr>
-                      <a:noFill/>
-                    </a:lnTlToBr>
-                    <a:lnBlToTr>
-                      <a:noFill/>
-                    </a:lnBlToTr>
-                    <a:noFill/>
-                  </a:tcPr>
-                </a:tc>
-              </a:tr>
-              <a:tr h="457172">
-                <a:tc>
-                  <a:txBody>
-                    <a:bodyPr/>
-                    <a:lstStyle/>
-                    <a:p>
-                      <a:pPr marL="0" marR="0" lvl="0" indent="0" algn="l" defTabSz="914400" rtl="0" eaLnBrk="1" fontAlgn="base" latinLnBrk="0" hangingPunct="1">
-                        <a:lnSpc>
-                          <a:spcPct val="100000"/>
-                        </a:lnSpc>
-                        <a:spcBef>
-                          <a:spcPct val="20000"/>
-                        </a:spcBef>
-                        <a:spcAft>
-                          <a:spcPct val="0"/>
-                        </a:spcAft>
-                        <a:buClrTx/>
-                        <a:buSzTx/>
-                        <a:buFontTx/>
-                        <a:buNone/>
-                        <a:tabLst/>
-                      </a:pPr>
-                      <a:r>
-                        <a:rPr kumimoji="0" lang="en-US" sz="2400" b="0" i="0" u="none" strike="noStrike" cap="none" normalizeH="0" baseline="0" dirty="0" smtClean="0">
-                          <a:ln>
-                            <a:noFill/>
-                          </a:ln>
-                          <a:solidFill>
-                            <a:schemeClr val="tx1"/>
-                          </a:solidFill>
-                          <a:effectLst/>
-                          <a:latin typeface="+mn-lt"/>
-                        </a:rPr>
-                        <a:t>+     -</a:t>
-                      </a:r>
-                    </a:p>
-                  </a:txBody>
-                  <a:tcPr marT="45706" marB="45706" horzOverflow="overflow">
-                    <a:lnL w="28575" cap="flat" cmpd="sng" algn="ctr">
-                      <a:solidFill>
-                        <a:schemeClr val="tx1"/>
-                      </a:solidFill>
-                      <a:prstDash val="solid"/>
-                      <a:round/>
-                      <a:headEnd type="none" w="med" len="med"/>
-                      <a:tailEnd type="none" w="med" len="med"/>
-                    </a:lnL>
-                    <a:lnR w="12700" cap="flat" cmpd="sng" algn="ctr">
-                      <a:solidFill>
-                        <a:schemeClr val="tx1"/>
-                      </a:solidFill>
-                      <a:prstDash val="solid"/>
-                      <a:round/>
-                      <a:headEnd type="none" w="med" len="med"/>
-                      <a:tailEnd type="none" w="med" len="med"/>
-                    </a:lnR>
-                    <a:lnT w="12700" cap="flat" cmpd="sng" algn="ctr">
-                      <a:solidFill>
-                        <a:schemeClr val="tx1"/>
-                      </a:solidFill>
-                      <a:prstDash val="solid"/>
-                      <a:round/>
-                      <a:headEnd type="none" w="med" len="med"/>
-                      <a:tailEnd type="none" w="med" len="med"/>
-                    </a:lnT>
-                    <a:lnB w="12700" cap="flat" cmpd="sng" algn="ctr">
-                      <a:solidFill>
-                        <a:schemeClr val="tx1"/>
-                      </a:solidFill>
-                      <a:prstDash val="solid"/>
-                      <a:round/>
-                      <a:headEnd type="none" w="med" len="med"/>
-                      <a:tailEnd type="none" w="med" len="med"/>
-                    </a:lnB>
-                    <a:lnTlToBr>
-                      <a:noFill/>
-                    </a:lnTlToBr>
-                    <a:lnBlToTr>
-                      <a:noFill/>
-                    </a:lnBlToTr>
-                    <a:noFill/>
-                  </a:tcPr>
-                </a:tc>
-                <a:tc>
-                  <a:txBody>
-                    <a:bodyPr/>
-                    <a:lstStyle/>
-                    <a:p>
-                      <a:pPr marL="0" marR="0" lvl="0" indent="0" algn="l" defTabSz="914400" rtl="0" eaLnBrk="1" fontAlgn="base" latinLnBrk="0" hangingPunct="1">
-                        <a:lnSpc>
-                          <a:spcPct val="100000"/>
-                        </a:lnSpc>
-                        <a:spcBef>
-                          <a:spcPct val="20000"/>
-                        </a:spcBef>
-                        <a:spcAft>
-                          <a:spcPct val="0"/>
-                        </a:spcAft>
-                        <a:buClrTx/>
-                        <a:buSzTx/>
-                        <a:buFontTx/>
-                        <a:buNone/>
-                        <a:tabLst/>
-                      </a:pPr>
-                      <a:r>
-                        <a:rPr kumimoji="0" lang="en-US" sz="2400" b="0" i="0" u="none" strike="noStrike" cap="none" normalizeH="0" baseline="0" dirty="0" smtClean="0">
-                          <a:ln>
-                            <a:noFill/>
-                          </a:ln>
-                          <a:solidFill>
-                            <a:schemeClr val="tx1"/>
-                          </a:solidFill>
-                          <a:effectLst/>
-                          <a:latin typeface="+mn-lt"/>
-                        </a:rPr>
-                        <a:t>Left to right</a:t>
-                      </a:r>
-                    </a:p>
-                  </a:txBody>
-                  <a:tcPr marT="45706" marB="45706" horzOverflow="overflow">
-                    <a:lnL w="12700" cap="flat" cmpd="sng" algn="ctr">
-                      <a:solidFill>
-                        <a:schemeClr val="tx1"/>
-                      </a:solidFill>
-                      <a:prstDash val="solid"/>
-                      <a:round/>
-                      <a:headEnd type="none" w="med" len="med"/>
-                      <a:tailEnd type="none" w="med" len="med"/>
-                    </a:lnL>
-                    <a:lnR w="28575" cap="flat" cmpd="sng" algn="ctr">
-                      <a:solidFill>
-                        <a:schemeClr val="tx1"/>
-                      </a:solidFill>
-                      <a:prstDash val="solid"/>
-                      <a:round/>
-                      <a:headEnd type="none" w="med" len="med"/>
-                      <a:tailEnd type="none" w="med" len="med"/>
-                    </a:lnR>
-                    <a:lnT w="12700" cap="flat" cmpd="sng" algn="ctr">
-                      <a:solidFill>
-                        <a:schemeClr val="tx1"/>
-                      </a:solidFill>
-                      <a:prstDash val="solid"/>
-                      <a:round/>
-                      <a:headEnd type="none" w="med" len="med"/>
-                      <a:tailEnd type="none" w="med" len="med"/>
-                    </a:lnT>
-                    <a:lnB w="12700" cap="flat" cmpd="sng" algn="ctr">
-                      <a:solidFill>
-                        <a:schemeClr val="tx1"/>
-                      </a:solidFill>
-                      <a:prstDash val="solid"/>
-                      <a:round/>
-                      <a:headEnd type="none" w="med" len="med"/>
-                      <a:tailEnd type="none" w="med" len="med"/>
-                    </a:lnB>
-                    <a:lnTlToBr>
-                      <a:noFill/>
-                    </a:lnTlToBr>
-                    <a:lnBlToTr>
-                      <a:noFill/>
-                    </a:lnBlToTr>
-                    <a:noFill/>
-                  </a:tcPr>
-                </a:tc>
-              </a:tr>
-              <a:tr h="896083">
-                <a:tc>
-                  <a:txBody>
-                    <a:bodyPr/>
-                    <a:lstStyle/>
-                    <a:p>
-                      <a:pPr marL="0" marR="0" lvl="0" indent="0" algn="l" defTabSz="914400" rtl="0" eaLnBrk="1" fontAlgn="base" latinLnBrk="0" hangingPunct="1">
-                        <a:lnSpc>
-                          <a:spcPct val="100000"/>
-                        </a:lnSpc>
-                        <a:spcBef>
-                          <a:spcPct val="20000"/>
-                        </a:spcBef>
-                        <a:spcAft>
-                          <a:spcPct val="0"/>
-                        </a:spcAft>
-                        <a:buClrTx/>
-                        <a:buSzTx/>
-                        <a:buFontTx/>
-                        <a:buNone/>
-                        <a:tabLst/>
-                      </a:pPr>
-                      <a:r>
-                        <a:rPr kumimoji="0" lang="en-US" sz="2400" b="0" i="0" u="none" strike="noStrike" cap="none" normalizeH="0" baseline="0" dirty="0" smtClean="0">
-                          <a:ln>
-                            <a:noFill/>
-                          </a:ln>
-                          <a:solidFill>
-                            <a:schemeClr val="tx1"/>
-                          </a:solidFill>
-                          <a:effectLst/>
-                          <a:latin typeface="+mn-lt"/>
-                        </a:rPr>
-                        <a:t>&lt;&lt; &gt;&gt;</a:t>
-                      </a:r>
-                    </a:p>
-                    <a:p>
-                      <a:pPr marL="0" marR="0" lvl="0" indent="0" algn="l" defTabSz="914400" rtl="0" eaLnBrk="1" fontAlgn="base" latinLnBrk="0" hangingPunct="1">
-                        <a:lnSpc>
-                          <a:spcPct val="100000"/>
-                        </a:lnSpc>
-                        <a:spcBef>
-                          <a:spcPct val="20000"/>
-                        </a:spcBef>
-                        <a:spcAft>
-                          <a:spcPct val="0"/>
-                        </a:spcAft>
-                        <a:buClrTx/>
-                        <a:buSzTx/>
-                        <a:buFontTx/>
-                        <a:buNone/>
-                        <a:tabLst/>
-                      </a:pPr>
-                      <a:r>
-                        <a:rPr kumimoji="0" lang="en-US" sz="2400" b="0" i="1" u="none" strike="noStrike" cap="none" normalizeH="0" baseline="0" dirty="0" smtClean="0">
-                          <a:ln>
-                            <a:noFill/>
-                          </a:ln>
-                          <a:solidFill>
-                            <a:srgbClr val="0000FF"/>
-                          </a:solidFill>
-                          <a:effectLst/>
-                          <a:latin typeface="+mn-lt"/>
-                        </a:rPr>
-                        <a:t>NOTE: shift </a:t>
-                      </a:r>
-                      <a:r>
-                        <a:rPr kumimoji="0" lang="en-US" sz="2400" b="0" i="1" u="none" strike="noStrike" cap="none" normalizeH="0" baseline="0" dirty="0" err="1" smtClean="0">
-                          <a:ln>
-                            <a:noFill/>
-                          </a:ln>
-                          <a:solidFill>
-                            <a:srgbClr val="0000FF"/>
-                          </a:solidFill>
-                          <a:effectLst/>
-                          <a:latin typeface="+mn-lt"/>
-                        </a:rPr>
-                        <a:t>amt</a:t>
-                      </a:r>
-                      <a:r>
-                        <a:rPr kumimoji="0" lang="en-US" sz="2400" b="0" i="1" u="none" strike="noStrike" cap="none" normalizeH="0" baseline="0" dirty="0" smtClean="0">
-                          <a:ln>
-                            <a:noFill/>
-                          </a:ln>
-                          <a:solidFill>
-                            <a:srgbClr val="0000FF"/>
-                          </a:solidFill>
-                          <a:effectLst/>
-                          <a:latin typeface="+mn-lt"/>
-                        </a:rPr>
-                        <a:t> &lt; 32</a:t>
-                      </a:r>
-                    </a:p>
-                  </a:txBody>
-                  <a:tcPr marT="45706" marB="45706" horzOverflow="overflow">
-                    <a:lnL w="28575" cap="flat" cmpd="sng" algn="ctr">
-                      <a:solidFill>
-                        <a:schemeClr val="tx1"/>
-                      </a:solidFill>
-                      <a:prstDash val="solid"/>
-                      <a:round/>
-                      <a:headEnd type="none" w="med" len="med"/>
-                      <a:tailEnd type="none" w="med" len="med"/>
-                    </a:lnL>
-                    <a:lnR w="12700" cap="flat" cmpd="sng" algn="ctr">
-                      <a:solidFill>
-                        <a:schemeClr val="tx1"/>
-                      </a:solidFill>
-                      <a:prstDash val="solid"/>
-                      <a:round/>
-                      <a:headEnd type="none" w="med" len="med"/>
-                      <a:tailEnd type="none" w="med" len="med"/>
-                    </a:lnR>
-                    <a:lnT w="12700" cap="flat" cmpd="sng" algn="ctr">
-                      <a:solidFill>
-                        <a:schemeClr val="tx1"/>
-                      </a:solidFill>
-                      <a:prstDash val="solid"/>
-                      <a:round/>
-                      <a:headEnd type="none" w="med" len="med"/>
-                      <a:tailEnd type="none" w="med" len="med"/>
-                    </a:lnT>
-                    <a:lnB w="12700" cap="flat" cmpd="sng" algn="ctr">
-                      <a:solidFill>
-                        <a:schemeClr val="tx1"/>
-                      </a:solidFill>
-                      <a:prstDash val="solid"/>
-                      <a:round/>
-                      <a:headEnd type="none" w="med" len="med"/>
-                      <a:tailEnd type="none" w="med" len="med"/>
-                    </a:lnB>
-                    <a:lnTlToBr>
-                      <a:noFill/>
-                    </a:lnTlToBr>
-                    <a:lnBlToTr>
-                      <a:noFill/>
-                    </a:lnBlToTr>
-                    <a:noFill/>
-                  </a:tcPr>
-                </a:tc>
-                <a:tc>
-                  <a:txBody>
-                    <a:bodyPr/>
-                    <a:lstStyle/>
-                    <a:p>
-                      <a:pPr marL="0" marR="0" lvl="0" indent="0" algn="l" defTabSz="914400" rtl="0" eaLnBrk="1" fontAlgn="base" latinLnBrk="0" hangingPunct="1">
-                        <a:lnSpc>
-                          <a:spcPct val="100000"/>
-                        </a:lnSpc>
-                        <a:spcBef>
-                          <a:spcPct val="20000"/>
-                        </a:spcBef>
-                        <a:spcAft>
-                          <a:spcPct val="0"/>
-                        </a:spcAft>
-                        <a:buClrTx/>
-                        <a:buSzTx/>
-                        <a:buFontTx/>
-                        <a:buNone/>
-                        <a:tabLst/>
-                      </a:pPr>
-                      <a:r>
-                        <a:rPr kumimoji="0" lang="en-US" sz="2400" b="0" i="0" u="none" strike="noStrike" cap="none" normalizeH="0" baseline="0" dirty="0" smtClean="0">
-                          <a:ln>
-                            <a:noFill/>
-                          </a:ln>
-                          <a:solidFill>
-                            <a:schemeClr val="tx1"/>
-                          </a:solidFill>
-                          <a:effectLst/>
-                          <a:latin typeface="+mn-lt"/>
-                        </a:rPr>
-                        <a:t>Left to right</a:t>
-                      </a:r>
-                    </a:p>
-                  </a:txBody>
-                  <a:tcPr marT="45706" marB="45706" horzOverflow="overflow">
-                    <a:lnL w="12700" cap="flat" cmpd="sng" algn="ctr">
-                      <a:solidFill>
-                        <a:schemeClr val="tx1"/>
-                      </a:solidFill>
-                      <a:prstDash val="solid"/>
-                      <a:round/>
-                      <a:headEnd type="none" w="med" len="med"/>
-                      <a:tailEnd type="none" w="med" len="med"/>
-                    </a:lnL>
-                    <a:lnR w="28575" cap="flat" cmpd="sng" algn="ctr">
-                      <a:solidFill>
-                        <a:schemeClr val="tx1"/>
-                      </a:solidFill>
-                      <a:prstDash val="solid"/>
-                      <a:round/>
-                      <a:headEnd type="none" w="med" len="med"/>
-                      <a:tailEnd type="none" w="med" len="med"/>
-                    </a:lnR>
-                    <a:lnT w="12700" cap="flat" cmpd="sng" algn="ctr">
-                      <a:solidFill>
-                        <a:schemeClr val="tx1"/>
-                      </a:solidFill>
-                      <a:prstDash val="solid"/>
-                      <a:round/>
-                      <a:headEnd type="none" w="med" len="med"/>
-                      <a:tailEnd type="none" w="med" len="med"/>
-                    </a:lnT>
-                    <a:lnB w="12700" cap="flat" cmpd="sng" algn="ctr">
-                      <a:solidFill>
-                        <a:schemeClr val="tx1"/>
-                      </a:solidFill>
-                      <a:prstDash val="solid"/>
-                      <a:round/>
-                      <a:headEnd type="none" w="med" len="med"/>
-                      <a:tailEnd type="none" w="med" len="med"/>
-                    </a:lnB>
-                    <a:lnTlToBr>
-                      <a:noFill/>
-                    </a:lnTlToBr>
-                    <a:lnBlToTr>
-                      <a:noFill/>
-                    </a:lnBlToTr>
-                    <a:noFill/>
-                  </a:tcPr>
-                </a:tc>
-              </a:tr>
-              <a:tr h="457172">
-                <a:tc>
-                  <a:txBody>
-                    <a:bodyPr/>
-                    <a:lstStyle/>
-                    <a:p>
-                      <a:pPr marL="0" marR="0" lvl="0" indent="0" algn="l" defTabSz="914400" rtl="0" eaLnBrk="1" fontAlgn="base" latinLnBrk="0" hangingPunct="1">
-                        <a:lnSpc>
-                          <a:spcPct val="100000"/>
-                        </a:lnSpc>
-                        <a:spcBef>
-                          <a:spcPct val="20000"/>
-                        </a:spcBef>
-                        <a:spcAft>
-                          <a:spcPct val="0"/>
-                        </a:spcAft>
-                        <a:buClrTx/>
-                        <a:buSzTx/>
-                        <a:buFontTx/>
-                        <a:buNone/>
-                        <a:tabLst/>
-                      </a:pPr>
-                      <a:r>
-                        <a:rPr kumimoji="0" lang="en-US" sz="2400" b="0" i="0" u="none" strike="noStrike" cap="none" normalizeH="0" baseline="0" dirty="0" smtClean="0">
-                          <a:ln>
-                            <a:noFill/>
-                          </a:ln>
-                          <a:solidFill>
-                            <a:schemeClr val="tx1"/>
-                          </a:solidFill>
-                          <a:effectLst/>
-                          <a:latin typeface="+mn-lt"/>
-                        </a:rPr>
-                        <a:t>&amp;</a:t>
-                      </a:r>
-                    </a:p>
-                  </a:txBody>
-                  <a:tcPr marT="45706" marB="45706" horzOverflow="overflow">
-                    <a:lnL w="28575" cap="flat" cmpd="sng" algn="ctr">
-                      <a:solidFill>
-                        <a:schemeClr val="tx1"/>
-                      </a:solidFill>
-                      <a:prstDash val="solid"/>
-                      <a:round/>
-                      <a:headEnd type="none" w="med" len="med"/>
-                      <a:tailEnd type="none" w="med" len="med"/>
-                    </a:lnL>
-                    <a:lnR w="12700" cap="flat" cmpd="sng" algn="ctr">
-                      <a:solidFill>
-                        <a:schemeClr val="tx1"/>
-                      </a:solidFill>
-                      <a:prstDash val="solid"/>
-                      <a:round/>
-                      <a:headEnd type="none" w="med" len="med"/>
-                      <a:tailEnd type="none" w="med" len="med"/>
-                    </a:lnR>
-                    <a:lnT w="12700" cap="flat" cmpd="sng" algn="ctr">
-                      <a:solidFill>
-                        <a:schemeClr val="tx1"/>
-                      </a:solidFill>
-                      <a:prstDash val="solid"/>
-                      <a:round/>
-                      <a:headEnd type="none" w="med" len="med"/>
-                      <a:tailEnd type="none" w="med" len="med"/>
-                    </a:lnT>
-                    <a:lnB w="12700" cap="flat" cmpd="sng" algn="ctr">
-                      <a:solidFill>
-                        <a:schemeClr val="tx1"/>
-                      </a:solidFill>
-                      <a:prstDash val="solid"/>
-                      <a:round/>
-                      <a:headEnd type="none" w="med" len="med"/>
-                      <a:tailEnd type="none" w="med" len="med"/>
-                    </a:lnB>
-                    <a:lnTlToBr>
-                      <a:noFill/>
-                    </a:lnTlToBr>
-                    <a:lnBlToTr>
-                      <a:noFill/>
-                    </a:lnBlToTr>
-                    <a:noFill/>
-                  </a:tcPr>
-                </a:tc>
-                <a:tc>
-                  <a:txBody>
-                    <a:bodyPr/>
-                    <a:lstStyle/>
-                    <a:p>
-                      <a:pPr marL="0" marR="0" lvl="0" indent="0" algn="l" defTabSz="914400" rtl="0" eaLnBrk="1" fontAlgn="base" latinLnBrk="0" hangingPunct="1">
-                        <a:lnSpc>
-                          <a:spcPct val="100000"/>
-                        </a:lnSpc>
-                        <a:spcBef>
-                          <a:spcPct val="20000"/>
-                        </a:spcBef>
-                        <a:spcAft>
-                          <a:spcPct val="0"/>
-                        </a:spcAft>
-                        <a:buClrTx/>
-                        <a:buSzTx/>
-                        <a:buFontTx/>
-                        <a:buNone/>
-                        <a:tabLst/>
-                      </a:pPr>
-                      <a:r>
-                        <a:rPr kumimoji="0" lang="en-US" sz="2400" b="0" i="0" u="none" strike="noStrike" cap="none" normalizeH="0" baseline="0" dirty="0" smtClean="0">
-                          <a:ln>
-                            <a:noFill/>
-                          </a:ln>
-                          <a:solidFill>
-                            <a:schemeClr val="tx1"/>
-                          </a:solidFill>
-                          <a:effectLst/>
-                          <a:latin typeface="+mn-lt"/>
-                        </a:rPr>
-                        <a:t>Left to right</a:t>
-                      </a:r>
-                    </a:p>
-                  </a:txBody>
-                  <a:tcPr marT="45706" marB="45706" horzOverflow="overflow">
-                    <a:lnL w="12700" cap="flat" cmpd="sng" algn="ctr">
-                      <a:solidFill>
-                        <a:schemeClr val="tx1"/>
-                      </a:solidFill>
-                      <a:prstDash val="solid"/>
-                      <a:round/>
-                      <a:headEnd type="none" w="med" len="med"/>
-                      <a:tailEnd type="none" w="med" len="med"/>
-                    </a:lnL>
-                    <a:lnR w="28575" cap="flat" cmpd="sng" algn="ctr">
-                      <a:solidFill>
-                        <a:schemeClr val="tx1"/>
-                      </a:solidFill>
-                      <a:prstDash val="solid"/>
-                      <a:round/>
-                      <a:headEnd type="none" w="med" len="med"/>
-                      <a:tailEnd type="none" w="med" len="med"/>
-                    </a:lnR>
-                    <a:lnT w="12700" cap="flat" cmpd="sng" algn="ctr">
-                      <a:solidFill>
-                        <a:schemeClr val="tx1"/>
-                      </a:solidFill>
-                      <a:prstDash val="solid"/>
-                      <a:round/>
-                      <a:headEnd type="none" w="med" len="med"/>
-                      <a:tailEnd type="none" w="med" len="med"/>
-                    </a:lnT>
-                    <a:lnB w="12700" cap="flat" cmpd="sng" algn="ctr">
-                      <a:solidFill>
-                        <a:schemeClr val="tx1"/>
-                      </a:solidFill>
-                      <a:prstDash val="solid"/>
-                      <a:round/>
-                      <a:headEnd type="none" w="med" len="med"/>
-                      <a:tailEnd type="none" w="med" len="med"/>
-                    </a:lnB>
-                    <a:lnTlToBr>
-                      <a:noFill/>
-                    </a:lnTlToBr>
-                    <a:lnBlToTr>
-                      <a:noFill/>
-                    </a:lnBlToTr>
-                    <a:noFill/>
-                  </a:tcPr>
-                </a:tc>
-              </a:tr>
-              <a:tr h="457172">
-                <a:tc>
-                  <a:txBody>
-                    <a:bodyPr/>
-                    <a:lstStyle/>
-                    <a:p>
-                      <a:pPr marL="0" marR="0" lvl="0" indent="0" algn="l" defTabSz="914400" rtl="0" eaLnBrk="1" fontAlgn="base" latinLnBrk="0" hangingPunct="1">
-                        <a:lnSpc>
-                          <a:spcPct val="100000"/>
-                        </a:lnSpc>
-                        <a:spcBef>
-                          <a:spcPct val="20000"/>
-                        </a:spcBef>
-                        <a:spcAft>
-                          <a:spcPct val="0"/>
-                        </a:spcAft>
-                        <a:buClrTx/>
-                        <a:buSzTx/>
-                        <a:buFontTx/>
-                        <a:buNone/>
-                        <a:tabLst/>
-                      </a:pPr>
-                      <a:r>
-                        <a:rPr kumimoji="0" lang="en-US" sz="2400" b="0" i="0" u="none" strike="noStrike" cap="none" normalizeH="0" baseline="0" dirty="0" smtClean="0">
-                          <a:ln>
-                            <a:noFill/>
-                          </a:ln>
-                          <a:solidFill>
-                            <a:schemeClr val="tx1"/>
-                          </a:solidFill>
-                          <a:effectLst/>
-                          <a:latin typeface="+mn-lt"/>
-                        </a:rPr>
-                        <a:t>^</a:t>
-                      </a:r>
-                    </a:p>
-                  </a:txBody>
-                  <a:tcPr marT="45706" marB="45706" horzOverflow="overflow">
-                    <a:lnL w="28575" cap="flat" cmpd="sng" algn="ctr">
-                      <a:solidFill>
-                        <a:schemeClr val="tx1"/>
-                      </a:solidFill>
-                      <a:prstDash val="solid"/>
-                      <a:round/>
-                      <a:headEnd type="none" w="med" len="med"/>
-                      <a:tailEnd type="none" w="med" len="med"/>
-                    </a:lnL>
-                    <a:lnR w="12700" cap="flat" cmpd="sng" algn="ctr">
-                      <a:solidFill>
-                        <a:schemeClr val="tx1"/>
-                      </a:solidFill>
-                      <a:prstDash val="solid"/>
-                      <a:round/>
-                      <a:headEnd type="none" w="med" len="med"/>
-                      <a:tailEnd type="none" w="med" len="med"/>
-                    </a:lnR>
-                    <a:lnT w="12700" cap="flat" cmpd="sng" algn="ctr">
-                      <a:solidFill>
-                        <a:schemeClr val="tx1"/>
-                      </a:solidFill>
-                      <a:prstDash val="solid"/>
-                      <a:round/>
-                      <a:headEnd type="none" w="med" len="med"/>
-                      <a:tailEnd type="none" w="med" len="med"/>
-                    </a:lnT>
-                    <a:lnB w="12700" cap="flat" cmpd="sng" algn="ctr">
-                      <a:solidFill>
-                        <a:schemeClr val="tx1"/>
-                      </a:solidFill>
-                      <a:prstDash val="solid"/>
-                      <a:round/>
-                      <a:headEnd type="none" w="med" len="med"/>
-                      <a:tailEnd type="none" w="med" len="med"/>
-                    </a:lnB>
-                    <a:lnTlToBr>
-                      <a:noFill/>
-                    </a:lnTlToBr>
-                    <a:lnBlToTr>
-                      <a:noFill/>
-                    </a:lnBlToTr>
-                    <a:noFill/>
-                  </a:tcPr>
-                </a:tc>
-                <a:tc>
-                  <a:txBody>
-                    <a:bodyPr/>
-                    <a:lstStyle/>
-                    <a:p>
-                      <a:pPr marL="0" marR="0" lvl="0" indent="0" algn="l" defTabSz="914400" rtl="0" eaLnBrk="1" fontAlgn="base" latinLnBrk="0" hangingPunct="1">
-                        <a:lnSpc>
-                          <a:spcPct val="100000"/>
-                        </a:lnSpc>
-                        <a:spcBef>
-                          <a:spcPct val="20000"/>
-                        </a:spcBef>
-                        <a:spcAft>
-                          <a:spcPct val="0"/>
-                        </a:spcAft>
-                        <a:buClrTx/>
-                        <a:buSzTx/>
-                        <a:buFontTx/>
-                        <a:buNone/>
-                        <a:tabLst/>
-                      </a:pPr>
-                      <a:r>
-                        <a:rPr kumimoji="0" lang="en-US" sz="2400" b="0" i="0" u="none" strike="noStrike" cap="none" normalizeH="0" baseline="0" dirty="0" smtClean="0">
-                          <a:ln>
-                            <a:noFill/>
-                          </a:ln>
-                          <a:solidFill>
-                            <a:schemeClr val="tx1"/>
-                          </a:solidFill>
-                          <a:effectLst/>
-                          <a:latin typeface="+mn-lt"/>
-                        </a:rPr>
-                        <a:t>Left to right</a:t>
-                      </a:r>
-                    </a:p>
-                  </a:txBody>
-                  <a:tcPr marT="45706" marB="45706" horzOverflow="overflow">
-                    <a:lnL w="12700" cap="flat" cmpd="sng" algn="ctr">
-                      <a:solidFill>
-                        <a:schemeClr val="tx1"/>
-                      </a:solidFill>
-                      <a:prstDash val="solid"/>
-                      <a:round/>
-                      <a:headEnd type="none" w="med" len="med"/>
-                      <a:tailEnd type="none" w="med" len="med"/>
-                    </a:lnL>
-                    <a:lnR w="28575" cap="flat" cmpd="sng" algn="ctr">
-                      <a:solidFill>
-                        <a:schemeClr val="tx1"/>
-                      </a:solidFill>
-                      <a:prstDash val="solid"/>
-                      <a:round/>
-                      <a:headEnd type="none" w="med" len="med"/>
-                      <a:tailEnd type="none" w="med" len="med"/>
-                    </a:lnR>
-                    <a:lnT w="12700" cap="flat" cmpd="sng" algn="ctr">
-                      <a:solidFill>
-                        <a:schemeClr val="tx1"/>
-                      </a:solidFill>
-                      <a:prstDash val="solid"/>
-                      <a:round/>
-                      <a:headEnd type="none" w="med" len="med"/>
-                      <a:tailEnd type="none" w="med" len="med"/>
-                    </a:lnT>
-                    <a:lnB w="12700" cap="flat" cmpd="sng" algn="ctr">
-                      <a:solidFill>
-                        <a:schemeClr val="tx1"/>
-                      </a:solidFill>
-                      <a:prstDash val="solid"/>
-                      <a:round/>
-                      <a:headEnd type="none" w="med" len="med"/>
-                      <a:tailEnd type="none" w="med" len="med"/>
-                    </a:lnB>
-                    <a:lnTlToBr>
-                      <a:noFill/>
-                    </a:lnTlToBr>
-                    <a:lnBlToTr>
-                      <a:noFill/>
-                    </a:lnBlToTr>
-                    <a:noFill/>
-                  </a:tcPr>
-                </a:tc>
-              </a:tr>
-              <a:tr h="457172">
-                <a:tc>
-                  <a:txBody>
-                    <a:bodyPr/>
-                    <a:lstStyle/>
-                    <a:p>
-                      <a:pPr marL="0" marR="0" lvl="0" indent="0" algn="l" defTabSz="914400" rtl="0" eaLnBrk="1" fontAlgn="base" latinLnBrk="0" hangingPunct="1">
-                        <a:lnSpc>
-                          <a:spcPct val="100000"/>
-                        </a:lnSpc>
-                        <a:spcBef>
-                          <a:spcPct val="20000"/>
-                        </a:spcBef>
-                        <a:spcAft>
-                          <a:spcPct val="0"/>
-                        </a:spcAft>
-                        <a:buClrTx/>
-                        <a:buSzTx/>
-                        <a:buFontTx/>
-                        <a:buNone/>
-                        <a:tabLst/>
-                      </a:pPr>
-                      <a:r>
-                        <a:rPr kumimoji="0" lang="en-US" sz="2400" b="0" i="0" u="none" strike="noStrike" cap="none" normalizeH="0" baseline="0" dirty="0" smtClean="0">
-                          <a:ln>
-                            <a:noFill/>
-                          </a:ln>
-                          <a:solidFill>
-                            <a:schemeClr val="tx1"/>
-                          </a:solidFill>
-                          <a:effectLst/>
-                          <a:latin typeface="+mn-lt"/>
-                        </a:rPr>
-                        <a:t>|</a:t>
-                      </a:r>
-                    </a:p>
-                  </a:txBody>
-                  <a:tcPr marT="45706" marB="45706" horzOverflow="overflow">
-                    <a:lnL w="28575" cap="flat" cmpd="sng" algn="ctr">
-                      <a:solidFill>
-                        <a:schemeClr val="tx1"/>
-                      </a:solidFill>
-                      <a:prstDash val="solid"/>
-                      <a:round/>
-                      <a:headEnd type="none" w="med" len="med"/>
-                      <a:tailEnd type="none" w="med" len="med"/>
-                    </a:lnL>
-                    <a:lnR w="12700" cap="flat" cmpd="sng" algn="ctr">
-                      <a:solidFill>
-                        <a:schemeClr val="tx1"/>
-                      </a:solidFill>
-                      <a:prstDash val="solid"/>
-                      <a:round/>
-                      <a:headEnd type="none" w="med" len="med"/>
-                      <a:tailEnd type="none" w="med" len="med"/>
-                    </a:lnR>
-                    <a:lnT w="12700" cap="flat" cmpd="sng" algn="ctr">
-                      <a:solidFill>
-                        <a:schemeClr val="tx1"/>
-                      </a:solidFill>
-                      <a:prstDash val="solid"/>
-                      <a:round/>
-                      <a:headEnd type="none" w="med" len="med"/>
-                      <a:tailEnd type="none" w="med" len="med"/>
-                    </a:lnT>
-                    <a:lnB w="28575" cap="flat" cmpd="sng" algn="ctr">
-                      <a:solidFill>
-                        <a:schemeClr val="tx1"/>
-                      </a:solidFill>
-                      <a:prstDash val="solid"/>
-                      <a:round/>
-                      <a:headEnd type="none" w="med" len="med"/>
-                      <a:tailEnd type="none" w="med" len="med"/>
-                    </a:lnB>
-                    <a:lnTlToBr>
-                      <a:noFill/>
-                    </a:lnTlToBr>
-                    <a:lnBlToTr>
-                      <a:noFill/>
-                    </a:lnBlToTr>
-                    <a:noFill/>
-                  </a:tcPr>
-                </a:tc>
-                <a:tc>
-                  <a:txBody>
-                    <a:bodyPr/>
-                    <a:lstStyle/>
-                    <a:p>
-                      <a:pPr marL="0" marR="0" lvl="0" indent="0" algn="l" defTabSz="914400" rtl="0" eaLnBrk="1" fontAlgn="base" latinLnBrk="0" hangingPunct="1">
-                        <a:lnSpc>
-                          <a:spcPct val="100000"/>
-                        </a:lnSpc>
-                        <a:spcBef>
-                          <a:spcPct val="20000"/>
-                        </a:spcBef>
-                        <a:spcAft>
-                          <a:spcPct val="0"/>
-                        </a:spcAft>
-                        <a:buClrTx/>
-                        <a:buSzTx/>
-                        <a:buFontTx/>
-                        <a:buNone/>
-                        <a:tabLst/>
-                      </a:pPr>
-                      <a:r>
-                        <a:rPr kumimoji="0" lang="en-US" sz="2400" b="0" i="0" u="none" strike="noStrike" cap="none" normalizeH="0" baseline="0" dirty="0" smtClean="0">
-                          <a:ln>
-                            <a:noFill/>
-                          </a:ln>
-                          <a:solidFill>
-                            <a:schemeClr val="tx1"/>
-                          </a:solidFill>
-                          <a:effectLst/>
-                          <a:latin typeface="+mn-lt"/>
-                        </a:rPr>
-                        <a:t>Left to right</a:t>
-                      </a:r>
-                    </a:p>
-                  </a:txBody>
-                  <a:tcPr marT="45706" marB="45706" horzOverflow="overflow">
-                    <a:lnL w="12700" cap="flat" cmpd="sng" algn="ctr">
-                      <a:solidFill>
-                        <a:schemeClr val="tx1"/>
-                      </a:solidFill>
-                      <a:prstDash val="solid"/>
-                      <a:round/>
-                      <a:headEnd type="none" w="med" len="med"/>
-                      <a:tailEnd type="none" w="med" len="med"/>
-                    </a:lnL>
-                    <a:lnR w="28575" cap="flat" cmpd="sng" algn="ctr">
-                      <a:solidFill>
-                        <a:schemeClr val="tx1"/>
-                      </a:solidFill>
-                      <a:prstDash val="solid"/>
-                      <a:round/>
-                      <a:headEnd type="none" w="med" len="med"/>
-                      <a:tailEnd type="none" w="med" len="med"/>
-                    </a:lnR>
-                    <a:lnT w="12700" cap="flat" cmpd="sng" algn="ctr">
-                      <a:solidFill>
-                        <a:schemeClr val="tx1"/>
-                      </a:solidFill>
-                      <a:prstDash val="solid"/>
-                      <a:round/>
-                      <a:headEnd type="none" w="med" len="med"/>
-                      <a:tailEnd type="none" w="med" len="med"/>
-                    </a:lnT>
-                    <a:lnB w="28575" cap="flat" cmpd="sng" algn="ctr">
-                      <a:solidFill>
-                        <a:schemeClr val="tx1"/>
-                      </a:solidFill>
-                      <a:prstDash val="solid"/>
-                      <a:round/>
-                      <a:headEnd type="none" w="med" len="med"/>
-                      <a:tailEnd type="none" w="med" len="med"/>
-                    </a:lnB>
-                    <a:lnTlToBr>
-                      <a:noFill/>
-                    </a:lnTlToBr>
-                    <a:lnBlToTr>
-                      <a:noFill/>
-                    </a:lnBlToTr>
-                    <a:noFill/>
-                  </a:tcPr>
-                </a:tc>
-              </a:tr>
-            </a:tbl>
-          </a:graphicData>
-        </a:graphic>
-      </p:graphicFrame>
-      <p:sp>
-        <p:nvSpPr>
-          <p:cNvPr id="25635" name="Slide Number Placeholder 5"/>
-          <p:cNvSpPr>
-            <a:spLocks noGrp="1"/>
-          </p:cNvSpPr>
-          <p:nvPr>
-            <p:ph type="sldNum" sz="quarter" idx="12"/>
-          </p:nvPr>
-        </p:nvSpPr>
-        <p:spPr>
-          <a:noFill/>
-          <a:ln/>
-          <a:extLst>
-            <a:ext uri="{909E8E84-426E-40DD-AFC4-6F175D3DCCD1}">
-              <a14:hiddenFill xmlns:a14="http://schemas.microsoft.com/office/drawing/2010/main">
-                <a:solidFill>
-                  <a:srgbClr val="FFFFFF"/>
-                </a:solidFill>
-              </a14:hiddenFill>
-            </a:ext>
-            <a:ext uri="{91240B29-F687-4F45-9708-019B960494DF}">
-              <a14:hiddenLine xmlns:a14="http://schemas.microsoft.com/office/drawing/2010/main" w="9525">
-                <a:solidFill>
-                  <a:srgbClr val="000000"/>
-                </a:solidFill>
-                <a:miter lim="800000"/>
-                <a:headEnd/>
-                <a:tailEnd/>
-              </a14:hiddenLine>
-            </a:ext>
-          </a:extLst>
-        </p:spPr>
-        <p:txBody>
-          <a:bodyPr/>
-          <a:lstStyle>
-            <a:lvl1pPr eaLnBrk="0" hangingPunct="0">
-              <a:spcBef>
-                <a:spcPct val="20000"/>
-              </a:spcBef>
-              <a:buClr>
-                <a:schemeClr val="accent1"/>
-              </a:buClr>
-              <a:buSzPct val="65000"/>
-              <a:buFont typeface="Wingdings" charset="2"/>
-              <a:buChar char="n"/>
-              <a:defRPr sz="3000">
-                <a:solidFill>
-                  <a:schemeClr val="tx1"/>
-                </a:solidFill>
-                <a:latin typeface="Arial" charset="0"/>
-                <a:ea typeface="ＭＳ Ｐゴシック" charset="-128"/>
-              </a:defRPr>
-            </a:lvl1pPr>
-            <a:lvl2pPr marL="742950" indent="-285750" eaLnBrk="0" hangingPunct="0">
-              <a:spcBef>
-                <a:spcPct val="20000"/>
-              </a:spcBef>
-              <a:buClr>
-                <a:schemeClr val="accent2"/>
-              </a:buClr>
-              <a:buSzPct val="60000"/>
-              <a:buFont typeface="Wingdings" charset="2"/>
-              <a:buChar char="q"/>
-              <a:defRPr sz="2600">
-                <a:solidFill>
-                  <a:schemeClr val="tx1"/>
-                </a:solidFill>
-                <a:latin typeface="Arial" charset="0"/>
-                <a:ea typeface="ＭＳ Ｐゴシック" charset="-128"/>
-              </a:defRPr>
-            </a:lvl2pPr>
-            <a:lvl3pPr marL="1143000" indent="-228600" eaLnBrk="0" hangingPunct="0">
-              <a:spcBef>
-                <a:spcPct val="20000"/>
-              </a:spcBef>
-              <a:buClr>
-                <a:schemeClr val="accent1"/>
-              </a:buClr>
-              <a:buSzPct val="65000"/>
-              <a:buFont typeface="Wingdings" charset="2"/>
-              <a:buChar char="n"/>
-              <a:defRPr sz="2200">
-                <a:solidFill>
-                  <a:schemeClr val="tx1"/>
-                </a:solidFill>
-                <a:latin typeface="Arial" charset="0"/>
-                <a:ea typeface="ＭＳ Ｐゴシック" charset="-128"/>
-              </a:defRPr>
-            </a:lvl3pPr>
-            <a:lvl4pPr marL="1600200" indent="-228600" eaLnBrk="0" hangingPunct="0">
-              <a:spcBef>
-                <a:spcPct val="20000"/>
-              </a:spcBef>
-              <a:buClr>
-                <a:schemeClr val="accent2"/>
-              </a:buClr>
-              <a:buSzPct val="70000"/>
-              <a:buFont typeface="Wingdings" charset="2"/>
-              <a:buChar char="q"/>
-              <a:defRPr sz="2000">
-                <a:solidFill>
-                  <a:schemeClr val="tx1"/>
-                </a:solidFill>
-                <a:latin typeface="Arial" charset="0"/>
-                <a:ea typeface="ＭＳ Ｐゴシック" charset="-128"/>
-              </a:defRPr>
-            </a:lvl4pPr>
-            <a:lvl5pPr marL="2057400" indent="-228600" eaLnBrk="0" hangingPunct="0">
-              <a:spcBef>
-                <a:spcPct val="20000"/>
-              </a:spcBef>
-              <a:buClr>
-                <a:schemeClr val="accent1"/>
-              </a:buClr>
-              <a:buSzPct val="75000"/>
-              <a:buFont typeface="Wingdings" charset="2"/>
-              <a:buChar char="§"/>
-              <a:defRPr sz="2000">
-                <a:solidFill>
-                  <a:schemeClr val="tx1"/>
-                </a:solidFill>
-                <a:latin typeface="Arial" charset="0"/>
-                <a:ea typeface="ＭＳ Ｐゴシック" charset="-128"/>
-              </a:defRPr>
-            </a:lvl5pPr>
-            <a:lvl6pPr marL="2514600" indent="-228600" eaLnBrk="0" fontAlgn="base" hangingPunct="0">
-              <a:spcBef>
-                <a:spcPct val="20000"/>
-              </a:spcBef>
-              <a:spcAft>
-                <a:spcPct val="0"/>
-              </a:spcAft>
-              <a:buClr>
-                <a:schemeClr val="accent1"/>
-              </a:buClr>
-              <a:buSzPct val="75000"/>
-              <a:buFont typeface="Wingdings" charset="2"/>
-              <a:buChar char="§"/>
-              <a:defRPr sz="2000">
-                <a:solidFill>
-                  <a:schemeClr val="tx1"/>
-                </a:solidFill>
-                <a:latin typeface="Arial" charset="0"/>
-                <a:ea typeface="ＭＳ Ｐゴシック" charset="-128"/>
-              </a:defRPr>
-            </a:lvl6pPr>
-            <a:lvl7pPr marL="2971800" indent="-228600" eaLnBrk="0" fontAlgn="base" hangingPunct="0">
-              <a:spcBef>
-                <a:spcPct val="20000"/>
-              </a:spcBef>
-              <a:spcAft>
-                <a:spcPct val="0"/>
-              </a:spcAft>
-              <a:buClr>
-                <a:schemeClr val="accent1"/>
-              </a:buClr>
-              <a:buSzPct val="75000"/>
-              <a:buFont typeface="Wingdings" charset="2"/>
-              <a:buChar char="§"/>
-              <a:defRPr sz="2000">
-                <a:solidFill>
-                  <a:schemeClr val="tx1"/>
-                </a:solidFill>
-                <a:latin typeface="Arial" charset="0"/>
-                <a:ea typeface="ＭＳ Ｐゴシック" charset="-128"/>
-              </a:defRPr>
-            </a:lvl7pPr>
-            <a:lvl8pPr marL="3429000" indent="-228600" eaLnBrk="0" fontAlgn="base" hangingPunct="0">
-              <a:spcBef>
-                <a:spcPct val="20000"/>
-              </a:spcBef>
-              <a:spcAft>
-                <a:spcPct val="0"/>
-              </a:spcAft>
-              <a:buClr>
-                <a:schemeClr val="accent1"/>
-              </a:buClr>
-              <a:buSzPct val="75000"/>
-              <a:buFont typeface="Wingdings" charset="2"/>
-              <a:buChar char="§"/>
-              <a:defRPr sz="2000">
-                <a:solidFill>
-                  <a:schemeClr val="tx1"/>
-                </a:solidFill>
-                <a:latin typeface="Arial" charset="0"/>
-                <a:ea typeface="ＭＳ Ｐゴシック" charset="-128"/>
-              </a:defRPr>
-            </a:lvl8pPr>
-            <a:lvl9pPr marL="3886200" indent="-228600" eaLnBrk="0" fontAlgn="base" hangingPunct="0">
-              <a:spcBef>
-                <a:spcPct val="20000"/>
-              </a:spcBef>
-              <a:spcAft>
-                <a:spcPct val="0"/>
-              </a:spcAft>
-              <a:buClr>
-                <a:schemeClr val="accent1"/>
-              </a:buClr>
-              <a:buSzPct val="75000"/>
-              <a:buFont typeface="Wingdings" charset="2"/>
-              <a:buChar char="§"/>
-              <a:defRPr sz="2000">
-                <a:solidFill>
-                  <a:schemeClr val="tx1"/>
-                </a:solidFill>
-                <a:latin typeface="Arial" charset="0"/>
-                <a:ea typeface="ＭＳ Ｐゴシック" charset="-128"/>
-              </a:defRPr>
-            </a:lvl9pPr>
-          </a:lstStyle>
-          <a:p>
-            <a:pPr eaLnBrk="1" hangingPunct="1">
-              <a:spcBef>
-                <a:spcPct val="0"/>
-              </a:spcBef>
-              <a:buClrTx/>
-              <a:buSzTx/>
-              <a:buFontTx/>
-              <a:buNone/>
-            </a:pPr>
-            <a:fld id="{8EE983DE-3610-E947-9188-A2B4EC4F59CC}" type="slidenum">
-              <a:rPr lang="en-US" altLang="en-US" sz="1200">
-                <a:latin typeface="Garamond" charset="0"/>
-              </a:rPr>
-              <a:pPr eaLnBrk="1" hangingPunct="1">
-                <a:spcBef>
-                  <a:spcPct val="0"/>
-                </a:spcBef>
-                <a:buClrTx/>
-                <a:buSzTx/>
-                <a:buFontTx/>
-                <a:buNone/>
-              </a:pPr>
-              <a:t>22</a:t>
-            </a:fld>
-            <a:endParaRPr lang="en-US" altLang="en-US" sz="1200">
-              <a:latin typeface="Garamond" charset="0"/>
-            </a:endParaRPr>
-          </a:p>
-        </p:txBody>
-      </p:sp>
-      <p:sp>
-        <p:nvSpPr>
-          <p:cNvPr id="25636" name="Date Placeholder 1"/>
-          <p:cNvSpPr>
-            <a:spLocks noGrp="1"/>
-          </p:cNvSpPr>
-          <p:nvPr>
-            <p:ph type="dt" sz="quarter" idx="10"/>
-          </p:nvPr>
-        </p:nvSpPr>
-        <p:spPr>
-          <a:noFill/>
-          <a:ln/>
-          <a:extLst>
-            <a:ext uri="{909E8E84-426E-40DD-AFC4-6F175D3DCCD1}">
-              <a14:hiddenFill xmlns:a14="http://schemas.microsoft.com/office/drawing/2010/main">
-                <a:solidFill>
-                  <a:srgbClr val="FFFFFF"/>
-                </a:solidFill>
-              </a14:hiddenFill>
-            </a:ext>
-            <a:ext uri="{91240B29-F687-4F45-9708-019B960494DF}">
-              <a14:hiddenLine xmlns:a14="http://schemas.microsoft.com/office/drawing/2010/main" w="9525">
-                <a:solidFill>
-                  <a:srgbClr val="000000"/>
-                </a:solidFill>
-                <a:miter lim="800000"/>
-                <a:headEnd/>
-                <a:tailEnd/>
-              </a14:hiddenLine>
-            </a:ext>
-          </a:extLst>
-        </p:spPr>
-        <p:txBody>
-          <a:bodyPr/>
-          <a:lstStyle>
-            <a:lvl1pPr eaLnBrk="0" hangingPunct="0">
-              <a:spcBef>
-                <a:spcPct val="20000"/>
-              </a:spcBef>
-              <a:buClr>
-                <a:schemeClr val="accent1"/>
-              </a:buClr>
-              <a:buSzPct val="65000"/>
-              <a:buFont typeface="Wingdings" charset="2"/>
-              <a:buChar char="n"/>
-              <a:defRPr sz="3000">
-                <a:solidFill>
-                  <a:schemeClr val="tx1"/>
-                </a:solidFill>
-                <a:latin typeface="Arial" charset="0"/>
-                <a:ea typeface="ＭＳ Ｐゴシック" charset="-128"/>
-              </a:defRPr>
-            </a:lvl1pPr>
-            <a:lvl2pPr marL="742950" indent="-285750" eaLnBrk="0" hangingPunct="0">
-              <a:spcBef>
-                <a:spcPct val="20000"/>
-              </a:spcBef>
-              <a:buClr>
-                <a:schemeClr val="accent2"/>
-              </a:buClr>
-              <a:buSzPct val="60000"/>
-              <a:buFont typeface="Wingdings" charset="2"/>
-              <a:buChar char="q"/>
-              <a:defRPr sz="2600">
-                <a:solidFill>
-                  <a:schemeClr val="tx1"/>
-                </a:solidFill>
-                <a:latin typeface="Arial" charset="0"/>
-                <a:ea typeface="ＭＳ Ｐゴシック" charset="-128"/>
-              </a:defRPr>
-            </a:lvl2pPr>
-            <a:lvl3pPr marL="1143000" indent="-228600" eaLnBrk="0" hangingPunct="0">
-              <a:spcBef>
-                <a:spcPct val="20000"/>
-              </a:spcBef>
-              <a:buClr>
-                <a:schemeClr val="accent1"/>
-              </a:buClr>
-              <a:buSzPct val="65000"/>
-              <a:buFont typeface="Wingdings" charset="2"/>
-              <a:buChar char="n"/>
-              <a:defRPr sz="2200">
-                <a:solidFill>
-                  <a:schemeClr val="tx1"/>
-                </a:solidFill>
-                <a:latin typeface="Arial" charset="0"/>
-                <a:ea typeface="ＭＳ Ｐゴシック" charset="-128"/>
-              </a:defRPr>
-            </a:lvl3pPr>
-            <a:lvl4pPr marL="1600200" indent="-228600" eaLnBrk="0" hangingPunct="0">
-              <a:spcBef>
-                <a:spcPct val="20000"/>
-              </a:spcBef>
-              <a:buClr>
-                <a:schemeClr val="accent2"/>
-              </a:buClr>
-              <a:buSzPct val="70000"/>
-              <a:buFont typeface="Wingdings" charset="2"/>
-              <a:buChar char="q"/>
-              <a:defRPr sz="2000">
-                <a:solidFill>
-                  <a:schemeClr val="tx1"/>
-                </a:solidFill>
-                <a:latin typeface="Arial" charset="0"/>
-                <a:ea typeface="ＭＳ Ｐゴシック" charset="-128"/>
-              </a:defRPr>
-            </a:lvl4pPr>
-            <a:lvl5pPr marL="2057400" indent="-228600" eaLnBrk="0" hangingPunct="0">
-              <a:spcBef>
-                <a:spcPct val="20000"/>
-              </a:spcBef>
-              <a:buClr>
-                <a:schemeClr val="accent1"/>
-              </a:buClr>
-              <a:buSzPct val="75000"/>
-              <a:buFont typeface="Wingdings" charset="2"/>
-              <a:buChar char="§"/>
-              <a:defRPr sz="2000">
-                <a:solidFill>
-                  <a:schemeClr val="tx1"/>
-                </a:solidFill>
-                <a:latin typeface="Arial" charset="0"/>
-                <a:ea typeface="ＭＳ Ｐゴシック" charset="-128"/>
-              </a:defRPr>
-            </a:lvl5pPr>
-            <a:lvl6pPr marL="2514600" indent="-228600" eaLnBrk="0" fontAlgn="base" hangingPunct="0">
-              <a:spcBef>
-                <a:spcPct val="20000"/>
-              </a:spcBef>
-              <a:spcAft>
-                <a:spcPct val="0"/>
-              </a:spcAft>
-              <a:buClr>
-                <a:schemeClr val="accent1"/>
-              </a:buClr>
-              <a:buSzPct val="75000"/>
-              <a:buFont typeface="Wingdings" charset="2"/>
-              <a:buChar char="§"/>
-              <a:defRPr sz="2000">
-                <a:solidFill>
-                  <a:schemeClr val="tx1"/>
-                </a:solidFill>
-                <a:latin typeface="Arial" charset="0"/>
-                <a:ea typeface="ＭＳ Ｐゴシック" charset="-128"/>
-              </a:defRPr>
-            </a:lvl6pPr>
-            <a:lvl7pPr marL="2971800" indent="-228600" eaLnBrk="0" fontAlgn="base" hangingPunct="0">
-              <a:spcBef>
-                <a:spcPct val="20000"/>
-              </a:spcBef>
-              <a:spcAft>
-                <a:spcPct val="0"/>
-              </a:spcAft>
-              <a:buClr>
-                <a:schemeClr val="accent1"/>
-              </a:buClr>
-              <a:buSzPct val="75000"/>
-              <a:buFont typeface="Wingdings" charset="2"/>
-              <a:buChar char="§"/>
-              <a:defRPr sz="2000">
-                <a:solidFill>
-                  <a:schemeClr val="tx1"/>
-                </a:solidFill>
-                <a:latin typeface="Arial" charset="0"/>
-                <a:ea typeface="ＭＳ Ｐゴシック" charset="-128"/>
-              </a:defRPr>
-            </a:lvl7pPr>
-            <a:lvl8pPr marL="3429000" indent="-228600" eaLnBrk="0" fontAlgn="base" hangingPunct="0">
-              <a:spcBef>
-                <a:spcPct val="20000"/>
-              </a:spcBef>
-              <a:spcAft>
-                <a:spcPct val="0"/>
-              </a:spcAft>
-              <a:buClr>
-                <a:schemeClr val="accent1"/>
-              </a:buClr>
-              <a:buSzPct val="75000"/>
-              <a:buFont typeface="Wingdings" charset="2"/>
-              <a:buChar char="§"/>
-              <a:defRPr sz="2000">
-                <a:solidFill>
-                  <a:schemeClr val="tx1"/>
-                </a:solidFill>
-                <a:latin typeface="Arial" charset="0"/>
-                <a:ea typeface="ＭＳ Ｐゴシック" charset="-128"/>
-              </a:defRPr>
-            </a:lvl8pPr>
-            <a:lvl9pPr marL="3886200" indent="-228600" eaLnBrk="0" fontAlgn="base" hangingPunct="0">
-              <a:spcBef>
-                <a:spcPct val="20000"/>
-              </a:spcBef>
-              <a:spcAft>
-                <a:spcPct val="0"/>
-              </a:spcAft>
-              <a:buClr>
-                <a:schemeClr val="accent1"/>
-              </a:buClr>
-              <a:buSzPct val="75000"/>
-              <a:buFont typeface="Wingdings" charset="2"/>
-              <a:buChar char="§"/>
-              <a:defRPr sz="2000">
-                <a:solidFill>
-                  <a:schemeClr val="tx1"/>
-                </a:solidFill>
-                <a:latin typeface="Arial" charset="0"/>
-                <a:ea typeface="ＭＳ Ｐゴシック" charset="-128"/>
-              </a:defRPr>
-            </a:lvl9pPr>
-          </a:lstStyle>
-          <a:p>
-            <a:pPr eaLnBrk="1" hangingPunct="1">
-              <a:spcBef>
-                <a:spcPct val="0"/>
-              </a:spcBef>
-              <a:buClrTx/>
-              <a:buSzTx/>
-              <a:buFontTx/>
-              <a:buNone/>
-            </a:pPr>
-            <a:fld id="{3648701E-E0E0-3A4C-A370-B6A970B54D25}" type="datetime1">
-              <a:rPr lang="en-US" altLang="en-US" sz="1200">
-                <a:latin typeface="Garamond" charset="0"/>
-              </a:rPr>
-              <a:pPr eaLnBrk="1" hangingPunct="1">
-                <a:spcBef>
-                  <a:spcPct val="0"/>
-                </a:spcBef>
-                <a:buClrTx/>
-                <a:buSzTx/>
-                <a:buFontTx/>
-                <a:buNone/>
-              </a:pPr>
-              <a:t>12/6/18</a:t>
-            </a:fld>
-            <a:endParaRPr lang="en-US" altLang="en-US" sz="1200">
-              <a:latin typeface="Garamond" charset="0"/>
-            </a:endParaRPr>
-          </a:p>
-        </p:txBody>
-      </p:sp>
-      <p:sp>
-        <p:nvSpPr>
-          <p:cNvPr id="3" name="Footer Placeholder 2"/>
-          <p:cNvSpPr>
-            <a:spLocks noGrp="1"/>
-          </p:cNvSpPr>
-          <p:nvPr>
-            <p:ph type="ftr" sz="quarter" idx="11"/>
-          </p:nvPr>
-        </p:nvSpPr>
-        <p:spPr/>
-        <p:txBody>
-          <a:bodyPr/>
-          <a:lstStyle/>
-          <a:p>
-            <a:pPr>
-              <a:defRPr/>
-            </a:pPr>
-            <a:r>
-              <a:rPr lang="en-US"/>
-              <a:t>ECE Application Programming: Lecture 31</a:t>
-            </a:r>
-          </a:p>
-        </p:txBody>
-      </p:sp>
-    </p:spTree>
-    <p:extLst>
-      <p:ext uri="{BB962C8B-B14F-4D97-AF65-F5344CB8AC3E}">
-        <p14:creationId xmlns:p14="http://schemas.microsoft.com/office/powerpoint/2010/main" val="526060492"/>
-      </p:ext>
-    </p:extLst>
-  </p:cSld>
-  <p:clrMapOvr>
-    <a:masterClrMapping/>
-  </p:clrMapOvr>
-  <p:timing>
-    <p:tnLst>
-      <p:par>
-        <p:cTn id="1" dur="indefinite" restart="never" nodeType="tmRoot"/>
-      </p:par>
-    </p:tnLst>
-  </p:timing>
-</p:sld>
-</file>
-
-<file path=ppt/slides/slide23.xml><?xml version="1.0" encoding="utf-8"?>
-<p:sld xmlns:a="http://schemas.openxmlformats.org/drawingml/2006/main" xmlns:r="http://schemas.openxmlformats.org/officeDocument/2006/relationships" xmlns:p="http://schemas.openxmlformats.org/presentationml/2006/main">
-  <p:cSld>
-    <p:spTree>
-      <p:nvGrpSpPr>
-        <p:cNvPr id="1" name=""/>
-        <p:cNvGrpSpPr/>
-        <p:nvPr/>
-      </p:nvGrpSpPr>
-      <p:grpSpPr>
-        <a:xfrm>
-          <a:off x="0" y="0"/>
-          <a:ext cx="0" cy="0"/>
-          <a:chOff x="0" y="0"/>
-          <a:chExt cx="0" cy="0"/>
-        </a:xfrm>
-      </p:grpSpPr>
-      <p:sp>
-        <p:nvSpPr>
-          <p:cNvPr id="26626" name="Title 1"/>
-          <p:cNvSpPr>
-            <a:spLocks noGrp="1"/>
-          </p:cNvSpPr>
-          <p:nvPr>
-            <p:ph type="title"/>
-          </p:nvPr>
-        </p:nvSpPr>
-        <p:spPr/>
-        <p:txBody>
-          <a:bodyPr/>
-          <a:lstStyle/>
-          <a:p>
-            <a:r>
-              <a:rPr lang="en-US" altLang="en-US">
-                <a:ea typeface="ＭＳ Ｐゴシック" charset="-128"/>
-              </a:rPr>
-              <a:t>Example: Bitwise operations</a:t>
-            </a:r>
-          </a:p>
-        </p:txBody>
-      </p:sp>
-      <p:sp>
-        <p:nvSpPr>
-          <p:cNvPr id="26627" name="Content Placeholder 2"/>
-          <p:cNvSpPr>
-            <a:spLocks noGrp="1"/>
-          </p:cNvSpPr>
-          <p:nvPr>
-            <p:ph idx="1"/>
-          </p:nvPr>
-        </p:nvSpPr>
-        <p:spPr/>
-        <p:txBody>
-          <a:bodyPr/>
-          <a:lstStyle/>
-          <a:p>
-            <a:r>
-              <a:rPr lang="en-US" altLang="en-US">
-                <a:ea typeface="ＭＳ Ｐゴシック" charset="-128"/>
-              </a:rPr>
-              <a:t>Evaluate each of the following expressions if you have the following unsigned ints:</a:t>
-            </a:r>
-          </a:p>
-          <a:p>
-            <a:pPr lvl="1"/>
-            <a:r>
-              <a:rPr lang="en-US" altLang="en-US">
-                <a:ea typeface="ＭＳ Ｐゴシック" charset="-128"/>
-              </a:rPr>
-              <a:t>A = 7, B = 10, and C = 0xFFFFFFFF</a:t>
-            </a:r>
-          </a:p>
-          <a:p>
-            <a:r>
-              <a:rPr lang="en-US" altLang="en-US">
-                <a:latin typeface="Courier New" charset="0"/>
-                <a:ea typeface="ＭＳ Ｐゴシック" charset="-128"/>
-              </a:rPr>
-              <a:t>A &amp; B</a:t>
-            </a:r>
-          </a:p>
-          <a:p>
-            <a:r>
-              <a:rPr lang="en-US" altLang="en-US">
-                <a:latin typeface="Courier New" charset="0"/>
-                <a:ea typeface="ＭＳ Ｐゴシック" charset="-128"/>
-              </a:rPr>
-              <a:t>A | ~B</a:t>
-            </a:r>
-          </a:p>
-          <a:p>
-            <a:r>
-              <a:rPr lang="en-US" altLang="en-US">
-                <a:latin typeface="Courier New" charset="0"/>
-                <a:ea typeface="ＭＳ Ｐゴシック" charset="-128"/>
-              </a:rPr>
-              <a:t>A ^ C</a:t>
-            </a:r>
-          </a:p>
-          <a:p>
-            <a:r>
-              <a:rPr lang="en-US" altLang="en-US">
-                <a:latin typeface="Courier New" charset="0"/>
-                <a:ea typeface="ＭＳ Ｐゴシック" charset="-128"/>
-              </a:rPr>
-              <a:t>A &lt;&lt; 4</a:t>
-            </a:r>
-          </a:p>
-          <a:p>
-            <a:r>
-              <a:rPr lang="en-US" altLang="en-US">
-                <a:latin typeface="Courier New" charset="0"/>
-                <a:ea typeface="ＭＳ Ｐゴシック" charset="-128"/>
-              </a:rPr>
-              <a:t>B &gt;&gt; 5</a:t>
-            </a:r>
-          </a:p>
-          <a:p>
-            <a:r>
-              <a:rPr lang="en-US" altLang="en-US">
-                <a:latin typeface="Courier New" charset="0"/>
-                <a:ea typeface="ＭＳ Ｐゴシック" charset="-128"/>
-              </a:rPr>
-              <a:t>A | (B &lt;&lt; 2)</a:t>
-            </a:r>
-          </a:p>
-        </p:txBody>
-      </p:sp>
-      <p:sp>
-        <p:nvSpPr>
-          <p:cNvPr id="26628" name="Date Placeholder 3"/>
-          <p:cNvSpPr>
-            <a:spLocks noGrp="1"/>
-          </p:cNvSpPr>
-          <p:nvPr>
-            <p:ph type="dt" sz="quarter" idx="10"/>
-          </p:nvPr>
-        </p:nvSpPr>
-        <p:spPr>
-          <a:noFill/>
-          <a:ln/>
-          <a:extLst>
-            <a:ext uri="{909E8E84-426E-40DD-AFC4-6F175D3DCCD1}">
-              <a14:hiddenFill xmlns:a14="http://schemas.microsoft.com/office/drawing/2010/main">
-                <a:solidFill>
-                  <a:srgbClr val="FFFFFF"/>
-                </a:solidFill>
-              </a14:hiddenFill>
-            </a:ext>
-            <a:ext uri="{91240B29-F687-4F45-9708-019B960494DF}">
-              <a14:hiddenLine xmlns:a14="http://schemas.microsoft.com/office/drawing/2010/main" w="9525">
-                <a:solidFill>
-                  <a:srgbClr val="000000"/>
-                </a:solidFill>
-                <a:miter lim="800000"/>
-                <a:headEnd/>
-                <a:tailEnd/>
-              </a14:hiddenLine>
-            </a:ext>
-          </a:extLst>
-        </p:spPr>
-        <p:txBody>
-          <a:bodyPr/>
-          <a:lstStyle>
-            <a:lvl1pPr eaLnBrk="0" hangingPunct="0">
-              <a:spcBef>
-                <a:spcPct val="20000"/>
-              </a:spcBef>
-              <a:buClr>
-                <a:schemeClr val="accent1"/>
-              </a:buClr>
-              <a:buSzPct val="65000"/>
-              <a:buFont typeface="Wingdings" charset="2"/>
-              <a:buChar char="n"/>
-              <a:defRPr sz="3000">
-                <a:solidFill>
-                  <a:schemeClr val="tx1"/>
-                </a:solidFill>
-                <a:latin typeface="Arial" charset="0"/>
-                <a:ea typeface="ＭＳ Ｐゴシック" charset="-128"/>
-              </a:defRPr>
-            </a:lvl1pPr>
-            <a:lvl2pPr marL="742950" indent="-285750" eaLnBrk="0" hangingPunct="0">
-              <a:spcBef>
-                <a:spcPct val="20000"/>
-              </a:spcBef>
-              <a:buClr>
-                <a:schemeClr val="accent2"/>
-              </a:buClr>
-              <a:buSzPct val="60000"/>
-              <a:buFont typeface="Wingdings" charset="2"/>
-              <a:buChar char="q"/>
-              <a:defRPr sz="2600">
-                <a:solidFill>
-                  <a:schemeClr val="tx1"/>
-                </a:solidFill>
-                <a:latin typeface="Arial" charset="0"/>
-                <a:ea typeface="ＭＳ Ｐゴシック" charset="-128"/>
-              </a:defRPr>
-            </a:lvl2pPr>
-            <a:lvl3pPr marL="1143000" indent="-228600" eaLnBrk="0" hangingPunct="0">
-              <a:spcBef>
-                <a:spcPct val="20000"/>
-              </a:spcBef>
-              <a:buClr>
-                <a:schemeClr val="accent1"/>
-              </a:buClr>
-              <a:buSzPct val="65000"/>
-              <a:buFont typeface="Wingdings" charset="2"/>
-              <a:buChar char="n"/>
-              <a:defRPr sz="2200">
-                <a:solidFill>
-                  <a:schemeClr val="tx1"/>
-                </a:solidFill>
-                <a:latin typeface="Arial" charset="0"/>
-                <a:ea typeface="ＭＳ Ｐゴシック" charset="-128"/>
-              </a:defRPr>
-            </a:lvl3pPr>
-            <a:lvl4pPr marL="1600200" indent="-228600" eaLnBrk="0" hangingPunct="0">
-              <a:spcBef>
-                <a:spcPct val="20000"/>
-              </a:spcBef>
-              <a:buClr>
-                <a:schemeClr val="accent2"/>
-              </a:buClr>
-              <a:buSzPct val="70000"/>
-              <a:buFont typeface="Wingdings" charset="2"/>
-              <a:buChar char="q"/>
-              <a:defRPr sz="2000">
-                <a:solidFill>
-                  <a:schemeClr val="tx1"/>
-                </a:solidFill>
-                <a:latin typeface="Arial" charset="0"/>
-                <a:ea typeface="ＭＳ Ｐゴシック" charset="-128"/>
-              </a:defRPr>
-            </a:lvl4pPr>
-            <a:lvl5pPr marL="2057400" indent="-228600" eaLnBrk="0" hangingPunct="0">
-              <a:spcBef>
-                <a:spcPct val="20000"/>
-              </a:spcBef>
-              <a:buClr>
-                <a:schemeClr val="accent1"/>
-              </a:buClr>
-              <a:buSzPct val="75000"/>
-              <a:buFont typeface="Wingdings" charset="2"/>
-              <a:buChar char="§"/>
-              <a:defRPr sz="2000">
-                <a:solidFill>
-                  <a:schemeClr val="tx1"/>
-                </a:solidFill>
-                <a:latin typeface="Arial" charset="0"/>
-                <a:ea typeface="ＭＳ Ｐゴシック" charset="-128"/>
-              </a:defRPr>
-            </a:lvl5pPr>
-            <a:lvl6pPr marL="2514600" indent="-228600" eaLnBrk="0" fontAlgn="base" hangingPunct="0">
-              <a:spcBef>
-                <a:spcPct val="20000"/>
-              </a:spcBef>
-              <a:spcAft>
-                <a:spcPct val="0"/>
-              </a:spcAft>
-              <a:buClr>
-                <a:schemeClr val="accent1"/>
-              </a:buClr>
-              <a:buSzPct val="75000"/>
-              <a:buFont typeface="Wingdings" charset="2"/>
-              <a:buChar char="§"/>
-              <a:defRPr sz="2000">
-                <a:solidFill>
-                  <a:schemeClr val="tx1"/>
-                </a:solidFill>
-                <a:latin typeface="Arial" charset="0"/>
-                <a:ea typeface="ＭＳ Ｐゴシック" charset="-128"/>
-              </a:defRPr>
-            </a:lvl6pPr>
-            <a:lvl7pPr marL="2971800" indent="-228600" eaLnBrk="0" fontAlgn="base" hangingPunct="0">
-              <a:spcBef>
-                <a:spcPct val="20000"/>
-              </a:spcBef>
-              <a:spcAft>
-                <a:spcPct val="0"/>
-              </a:spcAft>
-              <a:buClr>
-                <a:schemeClr val="accent1"/>
-              </a:buClr>
-              <a:buSzPct val="75000"/>
-              <a:buFont typeface="Wingdings" charset="2"/>
-              <a:buChar char="§"/>
-              <a:defRPr sz="2000">
-                <a:solidFill>
-                  <a:schemeClr val="tx1"/>
-                </a:solidFill>
-                <a:latin typeface="Arial" charset="0"/>
-                <a:ea typeface="ＭＳ Ｐゴシック" charset="-128"/>
-              </a:defRPr>
-            </a:lvl7pPr>
-            <a:lvl8pPr marL="3429000" indent="-228600" eaLnBrk="0" fontAlgn="base" hangingPunct="0">
-              <a:spcBef>
-                <a:spcPct val="20000"/>
-              </a:spcBef>
-              <a:spcAft>
-                <a:spcPct val="0"/>
-              </a:spcAft>
-              <a:buClr>
-                <a:schemeClr val="accent1"/>
-              </a:buClr>
-              <a:buSzPct val="75000"/>
-              <a:buFont typeface="Wingdings" charset="2"/>
-              <a:buChar char="§"/>
-              <a:defRPr sz="2000">
-                <a:solidFill>
-                  <a:schemeClr val="tx1"/>
-                </a:solidFill>
-                <a:latin typeface="Arial" charset="0"/>
-                <a:ea typeface="ＭＳ Ｐゴシック" charset="-128"/>
-              </a:defRPr>
-            </a:lvl8pPr>
-            <a:lvl9pPr marL="3886200" indent="-228600" eaLnBrk="0" fontAlgn="base" hangingPunct="0">
-              <a:spcBef>
-                <a:spcPct val="20000"/>
-              </a:spcBef>
-              <a:spcAft>
-                <a:spcPct val="0"/>
-              </a:spcAft>
-              <a:buClr>
-                <a:schemeClr val="accent1"/>
-              </a:buClr>
-              <a:buSzPct val="75000"/>
-              <a:buFont typeface="Wingdings" charset="2"/>
-              <a:buChar char="§"/>
-              <a:defRPr sz="2000">
-                <a:solidFill>
-                  <a:schemeClr val="tx1"/>
-                </a:solidFill>
-                <a:latin typeface="Arial" charset="0"/>
-                <a:ea typeface="ＭＳ Ｐゴシック" charset="-128"/>
-              </a:defRPr>
-            </a:lvl9pPr>
-          </a:lstStyle>
-          <a:p>
-            <a:pPr eaLnBrk="1" hangingPunct="1">
-              <a:spcBef>
-                <a:spcPct val="0"/>
-              </a:spcBef>
-              <a:buClrTx/>
-              <a:buSzTx/>
-              <a:buFontTx/>
-              <a:buNone/>
-            </a:pPr>
-            <a:fld id="{6D99E333-6B38-624E-AA47-94731B3F0833}" type="datetime1">
-              <a:rPr lang="en-US" altLang="en-US" sz="1200">
-                <a:latin typeface="Garamond" charset="0"/>
-              </a:rPr>
-              <a:pPr eaLnBrk="1" hangingPunct="1">
-                <a:spcBef>
-                  <a:spcPct val="0"/>
-                </a:spcBef>
-                <a:buClrTx/>
-                <a:buSzTx/>
-                <a:buFontTx/>
-                <a:buNone/>
-              </a:pPr>
-              <a:t>12/6/18</a:t>
-            </a:fld>
-            <a:endParaRPr lang="en-US" altLang="en-US" sz="1200">
-              <a:latin typeface="Garamond" charset="0"/>
-            </a:endParaRPr>
-          </a:p>
-        </p:txBody>
-      </p:sp>
-      <p:sp>
-        <p:nvSpPr>
-          <p:cNvPr id="5" name="Footer Placeholder 4"/>
-          <p:cNvSpPr>
-            <a:spLocks noGrp="1"/>
-          </p:cNvSpPr>
-          <p:nvPr>
-            <p:ph type="ftr" sz="quarter" idx="11"/>
-          </p:nvPr>
-        </p:nvSpPr>
-        <p:spPr/>
-        <p:txBody>
-          <a:bodyPr/>
-          <a:lstStyle/>
-          <a:p>
-            <a:pPr>
-              <a:defRPr/>
-            </a:pPr>
-            <a:r>
-              <a:rPr lang="en-US" altLang="en-US"/>
-              <a:t>ECE Application Programming: Lecture 31</a:t>
-            </a:r>
-          </a:p>
-        </p:txBody>
-      </p:sp>
-      <p:sp>
-        <p:nvSpPr>
-          <p:cNvPr id="26630" name="Slide Number Placeholder 5"/>
-          <p:cNvSpPr>
-            <a:spLocks noGrp="1"/>
-          </p:cNvSpPr>
-          <p:nvPr>
-            <p:ph type="sldNum" sz="quarter" idx="12"/>
-          </p:nvPr>
-        </p:nvSpPr>
-        <p:spPr>
-          <a:noFill/>
-          <a:ln/>
-          <a:extLst>
-            <a:ext uri="{909E8E84-426E-40DD-AFC4-6F175D3DCCD1}">
-              <a14:hiddenFill xmlns:a14="http://schemas.microsoft.com/office/drawing/2010/main">
-                <a:solidFill>
-                  <a:srgbClr val="FFFFFF"/>
-                </a:solidFill>
-              </a14:hiddenFill>
-            </a:ext>
-            <a:ext uri="{91240B29-F687-4F45-9708-019B960494DF}">
-              <a14:hiddenLine xmlns:a14="http://schemas.microsoft.com/office/drawing/2010/main" w="9525">
-                <a:solidFill>
-                  <a:srgbClr val="000000"/>
-                </a:solidFill>
-                <a:miter lim="800000"/>
-                <a:headEnd/>
-                <a:tailEnd/>
-              </a14:hiddenLine>
-            </a:ext>
-          </a:extLst>
-        </p:spPr>
-        <p:txBody>
-          <a:bodyPr/>
-          <a:lstStyle>
-            <a:lvl1pPr eaLnBrk="0" hangingPunct="0">
-              <a:spcBef>
-                <a:spcPct val="20000"/>
-              </a:spcBef>
-              <a:buClr>
-                <a:schemeClr val="accent1"/>
-              </a:buClr>
-              <a:buSzPct val="65000"/>
-              <a:buFont typeface="Wingdings" charset="2"/>
-              <a:buChar char="n"/>
-              <a:defRPr sz="3000">
-                <a:solidFill>
-                  <a:schemeClr val="tx1"/>
-                </a:solidFill>
-                <a:latin typeface="Arial" charset="0"/>
-                <a:ea typeface="ＭＳ Ｐゴシック" charset="-128"/>
-              </a:defRPr>
-            </a:lvl1pPr>
-            <a:lvl2pPr marL="742950" indent="-285750" eaLnBrk="0" hangingPunct="0">
-              <a:spcBef>
-                <a:spcPct val="20000"/>
-              </a:spcBef>
-              <a:buClr>
-                <a:schemeClr val="accent2"/>
-              </a:buClr>
-              <a:buSzPct val="60000"/>
-              <a:buFont typeface="Wingdings" charset="2"/>
-              <a:buChar char="q"/>
-              <a:defRPr sz="2600">
-                <a:solidFill>
-                  <a:schemeClr val="tx1"/>
-                </a:solidFill>
-                <a:latin typeface="Arial" charset="0"/>
-                <a:ea typeface="ＭＳ Ｐゴシック" charset="-128"/>
-              </a:defRPr>
-            </a:lvl2pPr>
-            <a:lvl3pPr marL="1143000" indent="-228600" eaLnBrk="0" hangingPunct="0">
-              <a:spcBef>
-                <a:spcPct val="20000"/>
-              </a:spcBef>
-              <a:buClr>
-                <a:schemeClr val="accent1"/>
-              </a:buClr>
-              <a:buSzPct val="65000"/>
-              <a:buFont typeface="Wingdings" charset="2"/>
-              <a:buChar char="n"/>
-              <a:defRPr sz="2200">
-                <a:solidFill>
-                  <a:schemeClr val="tx1"/>
-                </a:solidFill>
-                <a:latin typeface="Arial" charset="0"/>
-                <a:ea typeface="ＭＳ Ｐゴシック" charset="-128"/>
-              </a:defRPr>
-            </a:lvl3pPr>
-            <a:lvl4pPr marL="1600200" indent="-228600" eaLnBrk="0" hangingPunct="0">
-              <a:spcBef>
-                <a:spcPct val="20000"/>
-              </a:spcBef>
-              <a:buClr>
-                <a:schemeClr val="accent2"/>
-              </a:buClr>
-              <a:buSzPct val="70000"/>
-              <a:buFont typeface="Wingdings" charset="2"/>
-              <a:buChar char="q"/>
-              <a:defRPr sz="2000">
-                <a:solidFill>
-                  <a:schemeClr val="tx1"/>
-                </a:solidFill>
-                <a:latin typeface="Arial" charset="0"/>
-                <a:ea typeface="ＭＳ Ｐゴシック" charset="-128"/>
-              </a:defRPr>
-            </a:lvl4pPr>
-            <a:lvl5pPr marL="2057400" indent="-228600" eaLnBrk="0" hangingPunct="0">
-              <a:spcBef>
-                <a:spcPct val="20000"/>
-              </a:spcBef>
-              <a:buClr>
-                <a:schemeClr val="accent1"/>
-              </a:buClr>
-              <a:buSzPct val="75000"/>
-              <a:buFont typeface="Wingdings" charset="2"/>
-              <a:buChar char="§"/>
-              <a:defRPr sz="2000">
-                <a:solidFill>
-                  <a:schemeClr val="tx1"/>
-                </a:solidFill>
-                <a:latin typeface="Arial" charset="0"/>
-                <a:ea typeface="ＭＳ Ｐゴシック" charset="-128"/>
-              </a:defRPr>
-            </a:lvl5pPr>
-            <a:lvl6pPr marL="2514600" indent="-228600" eaLnBrk="0" fontAlgn="base" hangingPunct="0">
-              <a:spcBef>
-                <a:spcPct val="20000"/>
-              </a:spcBef>
-              <a:spcAft>
-                <a:spcPct val="0"/>
-              </a:spcAft>
-              <a:buClr>
-                <a:schemeClr val="accent1"/>
-              </a:buClr>
-              <a:buSzPct val="75000"/>
-              <a:buFont typeface="Wingdings" charset="2"/>
-              <a:buChar char="§"/>
-              <a:defRPr sz="2000">
-                <a:solidFill>
-                  <a:schemeClr val="tx1"/>
-                </a:solidFill>
-                <a:latin typeface="Arial" charset="0"/>
-                <a:ea typeface="ＭＳ Ｐゴシック" charset="-128"/>
-              </a:defRPr>
-            </a:lvl6pPr>
-            <a:lvl7pPr marL="2971800" indent="-228600" eaLnBrk="0" fontAlgn="base" hangingPunct="0">
-              <a:spcBef>
-                <a:spcPct val="20000"/>
-              </a:spcBef>
-              <a:spcAft>
-                <a:spcPct val="0"/>
-              </a:spcAft>
-              <a:buClr>
-                <a:schemeClr val="accent1"/>
-              </a:buClr>
-              <a:buSzPct val="75000"/>
-              <a:buFont typeface="Wingdings" charset="2"/>
-              <a:buChar char="§"/>
-              <a:defRPr sz="2000">
-                <a:solidFill>
-                  <a:schemeClr val="tx1"/>
-                </a:solidFill>
-                <a:latin typeface="Arial" charset="0"/>
-                <a:ea typeface="ＭＳ Ｐゴシック" charset="-128"/>
-              </a:defRPr>
-            </a:lvl7pPr>
-            <a:lvl8pPr marL="3429000" indent="-228600" eaLnBrk="0" fontAlgn="base" hangingPunct="0">
-              <a:spcBef>
-                <a:spcPct val="20000"/>
-              </a:spcBef>
-              <a:spcAft>
-                <a:spcPct val="0"/>
-              </a:spcAft>
-              <a:buClr>
-                <a:schemeClr val="accent1"/>
-              </a:buClr>
-              <a:buSzPct val="75000"/>
-              <a:buFont typeface="Wingdings" charset="2"/>
-              <a:buChar char="§"/>
-              <a:defRPr sz="2000">
-                <a:solidFill>
-                  <a:schemeClr val="tx1"/>
-                </a:solidFill>
-                <a:latin typeface="Arial" charset="0"/>
-                <a:ea typeface="ＭＳ Ｐゴシック" charset="-128"/>
-              </a:defRPr>
-            </a:lvl8pPr>
-            <a:lvl9pPr marL="3886200" indent="-228600" eaLnBrk="0" fontAlgn="base" hangingPunct="0">
-              <a:spcBef>
-                <a:spcPct val="20000"/>
-              </a:spcBef>
-              <a:spcAft>
-                <a:spcPct val="0"/>
-              </a:spcAft>
-              <a:buClr>
-                <a:schemeClr val="accent1"/>
-              </a:buClr>
-              <a:buSzPct val="75000"/>
-              <a:buFont typeface="Wingdings" charset="2"/>
-              <a:buChar char="§"/>
-              <a:defRPr sz="2000">
-                <a:solidFill>
-                  <a:schemeClr val="tx1"/>
-                </a:solidFill>
-                <a:latin typeface="Arial" charset="0"/>
-                <a:ea typeface="ＭＳ Ｐゴシック" charset="-128"/>
-              </a:defRPr>
-            </a:lvl9pPr>
-          </a:lstStyle>
-          <a:p>
-            <a:pPr eaLnBrk="1" hangingPunct="1">
-              <a:spcBef>
-                <a:spcPct val="0"/>
-              </a:spcBef>
-              <a:buClrTx/>
-              <a:buSzTx/>
-              <a:buFontTx/>
-              <a:buNone/>
-            </a:pPr>
-            <a:fld id="{76DCD177-9F05-CB4C-8CA5-EE58671E604D}" type="slidenum">
-              <a:rPr lang="en-US" altLang="en-US" sz="1200">
-                <a:latin typeface="Garamond" charset="0"/>
-              </a:rPr>
-              <a:pPr eaLnBrk="1" hangingPunct="1">
-                <a:spcBef>
-                  <a:spcPct val="0"/>
-                </a:spcBef>
-                <a:buClrTx/>
-                <a:buSzTx/>
-                <a:buFontTx/>
-                <a:buNone/>
-              </a:pPr>
-              <a:t>23</a:t>
-            </a:fld>
-            <a:endParaRPr lang="en-US" altLang="en-US" sz="1200">
-              <a:latin typeface="Garamond" charset="0"/>
-            </a:endParaRPr>
-          </a:p>
-        </p:txBody>
-      </p:sp>
-    </p:spTree>
-    <p:extLst>
-      <p:ext uri="{BB962C8B-B14F-4D97-AF65-F5344CB8AC3E}">
-        <p14:creationId xmlns:p14="http://schemas.microsoft.com/office/powerpoint/2010/main" val="308514345"/>
-      </p:ext>
-    </p:extLst>
-  </p:cSld>
-  <p:clrMapOvr>
-    <a:masterClrMapping/>
-  </p:clrMapOvr>
-  <p:timing>
-    <p:tnLst>
-      <p:par>
-        <p:cTn id="1" dur="indefinite" restart="never" nodeType="tmRoot"/>
-      </p:par>
-    </p:tnLst>
-  </p:timing>
-</p:sld>
-</file>
-
-<file path=ppt/slides/slide24.xml><?xml version="1.0" encoding="utf-8"?>
-<p:sld xmlns:a="http://schemas.openxmlformats.org/drawingml/2006/main" xmlns:r="http://schemas.openxmlformats.org/officeDocument/2006/relationships" xmlns:p="http://schemas.openxmlformats.org/presentationml/2006/main">
-  <p:cSld>
-    <p:spTree>
-      <p:nvGrpSpPr>
-        <p:cNvPr id="1" name=""/>
-        <p:cNvGrpSpPr/>
-        <p:nvPr/>
-      </p:nvGrpSpPr>
-      <p:grpSpPr>
-        <a:xfrm>
-          <a:off x="0" y="0"/>
-          <a:ext cx="0" cy="0"/>
-          <a:chOff x="0" y="0"/>
-          <a:chExt cx="0" cy="0"/>
-        </a:xfrm>
-      </p:grpSpPr>
-      <p:sp>
-        <p:nvSpPr>
-          <p:cNvPr id="27650" name="Title 1"/>
-          <p:cNvSpPr>
-            <a:spLocks noGrp="1"/>
-          </p:cNvSpPr>
-          <p:nvPr>
-            <p:ph type="title"/>
-          </p:nvPr>
-        </p:nvSpPr>
-        <p:spPr/>
-        <p:txBody>
-          <a:bodyPr/>
-          <a:lstStyle/>
-          <a:p>
-            <a:r>
-              <a:rPr lang="en-US" altLang="en-US">
-                <a:ea typeface="ＭＳ Ｐゴシック" charset="-128"/>
-              </a:rPr>
-              <a:t>Example: Solution</a:t>
-            </a:r>
-          </a:p>
-        </p:txBody>
-      </p:sp>
-      <p:sp>
-        <p:nvSpPr>
-          <p:cNvPr id="27651" name="Content Placeholder 2"/>
-          <p:cNvSpPr>
-            <a:spLocks noGrp="1"/>
-          </p:cNvSpPr>
-          <p:nvPr>
-            <p:ph idx="1"/>
-          </p:nvPr>
-        </p:nvSpPr>
-        <p:spPr/>
-        <p:txBody>
-          <a:bodyPr/>
-          <a:lstStyle/>
-          <a:p>
-            <a:pPr>
-              <a:lnSpc>
-                <a:spcPct val="80000"/>
-              </a:lnSpc>
-            </a:pPr>
-            <a:r>
-              <a:rPr lang="en-US" altLang="en-US" sz="2300">
-                <a:ea typeface="ＭＳ Ｐゴシック" charset="-128"/>
-              </a:rPr>
-              <a:t>First step: convert A &amp; B to binary (or hex)</a:t>
-            </a:r>
-          </a:p>
-          <a:p>
-            <a:pPr lvl="1">
-              <a:lnSpc>
-                <a:spcPct val="80000"/>
-              </a:lnSpc>
-            </a:pPr>
-            <a:r>
-              <a:rPr lang="en-US" altLang="en-US" sz="2000">
-                <a:ea typeface="ＭＳ Ｐゴシック" charset="-128"/>
-              </a:rPr>
-              <a:t>A = 7 = 0111</a:t>
-            </a:r>
-            <a:r>
-              <a:rPr lang="en-US" altLang="en-US" sz="2000" baseline="-25000">
-                <a:ea typeface="ＭＳ Ｐゴシック" charset="-128"/>
-              </a:rPr>
-              <a:t>2</a:t>
-            </a:r>
-            <a:r>
-              <a:rPr lang="en-US" altLang="en-US" sz="2000">
-                <a:ea typeface="ＭＳ Ｐゴシック" charset="-128"/>
-              </a:rPr>
-              <a:t> = 0x7</a:t>
-            </a:r>
-          </a:p>
-          <a:p>
-            <a:pPr lvl="1">
-              <a:lnSpc>
-                <a:spcPct val="80000"/>
-              </a:lnSpc>
-            </a:pPr>
-            <a:r>
-              <a:rPr lang="en-US" altLang="en-US" sz="2000">
-                <a:ea typeface="ＭＳ Ｐゴシック" charset="-128"/>
-              </a:rPr>
-              <a:t>B = 10 = 1010</a:t>
-            </a:r>
-            <a:r>
-              <a:rPr lang="en-US" altLang="en-US" sz="2000" baseline="-25000">
-                <a:ea typeface="ＭＳ Ｐゴシック" charset="-128"/>
-              </a:rPr>
-              <a:t>2</a:t>
-            </a:r>
-            <a:r>
-              <a:rPr lang="en-US" altLang="en-US" sz="2000">
-                <a:ea typeface="ＭＳ Ｐゴシック" charset="-128"/>
-              </a:rPr>
-              <a:t> = 0xA</a:t>
-            </a:r>
-          </a:p>
-          <a:p>
-            <a:pPr>
-              <a:lnSpc>
-                <a:spcPct val="80000"/>
-              </a:lnSpc>
-            </a:pPr>
-            <a:r>
-              <a:rPr lang="en-US" altLang="en-US" sz="2300">
-                <a:ea typeface="ＭＳ Ｐゴシック" charset="-128"/>
-              </a:rPr>
-              <a:t>Now solve problems</a:t>
-            </a:r>
-          </a:p>
-          <a:p>
-            <a:pPr lvl="1">
-              <a:lnSpc>
-                <a:spcPct val="80000"/>
-              </a:lnSpc>
-            </a:pPr>
-            <a:r>
-              <a:rPr lang="en-US" altLang="en-US" sz="2000">
-                <a:latin typeface="Courier New" charset="0"/>
-                <a:ea typeface="ＭＳ Ｐゴシック" charset="-128"/>
-              </a:rPr>
-              <a:t>A &amp; B = 0111 &amp; 1010 = </a:t>
-            </a:r>
-            <a:r>
-              <a:rPr lang="en-US" altLang="en-US" sz="2000" b="1">
-                <a:solidFill>
-                  <a:srgbClr val="FF0000"/>
-                </a:solidFill>
-                <a:latin typeface="Courier New" charset="0"/>
-                <a:ea typeface="ＭＳ Ｐゴシック" charset="-128"/>
-              </a:rPr>
-              <a:t>0010</a:t>
-            </a:r>
-            <a:r>
-              <a:rPr lang="en-US" altLang="en-US" sz="2000" b="1" baseline="-25000">
-                <a:solidFill>
-                  <a:srgbClr val="FF0000"/>
-                </a:solidFill>
-                <a:latin typeface="Courier New" charset="0"/>
-                <a:ea typeface="ＭＳ Ｐゴシック" charset="-128"/>
-              </a:rPr>
-              <a:t>2 </a:t>
-            </a:r>
-            <a:endParaRPr lang="en-US" altLang="en-US" sz="2000">
-              <a:latin typeface="Courier New" charset="0"/>
-              <a:ea typeface="ＭＳ Ｐゴシック" charset="-128"/>
-            </a:endParaRPr>
-          </a:p>
-          <a:p>
-            <a:pPr lvl="1">
-              <a:lnSpc>
-                <a:spcPct val="80000"/>
-              </a:lnSpc>
-            </a:pPr>
-            <a:r>
-              <a:rPr lang="en-US" altLang="en-US" sz="2000">
-                <a:latin typeface="Courier New" charset="0"/>
-                <a:ea typeface="ＭＳ Ｐゴシック" charset="-128"/>
-              </a:rPr>
-              <a:t>A | ~B = 0111 | ~1010 </a:t>
-            </a:r>
-          </a:p>
-          <a:p>
-            <a:pPr lvl="1">
-              <a:lnSpc>
-                <a:spcPct val="80000"/>
-              </a:lnSpc>
-              <a:buFont typeface="Wingdings" charset="2"/>
-              <a:buNone/>
-            </a:pPr>
-            <a:r>
-              <a:rPr lang="en-US" altLang="en-US" sz="2000">
-                <a:latin typeface="Courier New" charset="0"/>
-                <a:ea typeface="ＭＳ Ｐゴシック" charset="-128"/>
-              </a:rPr>
-              <a:t>			= 0111 | 0101 = </a:t>
-            </a:r>
-            <a:r>
-              <a:rPr lang="en-US" altLang="en-US" sz="2000" b="1">
-                <a:solidFill>
-                  <a:srgbClr val="FF0000"/>
-                </a:solidFill>
-                <a:latin typeface="Courier New" charset="0"/>
-                <a:ea typeface="ＭＳ Ｐゴシック" charset="-128"/>
-              </a:rPr>
-              <a:t>0111</a:t>
-            </a:r>
-            <a:r>
-              <a:rPr lang="en-US" altLang="en-US" sz="2000" b="1" baseline="-25000">
-                <a:solidFill>
-                  <a:srgbClr val="FF0000"/>
-                </a:solidFill>
-                <a:latin typeface="Courier New" charset="0"/>
-                <a:ea typeface="ＭＳ Ｐゴシック" charset="-128"/>
-              </a:rPr>
-              <a:t>2</a:t>
-            </a:r>
-            <a:r>
-              <a:rPr lang="en-US" altLang="en-US" sz="2000" b="1">
-                <a:solidFill>
-                  <a:srgbClr val="FF0000"/>
-                </a:solidFill>
-                <a:latin typeface="Courier New" charset="0"/>
-                <a:ea typeface="ＭＳ Ｐゴシック" charset="-128"/>
-              </a:rPr>
-              <a:t/>
-            </a:r>
-            <a:br>
-              <a:rPr lang="en-US" altLang="en-US" sz="2000" b="1">
-                <a:solidFill>
-                  <a:srgbClr val="FF0000"/>
-                </a:solidFill>
-                <a:latin typeface="Courier New" charset="0"/>
-                <a:ea typeface="ＭＳ Ｐゴシック" charset="-128"/>
-              </a:rPr>
-            </a:br>
-            <a:r>
-              <a:rPr lang="en-US" altLang="en-US" sz="2000" b="1">
-                <a:solidFill>
-                  <a:srgbClr val="FF0000"/>
-                </a:solidFill>
-                <a:latin typeface="Courier New" charset="0"/>
-                <a:ea typeface="ＭＳ Ｐゴシック" charset="-128"/>
-              </a:rPr>
-              <a:t>Upper 28 bits = 1!</a:t>
-            </a:r>
-          </a:p>
-          <a:p>
-            <a:pPr lvl="1">
-              <a:lnSpc>
-                <a:spcPct val="80000"/>
-              </a:lnSpc>
-              <a:buFont typeface="Wingdings" charset="2"/>
-              <a:buNone/>
-            </a:pPr>
-            <a:r>
-              <a:rPr lang="en-US" altLang="en-US" sz="2000" b="1">
-                <a:solidFill>
-                  <a:srgbClr val="FF0000"/>
-                </a:solidFill>
-                <a:latin typeface="Courier New" charset="0"/>
-                <a:ea typeface="ＭＳ Ｐゴシック" charset="-128"/>
-              </a:rPr>
-              <a:t>	Final answer: 0xFFFFFFF7</a:t>
-            </a:r>
-            <a:endParaRPr lang="en-US" altLang="en-US" sz="2000">
-              <a:latin typeface="Courier New" charset="0"/>
-              <a:ea typeface="ＭＳ Ｐゴシック" charset="-128"/>
-            </a:endParaRPr>
-          </a:p>
-          <a:p>
-            <a:pPr lvl="1">
-              <a:lnSpc>
-                <a:spcPct val="80000"/>
-              </a:lnSpc>
-            </a:pPr>
-            <a:r>
-              <a:rPr lang="en-US" altLang="en-US" sz="2000">
-                <a:latin typeface="Courier New" charset="0"/>
-                <a:ea typeface="ＭＳ Ｐゴシック" charset="-128"/>
-              </a:rPr>
-              <a:t>A ^ C = (0000 ... 0111) ^ (1111 ... 1111)</a:t>
-            </a:r>
-          </a:p>
-          <a:p>
-            <a:pPr lvl="1">
-              <a:lnSpc>
-                <a:spcPct val="80000"/>
-              </a:lnSpc>
-              <a:buFont typeface="Wingdings" charset="2"/>
-              <a:buNone/>
-            </a:pPr>
-            <a:r>
-              <a:rPr lang="en-US" altLang="en-US" sz="2000">
-                <a:latin typeface="Courier New" charset="0"/>
-                <a:ea typeface="ＭＳ Ｐゴシック" charset="-128"/>
-              </a:rPr>
-              <a:t>			= </a:t>
-            </a:r>
-            <a:r>
-              <a:rPr lang="en-US" altLang="en-US" sz="2000" b="1">
-                <a:solidFill>
-                  <a:srgbClr val="FF0000"/>
-                </a:solidFill>
-                <a:latin typeface="Courier New" charset="0"/>
-                <a:ea typeface="ＭＳ Ｐゴシック" charset="-128"/>
-              </a:rPr>
-              <a:t>1111 ... 1000</a:t>
-            </a:r>
-            <a:r>
-              <a:rPr lang="en-US" altLang="en-US" sz="2000" b="1" baseline="-25000">
-                <a:solidFill>
-                  <a:srgbClr val="FF0000"/>
-                </a:solidFill>
-                <a:latin typeface="Courier New" charset="0"/>
-                <a:ea typeface="ＭＳ Ｐゴシック" charset="-128"/>
-              </a:rPr>
-              <a:t>2</a:t>
-            </a:r>
-            <a:r>
-              <a:rPr lang="en-US" altLang="en-US" sz="2000" b="1">
-                <a:solidFill>
-                  <a:srgbClr val="FF0000"/>
-                </a:solidFill>
-                <a:latin typeface="Courier New" charset="0"/>
-                <a:ea typeface="ＭＳ Ｐゴシック" charset="-128"/>
-              </a:rPr>
-              <a:t> </a:t>
-            </a:r>
-            <a:r>
-              <a:rPr lang="en-US" altLang="en-US" sz="2000">
-                <a:latin typeface="Courier New" charset="0"/>
-                <a:ea typeface="ＭＳ Ｐゴシック" charset="-128"/>
-              </a:rPr>
-              <a:t>= </a:t>
-            </a:r>
-            <a:r>
-              <a:rPr lang="en-US" altLang="en-US" sz="2000" b="1">
-                <a:solidFill>
-                  <a:srgbClr val="FF0000"/>
-                </a:solidFill>
-                <a:latin typeface="Courier New" charset="0"/>
-                <a:ea typeface="ＭＳ Ｐゴシック" charset="-128"/>
-              </a:rPr>
-              <a:t>0xFFFFFFF8</a:t>
-            </a:r>
-          </a:p>
-          <a:p>
-            <a:pPr lvl="1">
-              <a:lnSpc>
-                <a:spcPct val="80000"/>
-              </a:lnSpc>
-            </a:pPr>
-            <a:r>
-              <a:rPr lang="en-US" altLang="en-US" sz="2000">
-                <a:latin typeface="Courier New" charset="0"/>
-                <a:ea typeface="ＭＳ Ｐゴシック" charset="-128"/>
-              </a:rPr>
-              <a:t>A &lt;&lt; 4 = 0111 &lt;&lt; (4 bits) = </a:t>
-            </a:r>
-            <a:r>
-              <a:rPr lang="en-US" altLang="en-US" sz="2000" b="1">
-                <a:solidFill>
-                  <a:srgbClr val="FF0000"/>
-                </a:solidFill>
-                <a:latin typeface="Courier New" charset="0"/>
-                <a:ea typeface="ＭＳ Ｐゴシック" charset="-128"/>
-              </a:rPr>
-              <a:t>01110000</a:t>
-            </a:r>
-            <a:r>
-              <a:rPr lang="en-US" altLang="en-US" sz="2000" b="1" baseline="-25000">
-                <a:solidFill>
-                  <a:srgbClr val="FF0000"/>
-                </a:solidFill>
-                <a:latin typeface="Courier New" charset="0"/>
-                <a:ea typeface="ＭＳ Ｐゴシック" charset="-128"/>
-              </a:rPr>
-              <a:t>2</a:t>
-            </a:r>
-            <a:r>
-              <a:rPr lang="en-US" altLang="en-US" sz="2000" b="1">
-                <a:solidFill>
-                  <a:srgbClr val="FF0000"/>
-                </a:solidFill>
-                <a:latin typeface="Courier New" charset="0"/>
-                <a:ea typeface="ＭＳ Ｐゴシック" charset="-128"/>
-              </a:rPr>
-              <a:t> = 0x70</a:t>
-            </a:r>
-          </a:p>
-          <a:p>
-            <a:pPr lvl="1">
-              <a:lnSpc>
-                <a:spcPct val="80000"/>
-              </a:lnSpc>
-            </a:pPr>
-            <a:r>
-              <a:rPr lang="en-US" altLang="en-US" sz="2000">
-                <a:latin typeface="Courier New" charset="0"/>
-                <a:ea typeface="ＭＳ Ｐゴシック" charset="-128"/>
-              </a:rPr>
-              <a:t>B &gt;&gt; 5 = 1010 &gt;&gt; (5 bits) = 0</a:t>
-            </a:r>
-          </a:p>
-          <a:p>
-            <a:pPr lvl="2">
-              <a:lnSpc>
-                <a:spcPct val="80000"/>
-              </a:lnSpc>
-            </a:pPr>
-            <a:r>
-              <a:rPr lang="en-US" altLang="en-US" sz="1700">
-                <a:ea typeface="ＭＳ Ｐゴシック" charset="-128"/>
-              </a:rPr>
-              <a:t>Only lowest 4 bits of B contain non-zero values!</a:t>
-            </a:r>
-          </a:p>
-          <a:p>
-            <a:pPr lvl="1">
-              <a:lnSpc>
-                <a:spcPct val="80000"/>
-              </a:lnSpc>
-            </a:pPr>
-            <a:r>
-              <a:rPr lang="en-US" altLang="en-US" sz="2000">
-                <a:latin typeface="Courier New" charset="0"/>
-                <a:ea typeface="ＭＳ Ｐゴシック" charset="-128"/>
-              </a:rPr>
-              <a:t>A | (B &lt;&lt; 2)</a:t>
-            </a:r>
-            <a:r>
-              <a:rPr lang="en-US" altLang="en-US" sz="2000">
-                <a:ea typeface="ＭＳ Ｐゴシック" charset="-128"/>
-              </a:rPr>
-              <a:t> =  </a:t>
-            </a:r>
-            <a:r>
-              <a:rPr lang="en-US" altLang="en-US" sz="2000">
-                <a:latin typeface="Courier New" charset="0"/>
-                <a:ea typeface="ＭＳ Ｐゴシック" charset="-128"/>
-              </a:rPr>
-              <a:t>0111 | (1010 &lt;&lt; 2 bits)</a:t>
-            </a:r>
-          </a:p>
-          <a:p>
-            <a:pPr lvl="1">
-              <a:lnSpc>
-                <a:spcPct val="80000"/>
-              </a:lnSpc>
-              <a:buFont typeface="Wingdings" charset="2"/>
-              <a:buNone/>
-            </a:pPr>
-            <a:r>
-              <a:rPr lang="en-US" altLang="en-US" sz="2000">
-                <a:latin typeface="Courier New" charset="0"/>
-                <a:ea typeface="ＭＳ Ｐゴシック" charset="-128"/>
-              </a:rPr>
-              <a:t>				= 0111 | 101000 = </a:t>
-            </a:r>
-            <a:r>
-              <a:rPr lang="en-US" altLang="en-US" sz="2000" b="1">
-                <a:solidFill>
-                  <a:srgbClr val="FF0000"/>
-                </a:solidFill>
-                <a:latin typeface="Courier New" charset="0"/>
-                <a:ea typeface="ＭＳ Ｐゴシック" charset="-128"/>
-              </a:rPr>
-              <a:t>101111</a:t>
-            </a:r>
-            <a:r>
-              <a:rPr lang="en-US" altLang="en-US" sz="2000" b="1" baseline="-25000">
-                <a:solidFill>
-                  <a:srgbClr val="FF0000"/>
-                </a:solidFill>
-                <a:latin typeface="Courier New" charset="0"/>
-                <a:ea typeface="ＭＳ Ｐゴシック" charset="-128"/>
-              </a:rPr>
-              <a:t>2</a:t>
-            </a:r>
-            <a:endParaRPr lang="en-US" altLang="en-US" sz="2000">
-              <a:latin typeface="Courier New" charset="0"/>
-              <a:ea typeface="ＭＳ Ｐゴシック" charset="-128"/>
-            </a:endParaRPr>
-          </a:p>
-        </p:txBody>
-      </p:sp>
-      <p:sp>
-        <p:nvSpPr>
-          <p:cNvPr id="27652" name="Date Placeholder 3"/>
-          <p:cNvSpPr>
-            <a:spLocks noGrp="1"/>
-          </p:cNvSpPr>
-          <p:nvPr>
-            <p:ph type="dt" sz="quarter" idx="10"/>
-          </p:nvPr>
-        </p:nvSpPr>
-        <p:spPr>
-          <a:noFill/>
-          <a:ln/>
-          <a:extLst>
-            <a:ext uri="{909E8E84-426E-40DD-AFC4-6F175D3DCCD1}">
-              <a14:hiddenFill xmlns:a14="http://schemas.microsoft.com/office/drawing/2010/main">
-                <a:solidFill>
-                  <a:srgbClr val="FFFFFF"/>
-                </a:solidFill>
-              </a14:hiddenFill>
-            </a:ext>
-            <a:ext uri="{91240B29-F687-4F45-9708-019B960494DF}">
-              <a14:hiddenLine xmlns:a14="http://schemas.microsoft.com/office/drawing/2010/main" w="9525">
-                <a:solidFill>
-                  <a:srgbClr val="000000"/>
-                </a:solidFill>
-                <a:miter lim="800000"/>
-                <a:headEnd/>
-                <a:tailEnd/>
-              </a14:hiddenLine>
-            </a:ext>
-          </a:extLst>
-        </p:spPr>
-        <p:txBody>
-          <a:bodyPr/>
-          <a:lstStyle>
-            <a:lvl1pPr eaLnBrk="0" hangingPunct="0">
-              <a:spcBef>
-                <a:spcPct val="20000"/>
-              </a:spcBef>
-              <a:buClr>
-                <a:schemeClr val="accent1"/>
-              </a:buClr>
-              <a:buSzPct val="65000"/>
-              <a:buFont typeface="Wingdings" charset="2"/>
-              <a:buChar char="n"/>
-              <a:defRPr sz="3000">
-                <a:solidFill>
-                  <a:schemeClr val="tx1"/>
-                </a:solidFill>
-                <a:latin typeface="Arial" charset="0"/>
-                <a:ea typeface="ＭＳ Ｐゴシック" charset="-128"/>
-              </a:defRPr>
-            </a:lvl1pPr>
-            <a:lvl2pPr marL="742950" indent="-285750" eaLnBrk="0" hangingPunct="0">
-              <a:spcBef>
-                <a:spcPct val="20000"/>
-              </a:spcBef>
-              <a:buClr>
-                <a:schemeClr val="accent2"/>
-              </a:buClr>
-              <a:buSzPct val="60000"/>
-              <a:buFont typeface="Wingdings" charset="2"/>
-              <a:buChar char="q"/>
-              <a:defRPr sz="2600">
-                <a:solidFill>
-                  <a:schemeClr val="tx1"/>
-                </a:solidFill>
-                <a:latin typeface="Arial" charset="0"/>
-                <a:ea typeface="ＭＳ Ｐゴシック" charset="-128"/>
-              </a:defRPr>
-            </a:lvl2pPr>
-            <a:lvl3pPr marL="1143000" indent="-228600" eaLnBrk="0" hangingPunct="0">
-              <a:spcBef>
-                <a:spcPct val="20000"/>
-              </a:spcBef>
-              <a:buClr>
-                <a:schemeClr val="accent1"/>
-              </a:buClr>
-              <a:buSzPct val="65000"/>
-              <a:buFont typeface="Wingdings" charset="2"/>
-              <a:buChar char="n"/>
-              <a:defRPr sz="2200">
-                <a:solidFill>
-                  <a:schemeClr val="tx1"/>
-                </a:solidFill>
-                <a:latin typeface="Arial" charset="0"/>
-                <a:ea typeface="ＭＳ Ｐゴシック" charset="-128"/>
-              </a:defRPr>
-            </a:lvl3pPr>
-            <a:lvl4pPr marL="1600200" indent="-228600" eaLnBrk="0" hangingPunct="0">
-              <a:spcBef>
-                <a:spcPct val="20000"/>
-              </a:spcBef>
-              <a:buClr>
-                <a:schemeClr val="accent2"/>
-              </a:buClr>
-              <a:buSzPct val="70000"/>
-              <a:buFont typeface="Wingdings" charset="2"/>
-              <a:buChar char="q"/>
-              <a:defRPr sz="2000">
-                <a:solidFill>
-                  <a:schemeClr val="tx1"/>
-                </a:solidFill>
-                <a:latin typeface="Arial" charset="0"/>
-                <a:ea typeface="ＭＳ Ｐゴシック" charset="-128"/>
-              </a:defRPr>
-            </a:lvl4pPr>
-            <a:lvl5pPr marL="2057400" indent="-228600" eaLnBrk="0" hangingPunct="0">
-              <a:spcBef>
-                <a:spcPct val="20000"/>
-              </a:spcBef>
-              <a:buClr>
-                <a:schemeClr val="accent1"/>
-              </a:buClr>
-              <a:buSzPct val="75000"/>
-              <a:buFont typeface="Wingdings" charset="2"/>
-              <a:buChar char="§"/>
-              <a:defRPr sz="2000">
-                <a:solidFill>
-                  <a:schemeClr val="tx1"/>
-                </a:solidFill>
-                <a:latin typeface="Arial" charset="0"/>
-                <a:ea typeface="ＭＳ Ｐゴシック" charset="-128"/>
-              </a:defRPr>
-            </a:lvl5pPr>
-            <a:lvl6pPr marL="2514600" indent="-228600" eaLnBrk="0" fontAlgn="base" hangingPunct="0">
-              <a:spcBef>
-                <a:spcPct val="20000"/>
-              </a:spcBef>
-              <a:spcAft>
-                <a:spcPct val="0"/>
-              </a:spcAft>
-              <a:buClr>
-                <a:schemeClr val="accent1"/>
-              </a:buClr>
-              <a:buSzPct val="75000"/>
-              <a:buFont typeface="Wingdings" charset="2"/>
-              <a:buChar char="§"/>
-              <a:defRPr sz="2000">
-                <a:solidFill>
-                  <a:schemeClr val="tx1"/>
-                </a:solidFill>
-                <a:latin typeface="Arial" charset="0"/>
-                <a:ea typeface="ＭＳ Ｐゴシック" charset="-128"/>
-              </a:defRPr>
-            </a:lvl6pPr>
-            <a:lvl7pPr marL="2971800" indent="-228600" eaLnBrk="0" fontAlgn="base" hangingPunct="0">
-              <a:spcBef>
-                <a:spcPct val="20000"/>
-              </a:spcBef>
-              <a:spcAft>
-                <a:spcPct val="0"/>
-              </a:spcAft>
-              <a:buClr>
-                <a:schemeClr val="accent1"/>
-              </a:buClr>
-              <a:buSzPct val="75000"/>
-              <a:buFont typeface="Wingdings" charset="2"/>
-              <a:buChar char="§"/>
-              <a:defRPr sz="2000">
-                <a:solidFill>
-                  <a:schemeClr val="tx1"/>
-                </a:solidFill>
-                <a:latin typeface="Arial" charset="0"/>
-                <a:ea typeface="ＭＳ Ｐゴシック" charset="-128"/>
-              </a:defRPr>
-            </a:lvl7pPr>
-            <a:lvl8pPr marL="3429000" indent="-228600" eaLnBrk="0" fontAlgn="base" hangingPunct="0">
-              <a:spcBef>
-                <a:spcPct val="20000"/>
-              </a:spcBef>
-              <a:spcAft>
-                <a:spcPct val="0"/>
-              </a:spcAft>
-              <a:buClr>
-                <a:schemeClr val="accent1"/>
-              </a:buClr>
-              <a:buSzPct val="75000"/>
-              <a:buFont typeface="Wingdings" charset="2"/>
-              <a:buChar char="§"/>
-              <a:defRPr sz="2000">
-                <a:solidFill>
-                  <a:schemeClr val="tx1"/>
-                </a:solidFill>
-                <a:latin typeface="Arial" charset="0"/>
-                <a:ea typeface="ＭＳ Ｐゴシック" charset="-128"/>
-              </a:defRPr>
-            </a:lvl8pPr>
-            <a:lvl9pPr marL="3886200" indent="-228600" eaLnBrk="0" fontAlgn="base" hangingPunct="0">
-              <a:spcBef>
-                <a:spcPct val="20000"/>
-              </a:spcBef>
-              <a:spcAft>
-                <a:spcPct val="0"/>
-              </a:spcAft>
-              <a:buClr>
-                <a:schemeClr val="accent1"/>
-              </a:buClr>
-              <a:buSzPct val="75000"/>
-              <a:buFont typeface="Wingdings" charset="2"/>
-              <a:buChar char="§"/>
-              <a:defRPr sz="2000">
-                <a:solidFill>
-                  <a:schemeClr val="tx1"/>
-                </a:solidFill>
-                <a:latin typeface="Arial" charset="0"/>
-                <a:ea typeface="ＭＳ Ｐゴシック" charset="-128"/>
-              </a:defRPr>
-            </a:lvl9pPr>
-          </a:lstStyle>
-          <a:p>
-            <a:pPr eaLnBrk="1" hangingPunct="1">
-              <a:spcBef>
-                <a:spcPct val="0"/>
-              </a:spcBef>
-              <a:buClrTx/>
-              <a:buSzTx/>
-              <a:buFontTx/>
-              <a:buNone/>
-            </a:pPr>
-            <a:fld id="{4133134E-6E50-0345-B7AA-B8EBEAE63CE4}" type="datetime1">
-              <a:rPr lang="en-US" altLang="en-US" sz="1200">
-                <a:latin typeface="Garamond" charset="0"/>
-              </a:rPr>
-              <a:pPr eaLnBrk="1" hangingPunct="1">
-                <a:spcBef>
-                  <a:spcPct val="0"/>
-                </a:spcBef>
-                <a:buClrTx/>
-                <a:buSzTx/>
-                <a:buFontTx/>
-                <a:buNone/>
-              </a:pPr>
-              <a:t>12/6/18</a:t>
-            </a:fld>
-            <a:endParaRPr lang="en-US" altLang="en-US" sz="1200">
-              <a:latin typeface="Garamond" charset="0"/>
-            </a:endParaRPr>
-          </a:p>
-        </p:txBody>
-      </p:sp>
-      <p:sp>
-        <p:nvSpPr>
-          <p:cNvPr id="5" name="Footer Placeholder 4"/>
-          <p:cNvSpPr>
-            <a:spLocks noGrp="1"/>
-          </p:cNvSpPr>
-          <p:nvPr>
-            <p:ph type="ftr" sz="quarter" idx="11"/>
-          </p:nvPr>
-        </p:nvSpPr>
-        <p:spPr/>
-        <p:txBody>
-          <a:bodyPr/>
-          <a:lstStyle/>
-          <a:p>
-            <a:pPr>
-              <a:defRPr/>
-            </a:pPr>
-            <a:r>
-              <a:rPr lang="en-US" altLang="en-US"/>
-              <a:t>ECE Application Programming: Lecture 31</a:t>
-            </a:r>
-          </a:p>
-        </p:txBody>
-      </p:sp>
-      <p:sp>
-        <p:nvSpPr>
-          <p:cNvPr id="27654" name="Slide Number Placeholder 5"/>
-          <p:cNvSpPr>
-            <a:spLocks noGrp="1"/>
-          </p:cNvSpPr>
-          <p:nvPr>
-            <p:ph type="sldNum" sz="quarter" idx="12"/>
-          </p:nvPr>
-        </p:nvSpPr>
-        <p:spPr>
-          <a:noFill/>
-          <a:ln/>
-          <a:extLst>
-            <a:ext uri="{909E8E84-426E-40DD-AFC4-6F175D3DCCD1}">
-              <a14:hiddenFill xmlns:a14="http://schemas.microsoft.com/office/drawing/2010/main">
-                <a:solidFill>
-                  <a:srgbClr val="FFFFFF"/>
-                </a:solidFill>
-              </a14:hiddenFill>
-            </a:ext>
-            <a:ext uri="{91240B29-F687-4F45-9708-019B960494DF}">
-              <a14:hiddenLine xmlns:a14="http://schemas.microsoft.com/office/drawing/2010/main" w="9525">
-                <a:solidFill>
-                  <a:srgbClr val="000000"/>
-                </a:solidFill>
-                <a:miter lim="800000"/>
-                <a:headEnd/>
-                <a:tailEnd/>
-              </a14:hiddenLine>
-            </a:ext>
-          </a:extLst>
-        </p:spPr>
-        <p:txBody>
-          <a:bodyPr/>
-          <a:lstStyle>
-            <a:lvl1pPr eaLnBrk="0" hangingPunct="0">
-              <a:spcBef>
-                <a:spcPct val="20000"/>
-              </a:spcBef>
-              <a:buClr>
-                <a:schemeClr val="accent1"/>
-              </a:buClr>
-              <a:buSzPct val="65000"/>
-              <a:buFont typeface="Wingdings" charset="2"/>
-              <a:buChar char="n"/>
-              <a:defRPr sz="3000">
-                <a:solidFill>
-                  <a:schemeClr val="tx1"/>
-                </a:solidFill>
-                <a:latin typeface="Arial" charset="0"/>
-                <a:ea typeface="ＭＳ Ｐゴシック" charset="-128"/>
-              </a:defRPr>
-            </a:lvl1pPr>
-            <a:lvl2pPr marL="742950" indent="-285750" eaLnBrk="0" hangingPunct="0">
-              <a:spcBef>
-                <a:spcPct val="20000"/>
-              </a:spcBef>
-              <a:buClr>
-                <a:schemeClr val="accent2"/>
-              </a:buClr>
-              <a:buSzPct val="60000"/>
-              <a:buFont typeface="Wingdings" charset="2"/>
-              <a:buChar char="q"/>
-              <a:defRPr sz="2600">
-                <a:solidFill>
-                  <a:schemeClr val="tx1"/>
-                </a:solidFill>
-                <a:latin typeface="Arial" charset="0"/>
-                <a:ea typeface="ＭＳ Ｐゴシック" charset="-128"/>
-              </a:defRPr>
-            </a:lvl2pPr>
-            <a:lvl3pPr marL="1143000" indent="-228600" eaLnBrk="0" hangingPunct="0">
-              <a:spcBef>
-                <a:spcPct val="20000"/>
-              </a:spcBef>
-              <a:buClr>
-                <a:schemeClr val="accent1"/>
-              </a:buClr>
-              <a:buSzPct val="65000"/>
-              <a:buFont typeface="Wingdings" charset="2"/>
-              <a:buChar char="n"/>
-              <a:defRPr sz="2200">
-                <a:solidFill>
-                  <a:schemeClr val="tx1"/>
-                </a:solidFill>
-                <a:latin typeface="Arial" charset="0"/>
-                <a:ea typeface="ＭＳ Ｐゴシック" charset="-128"/>
-              </a:defRPr>
-            </a:lvl3pPr>
-            <a:lvl4pPr marL="1600200" indent="-228600" eaLnBrk="0" hangingPunct="0">
-              <a:spcBef>
-                <a:spcPct val="20000"/>
-              </a:spcBef>
-              <a:buClr>
-                <a:schemeClr val="accent2"/>
-              </a:buClr>
-              <a:buSzPct val="70000"/>
-              <a:buFont typeface="Wingdings" charset="2"/>
-              <a:buChar char="q"/>
-              <a:defRPr sz="2000">
-                <a:solidFill>
-                  <a:schemeClr val="tx1"/>
-                </a:solidFill>
-                <a:latin typeface="Arial" charset="0"/>
-                <a:ea typeface="ＭＳ Ｐゴシック" charset="-128"/>
-              </a:defRPr>
-            </a:lvl4pPr>
-            <a:lvl5pPr marL="2057400" indent="-228600" eaLnBrk="0" hangingPunct="0">
-              <a:spcBef>
-                <a:spcPct val="20000"/>
-              </a:spcBef>
-              <a:buClr>
-                <a:schemeClr val="accent1"/>
-              </a:buClr>
-              <a:buSzPct val="75000"/>
-              <a:buFont typeface="Wingdings" charset="2"/>
-              <a:buChar char="§"/>
-              <a:defRPr sz="2000">
-                <a:solidFill>
-                  <a:schemeClr val="tx1"/>
-                </a:solidFill>
-                <a:latin typeface="Arial" charset="0"/>
-                <a:ea typeface="ＭＳ Ｐゴシック" charset="-128"/>
-              </a:defRPr>
-            </a:lvl5pPr>
-            <a:lvl6pPr marL="2514600" indent="-228600" eaLnBrk="0" fontAlgn="base" hangingPunct="0">
-              <a:spcBef>
-                <a:spcPct val="20000"/>
-              </a:spcBef>
-              <a:spcAft>
-                <a:spcPct val="0"/>
-              </a:spcAft>
-              <a:buClr>
-                <a:schemeClr val="accent1"/>
-              </a:buClr>
-              <a:buSzPct val="75000"/>
-              <a:buFont typeface="Wingdings" charset="2"/>
-              <a:buChar char="§"/>
-              <a:defRPr sz="2000">
-                <a:solidFill>
-                  <a:schemeClr val="tx1"/>
-                </a:solidFill>
-                <a:latin typeface="Arial" charset="0"/>
-                <a:ea typeface="ＭＳ Ｐゴシック" charset="-128"/>
-              </a:defRPr>
-            </a:lvl6pPr>
-            <a:lvl7pPr marL="2971800" indent="-228600" eaLnBrk="0" fontAlgn="base" hangingPunct="0">
-              <a:spcBef>
-                <a:spcPct val="20000"/>
-              </a:spcBef>
-              <a:spcAft>
-                <a:spcPct val="0"/>
-              </a:spcAft>
-              <a:buClr>
-                <a:schemeClr val="accent1"/>
-              </a:buClr>
-              <a:buSzPct val="75000"/>
-              <a:buFont typeface="Wingdings" charset="2"/>
-              <a:buChar char="§"/>
-              <a:defRPr sz="2000">
-                <a:solidFill>
-                  <a:schemeClr val="tx1"/>
-                </a:solidFill>
-                <a:latin typeface="Arial" charset="0"/>
-                <a:ea typeface="ＭＳ Ｐゴシック" charset="-128"/>
-              </a:defRPr>
-            </a:lvl7pPr>
-            <a:lvl8pPr marL="3429000" indent="-228600" eaLnBrk="0" fontAlgn="base" hangingPunct="0">
-              <a:spcBef>
-                <a:spcPct val="20000"/>
-              </a:spcBef>
-              <a:spcAft>
-                <a:spcPct val="0"/>
-              </a:spcAft>
-              <a:buClr>
-                <a:schemeClr val="accent1"/>
-              </a:buClr>
-              <a:buSzPct val="75000"/>
-              <a:buFont typeface="Wingdings" charset="2"/>
-              <a:buChar char="§"/>
-              <a:defRPr sz="2000">
-                <a:solidFill>
-                  <a:schemeClr val="tx1"/>
-                </a:solidFill>
-                <a:latin typeface="Arial" charset="0"/>
-                <a:ea typeface="ＭＳ Ｐゴシック" charset="-128"/>
-              </a:defRPr>
-            </a:lvl8pPr>
-            <a:lvl9pPr marL="3886200" indent="-228600" eaLnBrk="0" fontAlgn="base" hangingPunct="0">
-              <a:spcBef>
-                <a:spcPct val="20000"/>
-              </a:spcBef>
-              <a:spcAft>
-                <a:spcPct val="0"/>
-              </a:spcAft>
-              <a:buClr>
-                <a:schemeClr val="accent1"/>
-              </a:buClr>
-              <a:buSzPct val="75000"/>
-              <a:buFont typeface="Wingdings" charset="2"/>
-              <a:buChar char="§"/>
-              <a:defRPr sz="2000">
-                <a:solidFill>
-                  <a:schemeClr val="tx1"/>
-                </a:solidFill>
-                <a:latin typeface="Arial" charset="0"/>
-                <a:ea typeface="ＭＳ Ｐゴシック" charset="-128"/>
-              </a:defRPr>
-            </a:lvl9pPr>
-          </a:lstStyle>
-          <a:p>
-            <a:pPr eaLnBrk="1" hangingPunct="1">
-              <a:spcBef>
-                <a:spcPct val="0"/>
-              </a:spcBef>
-              <a:buClrTx/>
-              <a:buSzTx/>
-              <a:buFontTx/>
-              <a:buNone/>
-            </a:pPr>
-            <a:fld id="{911A3DDD-D683-804A-98EB-68F52E183058}" type="slidenum">
-              <a:rPr lang="en-US" altLang="en-US" sz="1200">
-                <a:latin typeface="Garamond" charset="0"/>
-              </a:rPr>
-              <a:pPr eaLnBrk="1" hangingPunct="1">
-                <a:spcBef>
-                  <a:spcPct val="0"/>
-                </a:spcBef>
-                <a:buClrTx/>
-                <a:buSzTx/>
-                <a:buFontTx/>
-                <a:buNone/>
-              </a:pPr>
-              <a:t>24</a:t>
-            </a:fld>
-            <a:endParaRPr lang="en-US" altLang="en-US" sz="1200">
-              <a:latin typeface="Garamond" charset="0"/>
-            </a:endParaRPr>
-          </a:p>
-        </p:txBody>
-      </p:sp>
-    </p:spTree>
-    <p:extLst>
-      <p:ext uri="{BB962C8B-B14F-4D97-AF65-F5344CB8AC3E}">
-        <p14:creationId xmlns:p14="http://schemas.microsoft.com/office/powerpoint/2010/main" val="1175072557"/>
-      </p:ext>
-    </p:extLst>
-  </p:cSld>
-  <p:clrMapOvr>
-    <a:masterClrMapping/>
-  </p:clrMapOvr>
-  <p:timing>
-    <p:tnLst>
-      <p:par>
-        <p:cTn id="1" dur="indefinite" restart="never" nodeType="tmRoot"/>
-      </p:par>
-    </p:tnLst>
-  </p:timing>
-</p:sld>
-</file>
-
-<file path=ppt/slides/slide25.xml><?xml version="1.0" encoding="utf-8"?>
-<p:sld xmlns:a="http://schemas.openxmlformats.org/drawingml/2006/main" xmlns:r="http://schemas.openxmlformats.org/officeDocument/2006/relationships" xmlns:p="http://schemas.openxmlformats.org/presentationml/2006/main">
-  <p:cSld>
-    <p:spTree>
-      <p:nvGrpSpPr>
-        <p:cNvPr id="1" name=""/>
-        <p:cNvGrpSpPr/>
-        <p:nvPr/>
-      </p:nvGrpSpPr>
-      <p:grpSpPr>
-        <a:xfrm>
-          <a:off x="0" y="0"/>
-          <a:ext cx="0" cy="0"/>
-          <a:chOff x="0" y="0"/>
-          <a:chExt cx="0" cy="0"/>
-        </a:xfrm>
-      </p:grpSpPr>
-      <p:sp>
-        <p:nvSpPr>
           <p:cNvPr id="23554" name="Title 1"/>
           <p:cNvSpPr>
             <a:spLocks noGrp="1"/>
@@ -41485,11 +36497,11 @@
             </a:lvl9pPr>
           </a:lstStyle>
           <a:p>
-            <a:fld id="{D7BA4FA6-F84C-E74E-9A5A-374B1C5FCA0C}" type="datetime1">
+            <a:fld id="{08A72FF7-A550-084F-AAE2-8EB51A13A6A6}" type="datetime1">
               <a:rPr lang="en-US" sz="1200" smtClean="0">
                 <a:latin typeface="+mj-lt"/>
               </a:rPr>
-              <a:t>12/6/18</a:t>
+              <a:t>12/9/18</a:t>
             </a:fld>
             <a:endParaRPr lang="en-US" sz="1200" dirty="0">
               <a:latin typeface="+mj-lt"/>
@@ -41514,7 +36526,7 @@
           <a:p>
             <a:r>
               <a:rPr lang="en-US" altLang="en-US" smtClean="0"/>
-              <a:t>ECE Application Programming: Lecture 34</a:t>
+              <a:t>ECE Application Programming: Lecture 35</a:t>
             </a:r>
             <a:endParaRPr lang="en-US" altLang="en-US" dirty="0"/>
           </a:p>
@@ -41627,7 +36639,7 @@
                 <a:latin typeface="+mj-lt"/>
               </a:rPr>
               <a:pPr/>
-              <a:t>25</a:t>
+              <a:t>21</a:t>
             </a:fld>
             <a:endParaRPr lang="en-US" sz="1200" dirty="0">
               <a:latin typeface="+mj-lt"/>
@@ -42225,20 +37237,11 @@
               <a:buFontTx/>
               <a:buNone/>
             </a:pPr>
-            <a:fld id="{4A9D1354-E3D5-6F46-8BA5-3AF6F7D5A5AE}" type="datetime1">
-              <a:rPr lang="en-US" altLang="en-US" sz="1200">
+            <a:fld id="{17FBEEE6-2B4A-9A4E-A983-03A5019AB79C}" type="datetime1">
+              <a:rPr lang="en-US" altLang="en-US" sz="1200" smtClean="0">
                 <a:latin typeface="Garamond" charset="0"/>
               </a:rPr>
-              <a:pPr eaLnBrk="1" hangingPunct="1">
-                <a:spcBef>
-                  <a:spcPct val="0"/>
-                </a:spcBef>
-                <a:buClrTx/>
-                <a:buSzTx/>
-                <a:buFontTx/>
-                <a:buNone/>
-              </a:pPr>
-              <a:t>12/6/18</a:t>
+              <a:t>12/9/18</a:t>
             </a:fld>
             <a:endParaRPr lang="en-US" altLang="en-US" sz="1200">
               <a:latin typeface="Garamond" charset="0"/>
@@ -42265,9 +37268,10 @@
               <a:defRPr/>
             </a:pPr>
             <a:r>
-              <a:rPr lang="en-US" altLang="en-US"/>
-              <a:t>ECE Application Programming: Lecture 31</a:t>
-            </a:r>
+              <a:rPr lang="en-US" altLang="en-US" smtClean="0"/>
+              <a:t>ECE Application Programming: Lecture 35</a:t>
+            </a:r>
+            <a:endParaRPr lang="en-US" altLang="en-US"/>
           </a:p>
         </p:txBody>
       </p:sp>
@@ -42951,11 +37955,11 @@
           </a:lstStyle>
           <a:p>
             <a:pPr eaLnBrk="1" hangingPunct="1"/>
-            <a:fld id="{B894B1D3-4892-AD44-ABE7-2C4BCA94AD87}" type="datetime1">
+            <a:fld id="{07D3003C-2BAE-5B45-A370-739C04A44BD4}" type="datetime1">
               <a:rPr lang="en-US" smtClean="0">
                 <a:latin typeface="Garamond" charset="0"/>
               </a:rPr>
-              <a:t>12/6/18</a:t>
+              <a:t>12/9/18</a:t>
             </a:fld>
             <a:endParaRPr lang="en-US">
               <a:latin typeface="Garamond" charset="0"/>
@@ -42983,7 +37987,7 @@
             </a:pPr>
             <a:r>
               <a:rPr lang="en-US" altLang="en-US" smtClean="0"/>
-              <a:t>ECE Application Programming: Lecture 34</a:t>
+              <a:t>ECE Application Programming: Lecture 35</a:t>
             </a:r>
             <a:endParaRPr lang="en-US" altLang="en-US"/>
           </a:p>
@@ -43660,7 +38664,7 @@
                 <a:ea typeface="+mn-ea"/>
                 <a:cs typeface="Courier New" pitchFamily="49" charset="0"/>
               </a:rPr>
-              <a:t>fputs</a:t>
+              <a:t>printf</a:t>
             </a:r>
             <a:r>
               <a:rPr lang="en-US" dirty="0" smtClean="0">
@@ -43668,32 +38672,13 @@
                 <a:ea typeface="+mn-ea"/>
                 <a:cs typeface="Courier New" pitchFamily="49" charset="0"/>
               </a:rPr>
-              <a:t>(buffer</a:t>
-            </a:r>
-            <a:r>
-              <a:rPr lang="en-US" dirty="0">
-                <a:latin typeface="Courier New" pitchFamily="49" charset="0"/>
-                <a:ea typeface="+mn-ea"/>
-                <a:cs typeface="Courier New" pitchFamily="49" charset="0"/>
-              </a:rPr>
-              <a:t>, </a:t>
-            </a:r>
-            <a:r>
-              <a:rPr lang="en-US" dirty="0" err="1">
-                <a:latin typeface="Courier New" pitchFamily="49" charset="0"/>
-                <a:ea typeface="+mn-ea"/>
-                <a:cs typeface="Courier New" pitchFamily="49" charset="0"/>
-              </a:rPr>
-              <a:t>stdout</a:t>
-            </a:r>
-            <a:r>
-              <a:rPr lang="en-US" dirty="0">
-                <a:latin typeface="Courier New" pitchFamily="49" charset="0"/>
-                <a:ea typeface="+mn-ea"/>
-                <a:cs typeface="Courier New" pitchFamily="49" charset="0"/>
-              </a:rPr>
-              <a:t>);</a:t>
-            </a:r>
+              <a:t>(buffer);</a:t>
+            </a:r>
+            <a:endParaRPr lang="en-US" dirty="0">
+              <a:latin typeface="Courier New" pitchFamily="49" charset="0"/>
+              <a:ea typeface="+mn-ea"/>
+              <a:cs typeface="Courier New" pitchFamily="49" charset="0"/>
+            </a:endParaRPr>
           </a:p>
           <a:p>
             <a:pPr marL="0" indent="0">
@@ -43867,11 +38852,11 @@
           </a:lstStyle>
           <a:p>
             <a:pPr eaLnBrk="1" hangingPunct="1"/>
-            <a:fld id="{EC1D2877-385D-1D42-970A-5AEC9A8776F6}" type="datetime1">
+            <a:fld id="{F4B3875B-8BE3-5044-BB53-B762BC0A4DD6}" type="datetime1">
               <a:rPr lang="en-US" smtClean="0">
                 <a:latin typeface="Garamond" charset="0"/>
               </a:rPr>
-              <a:t>12/6/18</a:t>
+              <a:t>12/9/18</a:t>
             </a:fld>
             <a:endParaRPr lang="en-US">
               <a:latin typeface="Garamond" charset="0"/>
@@ -43899,7 +38884,7 @@
             </a:pPr>
             <a:r>
               <a:rPr lang="en-US" altLang="en-US" smtClean="0"/>
-              <a:t>ECE Application Programming: Lecture 34</a:t>
+              <a:t>ECE Application Programming: Lecture 35</a:t>
             </a:r>
             <a:endParaRPr lang="en-US" altLang="en-US"/>
           </a:p>
@@ -44657,7 +39642,7 @@
                 <a:ea typeface="+mn-ea"/>
                 <a:cs typeface="Courier New" pitchFamily="49" charset="0"/>
               </a:rPr>
-              <a:t>fputs</a:t>
+              <a:t>printf</a:t>
             </a:r>
             <a:r>
               <a:rPr lang="en-US" dirty="0" smtClean="0">
@@ -44674,22 +39659,6 @@
                 <a:cs typeface="Courier New" pitchFamily="49" charset="0"/>
               </a:rPr>
               <a:t>str</a:t>
-            </a:r>
-            <a:r>
-              <a:rPr lang="en-US" dirty="0" smtClean="0">
-                <a:latin typeface="Courier New" pitchFamily="49" charset="0"/>
-                <a:ea typeface="+mn-ea"/>
-                <a:cs typeface="Courier New" pitchFamily="49" charset="0"/>
-              </a:rPr>
-              <a:t>, </a:t>
-            </a:r>
-            <a:r>
-              <a:rPr lang="en-US" dirty="0" err="1" smtClean="0">
-                <a:latin typeface="Courier New" pitchFamily="49" charset="0"/>
-                <a:ea typeface="+mn-ea"/>
-                <a:cs typeface="Courier New" pitchFamily="49" charset="0"/>
-              </a:rPr>
-              <a:t>stdout</a:t>
             </a:r>
             <a:r>
               <a:rPr lang="en-US" dirty="0" smtClean="0">
@@ -44868,11 +39837,11 @@
           </a:lstStyle>
           <a:p>
             <a:pPr eaLnBrk="1" hangingPunct="1"/>
-            <a:fld id="{0A9D7F49-2FF4-E74A-9DC3-80F53BFA2944}" type="datetime1">
+            <a:fld id="{173141A4-04E1-4848-B7FC-1777B5B5D8FC}" type="datetime1">
               <a:rPr lang="en-US" smtClean="0">
                 <a:latin typeface="Garamond" charset="0"/>
               </a:rPr>
-              <a:t>12/6/18</a:t>
+              <a:t>12/9/18</a:t>
             </a:fld>
             <a:endParaRPr lang="en-US">
               <a:latin typeface="Garamond" charset="0"/>
@@ -44900,7 +39869,7 @@
             </a:pPr>
             <a:r>
               <a:rPr lang="en-US" altLang="en-US" smtClean="0"/>
-              <a:t>ECE Application Programming: Lecture 34</a:t>
+              <a:t>ECE Application Programming: Lecture 35</a:t>
             </a:r>
             <a:endParaRPr lang="en-US" altLang="en-US"/>
           </a:p>
@@ -46337,11 +41306,11 @@
           </a:lstStyle>
           <a:p>
             <a:pPr eaLnBrk="1" hangingPunct="1"/>
-            <a:fld id="{14B637AB-EE27-9B4D-A7B9-53ED1B4CFBD4}" type="datetime1">
+            <a:fld id="{C7001E26-A966-BE49-88DE-927BE429A277}" type="datetime1">
               <a:rPr lang="en-US" smtClean="0">
                 <a:latin typeface="Garamond" charset="0"/>
               </a:rPr>
-              <a:t>12/6/18</a:t>
+              <a:t>12/9/18</a:t>
             </a:fld>
             <a:endParaRPr lang="en-US">
               <a:latin typeface="Garamond" charset="0"/>
@@ -46369,7 +41338,7 @@
             </a:pPr>
             <a:r>
               <a:rPr lang="en-US" altLang="en-US" smtClean="0"/>
-              <a:t>ECE Application Programming: Lecture 34</a:t>
+              <a:t>ECE Application Programming: Lecture 35</a:t>
             </a:r>
             <a:endParaRPr lang="en-US" altLang="en-US"/>
           </a:p>
@@ -47021,20 +41990,11 @@
               <a:buFontTx/>
               <a:buNone/>
             </a:pPr>
-            <a:fld id="{CA713CEA-C209-FB41-8610-41812A9DF06C}" type="datetime1">
-              <a:rPr lang="en-US" altLang="en-US" sz="1200">
+            <a:fld id="{CC003522-5CA3-7542-AAAC-24A013529D13}" type="datetime1">
+              <a:rPr lang="en-US" altLang="en-US" sz="1200" smtClean="0">
                 <a:latin typeface="Garamond" charset="0"/>
               </a:rPr>
-              <a:pPr eaLnBrk="1" hangingPunct="1">
-                <a:spcBef>
-                  <a:spcPct val="0"/>
-                </a:spcBef>
-                <a:buClrTx/>
-                <a:buSzTx/>
-                <a:buFontTx/>
-                <a:buNone/>
-              </a:pPr>
-              <a:t>12/6/18</a:t>
+              <a:t>12/9/18</a:t>
             </a:fld>
             <a:endParaRPr lang="en-US" altLang="en-US" sz="1200">
               <a:latin typeface="Garamond" charset="0"/>
@@ -47061,9 +42021,10 @@
               <a:defRPr/>
             </a:pPr>
             <a:r>
-              <a:rPr lang="en-US" altLang="en-US"/>
-              <a:t>ECE Application Programming: Lecture 31</a:t>
-            </a:r>
+              <a:rPr lang="en-US" altLang="en-US" smtClean="0"/>
+              <a:t>ECE Application Programming: Lecture 35</a:t>
+            </a:r>
+            <a:endParaRPr lang="en-US" altLang="en-US"/>
           </a:p>
         </p:txBody>
       </p:sp>
@@ -48230,20 +43191,11 @@
               <a:buFontTx/>
               <a:buNone/>
             </a:pPr>
-            <a:fld id="{C818D419-79A4-7240-99E6-7D2730DF3E0C}" type="datetime1">
-              <a:rPr lang="en-US" altLang="en-US" sz="1200">
+            <a:fld id="{60587F2A-0FB5-4240-AABA-B3395B2187C2}" type="datetime1">
+              <a:rPr lang="en-US" altLang="en-US" sz="1200" smtClean="0">
                 <a:latin typeface="Garamond" charset="0"/>
               </a:rPr>
-              <a:pPr eaLnBrk="1" hangingPunct="1">
-                <a:spcBef>
-                  <a:spcPct val="0"/>
-                </a:spcBef>
-                <a:buClrTx/>
-                <a:buSzTx/>
-                <a:buFontTx/>
-                <a:buNone/>
-              </a:pPr>
-              <a:t>12/6/18</a:t>
+              <a:t>12/9/18</a:t>
             </a:fld>
             <a:endParaRPr lang="en-US" altLang="en-US" sz="1200">
               <a:latin typeface="Garamond" charset="0"/>
@@ -48270,9 +43222,10 @@
               <a:defRPr/>
             </a:pPr>
             <a:r>
-              <a:rPr lang="en-US" altLang="en-US"/>
-              <a:t>ECE Application Programming: Lecture 31</a:t>
-            </a:r>
+              <a:rPr lang="en-US" altLang="en-US" smtClean="0"/>
+              <a:t>ECE Application Programming: Lecture 35</a:t>
+            </a:r>
+            <a:endParaRPr lang="en-US" altLang="en-US"/>
           </a:p>
         </p:txBody>
       </p:sp>
